--- a/spMVC_200_Team/프레젠테이션1(김성훈).pptx
+++ b/spMVC_200_Team/프레젠테이션1(김성훈).pptx
@@ -5,16 +5,17 @@
     <p:sldMasterId id="2147483648" r:id="rId1"/>
   </p:sldMasterIdLst>
   <p:notesMasterIdLst>
-    <p:notesMasterId r:id="rId9"/>
+    <p:notesMasterId r:id="rId10"/>
   </p:notesMasterIdLst>
   <p:sldIdLst>
     <p:sldId id="256" r:id="rId2"/>
     <p:sldId id="260" r:id="rId3"/>
-    <p:sldId id="261" r:id="rId4"/>
-    <p:sldId id="257" r:id="rId5"/>
-    <p:sldId id="262" r:id="rId6"/>
-    <p:sldId id="258" r:id="rId7"/>
-    <p:sldId id="263" r:id="rId8"/>
+    <p:sldId id="264" r:id="rId4"/>
+    <p:sldId id="261" r:id="rId5"/>
+    <p:sldId id="257" r:id="rId6"/>
+    <p:sldId id="262" r:id="rId7"/>
+    <p:sldId id="258" r:id="rId8"/>
+    <p:sldId id="263" r:id="rId9"/>
   </p:sldIdLst>
   <p:sldSz cx="12192000" cy="6858000"/>
   <p:notesSz cx="6858000" cy="9144000"/>
@@ -3379,8 +3380,8 @@
         </p:blipFill>
         <p:spPr>
           <a:xfrm>
-            <a:off x="366713" y="508001"/>
-            <a:ext cx="4397375" cy="5816599"/>
+            <a:off x="0" y="2803"/>
+            <a:ext cx="4397375" cy="6855197"/>
           </a:xfrm>
           <a:prstGeom prst="rect">
             <a:avLst/>
@@ -3403,7 +3404,7 @@
         </p:blipFill>
         <p:spPr>
           <a:xfrm>
-            <a:off x="5365332" y="3553970"/>
+            <a:off x="5365332" y="4070436"/>
             <a:ext cx="6482180" cy="2770630"/>
           </a:xfrm>
           <a:prstGeom prst="rect">
@@ -3427,7 +3428,7 @@
         </p:blipFill>
         <p:spPr>
           <a:xfrm>
-            <a:off x="5365332" y="2291181"/>
+            <a:off x="5365332" y="2473215"/>
             <a:ext cx="6482180" cy="790685"/>
           </a:xfrm>
           <a:prstGeom prst="rect">
@@ -3451,7 +3452,7 @@
         </p:blipFill>
         <p:spPr>
           <a:xfrm>
-            <a:off x="5365332" y="561602"/>
+            <a:off x="5365332" y="587005"/>
             <a:ext cx="6482180" cy="1257475"/>
           </a:xfrm>
           <a:prstGeom prst="rect">
@@ -3459,6 +3460,648 @@
           </a:prstGeom>
         </p:spPr>
       </p:pic>
+      <p:sp>
+        <p:nvSpPr>
+          <p:cNvPr id="7" name="내용 개체 틀 3"/>
+          <p:cNvSpPr txBox="1">
+            <a:spLocks/>
+          </p:cNvSpPr>
+          <p:nvPr/>
+        </p:nvSpPr>
+        <p:spPr>
+          <a:xfrm>
+            <a:off x="5365332" y="203319"/>
+            <a:ext cx="6482180" cy="381485"/>
+          </a:xfrm>
+          <a:prstGeom prst="rect">
+            <a:avLst/>
+          </a:prstGeom>
+        </p:spPr>
+        <p:txBody>
+          <a:bodyPr vert="horz" lIns="91440" tIns="45720" rIns="91440" bIns="45720" rtlCol="0">
+            <a:normAutofit/>
+          </a:bodyPr>
+          <a:lstStyle>
+            <a:lvl1pPr marL="0" indent="0" algn="ctr" defTabSz="914400" rtl="0" eaLnBrk="1" latinLnBrk="1" hangingPunct="1">
+              <a:lnSpc>
+                <a:spcPct val="90000"/>
+              </a:lnSpc>
+              <a:spcBef>
+                <a:spcPts val="1000"/>
+              </a:spcBef>
+              <a:buFont typeface="Arial" panose="020B0604020202020204" pitchFamily="34" charset="0"/>
+              <a:buNone/>
+              <a:defRPr sz="2400" kern="1200">
+                <a:solidFill>
+                  <a:schemeClr val="tx1"/>
+                </a:solidFill>
+                <a:latin typeface="+mn-lt"/>
+                <a:ea typeface="+mn-ea"/>
+                <a:cs typeface="+mn-cs"/>
+              </a:defRPr>
+            </a:lvl1pPr>
+            <a:lvl2pPr marL="457200" indent="0" algn="ctr" defTabSz="914400" rtl="0" eaLnBrk="1" latinLnBrk="1" hangingPunct="1">
+              <a:lnSpc>
+                <a:spcPct val="90000"/>
+              </a:lnSpc>
+              <a:spcBef>
+                <a:spcPts val="500"/>
+              </a:spcBef>
+              <a:buFont typeface="Arial" panose="020B0604020202020204" pitchFamily="34" charset="0"/>
+              <a:buNone/>
+              <a:defRPr sz="2000" kern="1200">
+                <a:solidFill>
+                  <a:schemeClr val="tx1"/>
+                </a:solidFill>
+                <a:latin typeface="+mn-lt"/>
+                <a:ea typeface="+mn-ea"/>
+                <a:cs typeface="+mn-cs"/>
+              </a:defRPr>
+            </a:lvl2pPr>
+            <a:lvl3pPr marL="914400" indent="0" algn="ctr" defTabSz="914400" rtl="0" eaLnBrk="1" latinLnBrk="1" hangingPunct="1">
+              <a:lnSpc>
+                <a:spcPct val="90000"/>
+              </a:lnSpc>
+              <a:spcBef>
+                <a:spcPts val="500"/>
+              </a:spcBef>
+              <a:buFont typeface="Arial" panose="020B0604020202020204" pitchFamily="34" charset="0"/>
+              <a:buNone/>
+              <a:defRPr sz="1800" kern="1200">
+                <a:solidFill>
+                  <a:schemeClr val="tx1"/>
+                </a:solidFill>
+                <a:latin typeface="+mn-lt"/>
+                <a:ea typeface="+mn-ea"/>
+                <a:cs typeface="+mn-cs"/>
+              </a:defRPr>
+            </a:lvl3pPr>
+            <a:lvl4pPr marL="1371600" indent="0" algn="ctr" defTabSz="914400" rtl="0" eaLnBrk="1" latinLnBrk="1" hangingPunct="1">
+              <a:lnSpc>
+                <a:spcPct val="90000"/>
+              </a:lnSpc>
+              <a:spcBef>
+                <a:spcPts val="500"/>
+              </a:spcBef>
+              <a:buFont typeface="Arial" panose="020B0604020202020204" pitchFamily="34" charset="0"/>
+              <a:buNone/>
+              <a:defRPr sz="1600" kern="1200">
+                <a:solidFill>
+                  <a:schemeClr val="tx1"/>
+                </a:solidFill>
+                <a:latin typeface="+mn-lt"/>
+                <a:ea typeface="+mn-ea"/>
+                <a:cs typeface="+mn-cs"/>
+              </a:defRPr>
+            </a:lvl4pPr>
+            <a:lvl5pPr marL="1828800" indent="0" algn="ctr" defTabSz="914400" rtl="0" eaLnBrk="1" latinLnBrk="1" hangingPunct="1">
+              <a:lnSpc>
+                <a:spcPct val="90000"/>
+              </a:lnSpc>
+              <a:spcBef>
+                <a:spcPts val="500"/>
+              </a:spcBef>
+              <a:buFont typeface="Arial" panose="020B0604020202020204" pitchFamily="34" charset="0"/>
+              <a:buNone/>
+              <a:defRPr sz="1600" kern="1200">
+                <a:solidFill>
+                  <a:schemeClr val="tx1"/>
+                </a:solidFill>
+                <a:latin typeface="+mn-lt"/>
+                <a:ea typeface="+mn-ea"/>
+                <a:cs typeface="+mn-cs"/>
+              </a:defRPr>
+            </a:lvl5pPr>
+            <a:lvl6pPr marL="2286000" indent="0" algn="ctr" defTabSz="914400" rtl="0" eaLnBrk="1" latinLnBrk="1" hangingPunct="1">
+              <a:lnSpc>
+                <a:spcPct val="90000"/>
+              </a:lnSpc>
+              <a:spcBef>
+                <a:spcPts val="500"/>
+              </a:spcBef>
+              <a:buFont typeface="Arial" panose="020B0604020202020204" pitchFamily="34" charset="0"/>
+              <a:buNone/>
+              <a:defRPr sz="1600" kern="1200">
+                <a:solidFill>
+                  <a:schemeClr val="tx1"/>
+                </a:solidFill>
+                <a:latin typeface="+mn-lt"/>
+                <a:ea typeface="+mn-ea"/>
+                <a:cs typeface="+mn-cs"/>
+              </a:defRPr>
+            </a:lvl6pPr>
+            <a:lvl7pPr marL="2743200" indent="0" algn="ctr" defTabSz="914400" rtl="0" eaLnBrk="1" latinLnBrk="1" hangingPunct="1">
+              <a:lnSpc>
+                <a:spcPct val="90000"/>
+              </a:lnSpc>
+              <a:spcBef>
+                <a:spcPts val="500"/>
+              </a:spcBef>
+              <a:buFont typeface="Arial" panose="020B0604020202020204" pitchFamily="34" charset="0"/>
+              <a:buNone/>
+              <a:defRPr sz="1600" kern="1200">
+                <a:solidFill>
+                  <a:schemeClr val="tx1"/>
+                </a:solidFill>
+                <a:latin typeface="+mn-lt"/>
+                <a:ea typeface="+mn-ea"/>
+                <a:cs typeface="+mn-cs"/>
+              </a:defRPr>
+            </a:lvl7pPr>
+            <a:lvl8pPr marL="3200400" indent="0" algn="ctr" defTabSz="914400" rtl="0" eaLnBrk="1" latinLnBrk="1" hangingPunct="1">
+              <a:lnSpc>
+                <a:spcPct val="90000"/>
+              </a:lnSpc>
+              <a:spcBef>
+                <a:spcPts val="500"/>
+              </a:spcBef>
+              <a:buFont typeface="Arial" panose="020B0604020202020204" pitchFamily="34" charset="0"/>
+              <a:buNone/>
+              <a:defRPr sz="1600" kern="1200">
+                <a:solidFill>
+                  <a:schemeClr val="tx1"/>
+                </a:solidFill>
+                <a:latin typeface="+mn-lt"/>
+                <a:ea typeface="+mn-ea"/>
+                <a:cs typeface="+mn-cs"/>
+              </a:defRPr>
+            </a:lvl8pPr>
+            <a:lvl9pPr marL="3657600" indent="0" algn="ctr" defTabSz="914400" rtl="0" eaLnBrk="1" latinLnBrk="1" hangingPunct="1">
+              <a:lnSpc>
+                <a:spcPct val="90000"/>
+              </a:lnSpc>
+              <a:spcBef>
+                <a:spcPts val="500"/>
+              </a:spcBef>
+              <a:buFont typeface="Arial" panose="020B0604020202020204" pitchFamily="34" charset="0"/>
+              <a:buNone/>
+              <a:defRPr sz="1600" kern="1200">
+                <a:solidFill>
+                  <a:schemeClr val="tx1"/>
+                </a:solidFill>
+                <a:latin typeface="+mn-lt"/>
+                <a:ea typeface="+mn-ea"/>
+                <a:cs typeface="+mn-cs"/>
+              </a:defRPr>
+            </a:lvl9pPr>
+          </a:lstStyle>
+          <a:p>
+            <a:pPr marL="342900" indent="-342900" algn="l">
+              <a:buFont typeface="Arial" panose="020B0604020202020204" pitchFamily="34" charset="0"/>
+              <a:buChar char="•"/>
+            </a:pPr>
+            <a:r>
+              <a:rPr lang="en-US" altLang="ko-KR" sz="2000" dirty="0" smtClean="0"/>
+              <a:t>GET method</a:t>
+            </a:r>
+            <a:r>
+              <a:rPr lang="ko-KR" altLang="en-US" sz="2000" dirty="0" smtClean="0"/>
+              <a:t>를 사용해서 </a:t>
+            </a:r>
+            <a:r>
+              <a:rPr lang="en-US" altLang="ko-KR" sz="2000" dirty="0" err="1" smtClean="0"/>
+              <a:t>login.jsp</a:t>
+            </a:r>
+            <a:r>
+              <a:rPr lang="en-US" altLang="ko-KR" sz="2000" dirty="0" smtClean="0"/>
+              <a:t> </a:t>
+            </a:r>
+            <a:r>
+              <a:rPr lang="ko-KR" altLang="en-US" sz="2000" dirty="0" smtClean="0"/>
+              <a:t>불러오기</a:t>
+            </a:r>
+            <a:endParaRPr lang="ko-KR" altLang="en-US" sz="2000" dirty="0"/>
+          </a:p>
+        </p:txBody>
+      </p:sp>
+      <p:sp>
+        <p:nvSpPr>
+          <p:cNvPr id="9" name="내용 개체 틀 3"/>
+          <p:cNvSpPr txBox="1">
+            <a:spLocks/>
+          </p:cNvSpPr>
+          <p:nvPr/>
+        </p:nvSpPr>
+        <p:spPr>
+          <a:xfrm>
+            <a:off x="5365332" y="2101170"/>
+            <a:ext cx="6482180" cy="373502"/>
+          </a:xfrm>
+          <a:prstGeom prst="rect">
+            <a:avLst/>
+          </a:prstGeom>
+        </p:spPr>
+        <p:txBody>
+          <a:bodyPr vert="horz" lIns="91440" tIns="45720" rIns="91440" bIns="45720" rtlCol="0">
+            <a:normAutofit/>
+          </a:bodyPr>
+          <a:lstStyle>
+            <a:lvl1pPr marL="0" indent="0" algn="ctr" defTabSz="914400" rtl="0" eaLnBrk="1" latinLnBrk="1" hangingPunct="1">
+              <a:lnSpc>
+                <a:spcPct val="90000"/>
+              </a:lnSpc>
+              <a:spcBef>
+                <a:spcPts val="1000"/>
+              </a:spcBef>
+              <a:buFont typeface="Arial" panose="020B0604020202020204" pitchFamily="34" charset="0"/>
+              <a:buNone/>
+              <a:defRPr sz="2400" kern="1200">
+                <a:solidFill>
+                  <a:schemeClr val="tx1"/>
+                </a:solidFill>
+                <a:latin typeface="+mn-lt"/>
+                <a:ea typeface="+mn-ea"/>
+                <a:cs typeface="+mn-cs"/>
+              </a:defRPr>
+            </a:lvl1pPr>
+            <a:lvl2pPr marL="457200" indent="0" algn="ctr" defTabSz="914400" rtl="0" eaLnBrk="1" latinLnBrk="1" hangingPunct="1">
+              <a:lnSpc>
+                <a:spcPct val="90000"/>
+              </a:lnSpc>
+              <a:spcBef>
+                <a:spcPts val="500"/>
+              </a:spcBef>
+              <a:buFont typeface="Arial" panose="020B0604020202020204" pitchFamily="34" charset="0"/>
+              <a:buNone/>
+              <a:defRPr sz="2000" kern="1200">
+                <a:solidFill>
+                  <a:schemeClr val="tx1"/>
+                </a:solidFill>
+                <a:latin typeface="+mn-lt"/>
+                <a:ea typeface="+mn-ea"/>
+                <a:cs typeface="+mn-cs"/>
+              </a:defRPr>
+            </a:lvl2pPr>
+            <a:lvl3pPr marL="914400" indent="0" algn="ctr" defTabSz="914400" rtl="0" eaLnBrk="1" latinLnBrk="1" hangingPunct="1">
+              <a:lnSpc>
+                <a:spcPct val="90000"/>
+              </a:lnSpc>
+              <a:spcBef>
+                <a:spcPts val="500"/>
+              </a:spcBef>
+              <a:buFont typeface="Arial" panose="020B0604020202020204" pitchFamily="34" charset="0"/>
+              <a:buNone/>
+              <a:defRPr sz="1800" kern="1200">
+                <a:solidFill>
+                  <a:schemeClr val="tx1"/>
+                </a:solidFill>
+                <a:latin typeface="+mn-lt"/>
+                <a:ea typeface="+mn-ea"/>
+                <a:cs typeface="+mn-cs"/>
+              </a:defRPr>
+            </a:lvl3pPr>
+            <a:lvl4pPr marL="1371600" indent="0" algn="ctr" defTabSz="914400" rtl="0" eaLnBrk="1" latinLnBrk="1" hangingPunct="1">
+              <a:lnSpc>
+                <a:spcPct val="90000"/>
+              </a:lnSpc>
+              <a:spcBef>
+                <a:spcPts val="500"/>
+              </a:spcBef>
+              <a:buFont typeface="Arial" panose="020B0604020202020204" pitchFamily="34" charset="0"/>
+              <a:buNone/>
+              <a:defRPr sz="1600" kern="1200">
+                <a:solidFill>
+                  <a:schemeClr val="tx1"/>
+                </a:solidFill>
+                <a:latin typeface="+mn-lt"/>
+                <a:ea typeface="+mn-ea"/>
+                <a:cs typeface="+mn-cs"/>
+              </a:defRPr>
+            </a:lvl4pPr>
+            <a:lvl5pPr marL="1828800" indent="0" algn="ctr" defTabSz="914400" rtl="0" eaLnBrk="1" latinLnBrk="1" hangingPunct="1">
+              <a:lnSpc>
+                <a:spcPct val="90000"/>
+              </a:lnSpc>
+              <a:spcBef>
+                <a:spcPts val="500"/>
+              </a:spcBef>
+              <a:buFont typeface="Arial" panose="020B0604020202020204" pitchFamily="34" charset="0"/>
+              <a:buNone/>
+              <a:defRPr sz="1600" kern="1200">
+                <a:solidFill>
+                  <a:schemeClr val="tx1"/>
+                </a:solidFill>
+                <a:latin typeface="+mn-lt"/>
+                <a:ea typeface="+mn-ea"/>
+                <a:cs typeface="+mn-cs"/>
+              </a:defRPr>
+            </a:lvl5pPr>
+            <a:lvl6pPr marL="2286000" indent="0" algn="ctr" defTabSz="914400" rtl="0" eaLnBrk="1" latinLnBrk="1" hangingPunct="1">
+              <a:lnSpc>
+                <a:spcPct val="90000"/>
+              </a:lnSpc>
+              <a:spcBef>
+                <a:spcPts val="500"/>
+              </a:spcBef>
+              <a:buFont typeface="Arial" panose="020B0604020202020204" pitchFamily="34" charset="0"/>
+              <a:buNone/>
+              <a:defRPr sz="1600" kern="1200">
+                <a:solidFill>
+                  <a:schemeClr val="tx1"/>
+                </a:solidFill>
+                <a:latin typeface="+mn-lt"/>
+                <a:ea typeface="+mn-ea"/>
+                <a:cs typeface="+mn-cs"/>
+              </a:defRPr>
+            </a:lvl6pPr>
+            <a:lvl7pPr marL="2743200" indent="0" algn="ctr" defTabSz="914400" rtl="0" eaLnBrk="1" latinLnBrk="1" hangingPunct="1">
+              <a:lnSpc>
+                <a:spcPct val="90000"/>
+              </a:lnSpc>
+              <a:spcBef>
+                <a:spcPts val="500"/>
+              </a:spcBef>
+              <a:buFont typeface="Arial" panose="020B0604020202020204" pitchFamily="34" charset="0"/>
+              <a:buNone/>
+              <a:defRPr sz="1600" kern="1200">
+                <a:solidFill>
+                  <a:schemeClr val="tx1"/>
+                </a:solidFill>
+                <a:latin typeface="+mn-lt"/>
+                <a:ea typeface="+mn-ea"/>
+                <a:cs typeface="+mn-cs"/>
+              </a:defRPr>
+            </a:lvl7pPr>
+            <a:lvl8pPr marL="3200400" indent="0" algn="ctr" defTabSz="914400" rtl="0" eaLnBrk="1" latinLnBrk="1" hangingPunct="1">
+              <a:lnSpc>
+                <a:spcPct val="90000"/>
+              </a:lnSpc>
+              <a:spcBef>
+                <a:spcPts val="500"/>
+              </a:spcBef>
+              <a:buFont typeface="Arial" panose="020B0604020202020204" pitchFamily="34" charset="0"/>
+              <a:buNone/>
+              <a:defRPr sz="1600" kern="1200">
+                <a:solidFill>
+                  <a:schemeClr val="tx1"/>
+                </a:solidFill>
+                <a:latin typeface="+mn-lt"/>
+                <a:ea typeface="+mn-ea"/>
+                <a:cs typeface="+mn-cs"/>
+              </a:defRPr>
+            </a:lvl8pPr>
+            <a:lvl9pPr marL="3657600" indent="0" algn="ctr" defTabSz="914400" rtl="0" eaLnBrk="1" latinLnBrk="1" hangingPunct="1">
+              <a:lnSpc>
+                <a:spcPct val="90000"/>
+              </a:lnSpc>
+              <a:spcBef>
+                <a:spcPts val="500"/>
+              </a:spcBef>
+              <a:buFont typeface="Arial" panose="020B0604020202020204" pitchFamily="34" charset="0"/>
+              <a:buNone/>
+              <a:defRPr sz="1600" kern="1200">
+                <a:solidFill>
+                  <a:schemeClr val="tx1"/>
+                </a:solidFill>
+                <a:latin typeface="+mn-lt"/>
+                <a:ea typeface="+mn-ea"/>
+                <a:cs typeface="+mn-cs"/>
+              </a:defRPr>
+            </a:lvl9pPr>
+          </a:lstStyle>
+          <a:p>
+            <a:pPr marL="342900" indent="-342900" algn="l">
+              <a:buFont typeface="Arial" panose="020B0604020202020204" pitchFamily="34" charset="0"/>
+              <a:buChar char="•"/>
+            </a:pPr>
+            <a:r>
+              <a:rPr lang="en-US" altLang="ko-KR" sz="2000" dirty="0" err="1" smtClean="0"/>
+              <a:t>home.jsp</a:t>
+            </a:r>
+            <a:r>
+              <a:rPr lang="en-US" altLang="ko-KR" sz="2000" dirty="0"/>
+              <a:t> </a:t>
+            </a:r>
+            <a:r>
+              <a:rPr lang="ko-KR" altLang="en-US" sz="2000" dirty="0" smtClean="0"/>
+              <a:t>에서 </a:t>
+            </a:r>
+            <a:r>
+              <a:rPr lang="en-US" altLang="ko-KR" sz="2000" dirty="0" err="1" smtClean="0"/>
+              <a:t>login.jsp</a:t>
+            </a:r>
+            <a:r>
+              <a:rPr lang="en-US" altLang="ko-KR" sz="2000" dirty="0" smtClean="0"/>
+              <a:t> </a:t>
+            </a:r>
+            <a:r>
+              <a:rPr lang="ko-KR" altLang="en-US" sz="2000" dirty="0" smtClean="0"/>
+              <a:t>연결</a:t>
+            </a:r>
+            <a:endParaRPr lang="ko-KR" altLang="en-US" sz="2000" dirty="0"/>
+          </a:p>
+        </p:txBody>
+      </p:sp>
+      <p:sp>
+        <p:nvSpPr>
+          <p:cNvPr id="11" name="내용 개체 틀 3"/>
+          <p:cNvSpPr txBox="1">
+            <a:spLocks/>
+          </p:cNvSpPr>
+          <p:nvPr/>
+        </p:nvSpPr>
+        <p:spPr>
+          <a:xfrm>
+            <a:off x="5348398" y="3678281"/>
+            <a:ext cx="6482180" cy="396596"/>
+          </a:xfrm>
+          <a:prstGeom prst="rect">
+            <a:avLst/>
+          </a:prstGeom>
+        </p:spPr>
+        <p:txBody>
+          <a:bodyPr vert="horz" lIns="91440" tIns="45720" rIns="91440" bIns="45720" rtlCol="0">
+            <a:normAutofit/>
+          </a:bodyPr>
+          <a:lstStyle>
+            <a:lvl1pPr marL="0" indent="0" algn="ctr" defTabSz="914400" rtl="0" eaLnBrk="1" latinLnBrk="1" hangingPunct="1">
+              <a:lnSpc>
+                <a:spcPct val="90000"/>
+              </a:lnSpc>
+              <a:spcBef>
+                <a:spcPts val="1000"/>
+              </a:spcBef>
+              <a:buFont typeface="Arial" panose="020B0604020202020204" pitchFamily="34" charset="0"/>
+              <a:buNone/>
+              <a:defRPr sz="2400" kern="1200">
+                <a:solidFill>
+                  <a:schemeClr val="tx1"/>
+                </a:solidFill>
+                <a:latin typeface="+mn-lt"/>
+                <a:ea typeface="+mn-ea"/>
+                <a:cs typeface="+mn-cs"/>
+              </a:defRPr>
+            </a:lvl1pPr>
+            <a:lvl2pPr marL="457200" indent="0" algn="ctr" defTabSz="914400" rtl="0" eaLnBrk="1" latinLnBrk="1" hangingPunct="1">
+              <a:lnSpc>
+                <a:spcPct val="90000"/>
+              </a:lnSpc>
+              <a:spcBef>
+                <a:spcPts val="500"/>
+              </a:spcBef>
+              <a:buFont typeface="Arial" panose="020B0604020202020204" pitchFamily="34" charset="0"/>
+              <a:buNone/>
+              <a:defRPr sz="2000" kern="1200">
+                <a:solidFill>
+                  <a:schemeClr val="tx1"/>
+                </a:solidFill>
+                <a:latin typeface="+mn-lt"/>
+                <a:ea typeface="+mn-ea"/>
+                <a:cs typeface="+mn-cs"/>
+              </a:defRPr>
+            </a:lvl2pPr>
+            <a:lvl3pPr marL="914400" indent="0" algn="ctr" defTabSz="914400" rtl="0" eaLnBrk="1" latinLnBrk="1" hangingPunct="1">
+              <a:lnSpc>
+                <a:spcPct val="90000"/>
+              </a:lnSpc>
+              <a:spcBef>
+                <a:spcPts val="500"/>
+              </a:spcBef>
+              <a:buFont typeface="Arial" panose="020B0604020202020204" pitchFamily="34" charset="0"/>
+              <a:buNone/>
+              <a:defRPr sz="1800" kern="1200">
+                <a:solidFill>
+                  <a:schemeClr val="tx1"/>
+                </a:solidFill>
+                <a:latin typeface="+mn-lt"/>
+                <a:ea typeface="+mn-ea"/>
+                <a:cs typeface="+mn-cs"/>
+              </a:defRPr>
+            </a:lvl3pPr>
+            <a:lvl4pPr marL="1371600" indent="0" algn="ctr" defTabSz="914400" rtl="0" eaLnBrk="1" latinLnBrk="1" hangingPunct="1">
+              <a:lnSpc>
+                <a:spcPct val="90000"/>
+              </a:lnSpc>
+              <a:spcBef>
+                <a:spcPts val="500"/>
+              </a:spcBef>
+              <a:buFont typeface="Arial" panose="020B0604020202020204" pitchFamily="34" charset="0"/>
+              <a:buNone/>
+              <a:defRPr sz="1600" kern="1200">
+                <a:solidFill>
+                  <a:schemeClr val="tx1"/>
+                </a:solidFill>
+                <a:latin typeface="+mn-lt"/>
+                <a:ea typeface="+mn-ea"/>
+                <a:cs typeface="+mn-cs"/>
+              </a:defRPr>
+            </a:lvl4pPr>
+            <a:lvl5pPr marL="1828800" indent="0" algn="ctr" defTabSz="914400" rtl="0" eaLnBrk="1" latinLnBrk="1" hangingPunct="1">
+              <a:lnSpc>
+                <a:spcPct val="90000"/>
+              </a:lnSpc>
+              <a:spcBef>
+                <a:spcPts val="500"/>
+              </a:spcBef>
+              <a:buFont typeface="Arial" panose="020B0604020202020204" pitchFamily="34" charset="0"/>
+              <a:buNone/>
+              <a:defRPr sz="1600" kern="1200">
+                <a:solidFill>
+                  <a:schemeClr val="tx1"/>
+                </a:solidFill>
+                <a:latin typeface="+mn-lt"/>
+                <a:ea typeface="+mn-ea"/>
+                <a:cs typeface="+mn-cs"/>
+              </a:defRPr>
+            </a:lvl5pPr>
+            <a:lvl6pPr marL="2286000" indent="0" algn="ctr" defTabSz="914400" rtl="0" eaLnBrk="1" latinLnBrk="1" hangingPunct="1">
+              <a:lnSpc>
+                <a:spcPct val="90000"/>
+              </a:lnSpc>
+              <a:spcBef>
+                <a:spcPts val="500"/>
+              </a:spcBef>
+              <a:buFont typeface="Arial" panose="020B0604020202020204" pitchFamily="34" charset="0"/>
+              <a:buNone/>
+              <a:defRPr sz="1600" kern="1200">
+                <a:solidFill>
+                  <a:schemeClr val="tx1"/>
+                </a:solidFill>
+                <a:latin typeface="+mn-lt"/>
+                <a:ea typeface="+mn-ea"/>
+                <a:cs typeface="+mn-cs"/>
+              </a:defRPr>
+            </a:lvl6pPr>
+            <a:lvl7pPr marL="2743200" indent="0" algn="ctr" defTabSz="914400" rtl="0" eaLnBrk="1" latinLnBrk="1" hangingPunct="1">
+              <a:lnSpc>
+                <a:spcPct val="90000"/>
+              </a:lnSpc>
+              <a:spcBef>
+                <a:spcPts val="500"/>
+              </a:spcBef>
+              <a:buFont typeface="Arial" panose="020B0604020202020204" pitchFamily="34" charset="0"/>
+              <a:buNone/>
+              <a:defRPr sz="1600" kern="1200">
+                <a:solidFill>
+                  <a:schemeClr val="tx1"/>
+                </a:solidFill>
+                <a:latin typeface="+mn-lt"/>
+                <a:ea typeface="+mn-ea"/>
+                <a:cs typeface="+mn-cs"/>
+              </a:defRPr>
+            </a:lvl7pPr>
+            <a:lvl8pPr marL="3200400" indent="0" algn="ctr" defTabSz="914400" rtl="0" eaLnBrk="1" latinLnBrk="1" hangingPunct="1">
+              <a:lnSpc>
+                <a:spcPct val="90000"/>
+              </a:lnSpc>
+              <a:spcBef>
+                <a:spcPts val="500"/>
+              </a:spcBef>
+              <a:buFont typeface="Arial" panose="020B0604020202020204" pitchFamily="34" charset="0"/>
+              <a:buNone/>
+              <a:defRPr sz="1600" kern="1200">
+                <a:solidFill>
+                  <a:schemeClr val="tx1"/>
+                </a:solidFill>
+                <a:latin typeface="+mn-lt"/>
+                <a:ea typeface="+mn-ea"/>
+                <a:cs typeface="+mn-cs"/>
+              </a:defRPr>
+            </a:lvl8pPr>
+            <a:lvl9pPr marL="3657600" indent="0" algn="ctr" defTabSz="914400" rtl="0" eaLnBrk="1" latinLnBrk="1" hangingPunct="1">
+              <a:lnSpc>
+                <a:spcPct val="90000"/>
+              </a:lnSpc>
+              <a:spcBef>
+                <a:spcPts val="500"/>
+              </a:spcBef>
+              <a:buFont typeface="Arial" panose="020B0604020202020204" pitchFamily="34" charset="0"/>
+              <a:buNone/>
+              <a:defRPr sz="1600" kern="1200">
+                <a:solidFill>
+                  <a:schemeClr val="tx1"/>
+                </a:solidFill>
+                <a:latin typeface="+mn-lt"/>
+                <a:ea typeface="+mn-ea"/>
+                <a:cs typeface="+mn-cs"/>
+              </a:defRPr>
+            </a:lvl9pPr>
+          </a:lstStyle>
+          <a:p>
+            <a:pPr marL="342900" indent="-342900" algn="l">
+              <a:buFont typeface="Arial" panose="020B0604020202020204" pitchFamily="34" charset="0"/>
+              <a:buChar char="•"/>
+            </a:pPr>
+            <a:r>
+              <a:rPr lang="en-US" altLang="ko-KR" sz="2000" dirty="0" smtClean="0"/>
+              <a:t>Script</a:t>
+            </a:r>
+            <a:r>
+              <a:rPr lang="ko-KR" altLang="en-US" sz="2000" dirty="0" smtClean="0"/>
+              <a:t>에서 </a:t>
+            </a:r>
+            <a:r>
+              <a:rPr lang="ko-KR" altLang="en-US" sz="2000" dirty="0" err="1" smtClean="0"/>
+              <a:t>버튼별로</a:t>
+            </a:r>
+            <a:r>
+              <a:rPr lang="ko-KR" altLang="en-US" sz="2000" dirty="0" smtClean="0"/>
+              <a:t> 클릭이벤트 설정</a:t>
+            </a:r>
+            <a:endParaRPr lang="ko-KR" altLang="en-US" sz="2000" dirty="0"/>
+          </a:p>
+        </p:txBody>
+      </p:sp>
     </p:spTree>
     <p:extLst>
       <p:ext uri="{BB962C8B-B14F-4D97-AF65-F5344CB8AC3E}">
@@ -3512,8 +4155,8 @@
         </p:blipFill>
         <p:spPr>
           <a:xfrm>
-            <a:off x="366713" y="508001"/>
-            <a:ext cx="4397375" cy="5816599"/>
+            <a:off x="0" y="0"/>
+            <a:ext cx="4397375" cy="6858000"/>
           </a:xfrm>
           <a:prstGeom prst="rect">
             <a:avLst/>
@@ -3536,8 +4179,8 @@
         </p:blipFill>
         <p:spPr>
           <a:xfrm>
-            <a:off x="5401733" y="3935322"/>
-            <a:ext cx="6467978" cy="1068477"/>
+            <a:off x="5365332" y="5120660"/>
+            <a:ext cx="6467978" cy="1561883"/>
           </a:xfrm>
           <a:prstGeom prst="rect">
             <a:avLst/>
@@ -3560,32 +4203,8 @@
         </p:blipFill>
         <p:spPr>
           <a:xfrm>
-            <a:off x="5401733" y="508002"/>
-            <a:ext cx="6467978" cy="2142066"/>
-          </a:xfrm>
-          <a:prstGeom prst="rect">
-            <a:avLst/>
-          </a:prstGeom>
-        </p:spPr>
-      </p:pic>
-      <p:pic>
-        <p:nvPicPr>
-          <p:cNvPr id="4" name="그림 3"/>
-          <p:cNvPicPr>
-            <a:picLocks noChangeAspect="1"/>
-          </p:cNvPicPr>
-          <p:nvPr/>
-        </p:nvPicPr>
-        <p:blipFill>
-          <a:blip r:embed="rId5"/>
-          <a:stretch>
-            <a:fillRect/>
-          </a:stretch>
-        </p:blipFill>
-        <p:spPr>
-          <a:xfrm>
-            <a:off x="5401733" y="5133809"/>
-            <a:ext cx="6467978" cy="1190791"/>
+            <a:off x="5401733" y="584205"/>
+            <a:ext cx="6467978" cy="2777062"/>
           </a:xfrm>
           <a:prstGeom prst="rect">
             <a:avLst/>
@@ -3601,14 +4220,14 @@
           <p:nvPr/>
         </p:nvPicPr>
         <p:blipFill>
-          <a:blip r:embed="rId6"/>
+          <a:blip r:embed="rId5"/>
           <a:stretch>
             <a:fillRect/>
           </a:stretch>
         </p:blipFill>
         <p:spPr>
           <a:xfrm>
-            <a:off x="5401733" y="2792325"/>
+            <a:off x="5401733" y="3554328"/>
             <a:ext cx="6467978" cy="1000741"/>
           </a:xfrm>
           <a:prstGeom prst="rect">
@@ -3616,6 +4235,422 @@
           </a:prstGeom>
         </p:spPr>
       </p:pic>
+      <p:sp>
+        <p:nvSpPr>
+          <p:cNvPr id="7" name="내용 개체 틀 3"/>
+          <p:cNvSpPr txBox="1">
+            <a:spLocks/>
+          </p:cNvSpPr>
+          <p:nvPr/>
+        </p:nvSpPr>
+        <p:spPr>
+          <a:xfrm>
+            <a:off x="5365332" y="135462"/>
+            <a:ext cx="6482180" cy="432397"/>
+          </a:xfrm>
+          <a:prstGeom prst="rect">
+            <a:avLst/>
+          </a:prstGeom>
+        </p:spPr>
+        <p:txBody>
+          <a:bodyPr vert="horz" lIns="91440" tIns="45720" rIns="91440" bIns="45720" rtlCol="0">
+            <a:normAutofit/>
+          </a:bodyPr>
+          <a:lstStyle>
+            <a:lvl1pPr marL="0" indent="0" algn="ctr" defTabSz="914400" rtl="0" eaLnBrk="1" latinLnBrk="1" hangingPunct="1">
+              <a:lnSpc>
+                <a:spcPct val="90000"/>
+              </a:lnSpc>
+              <a:spcBef>
+                <a:spcPts val="1000"/>
+              </a:spcBef>
+              <a:buFont typeface="Arial" panose="020B0604020202020204" pitchFamily="34" charset="0"/>
+              <a:buNone/>
+              <a:defRPr sz="2400" kern="1200">
+                <a:solidFill>
+                  <a:schemeClr val="tx1"/>
+                </a:solidFill>
+                <a:latin typeface="+mn-lt"/>
+                <a:ea typeface="+mn-ea"/>
+                <a:cs typeface="+mn-cs"/>
+              </a:defRPr>
+            </a:lvl1pPr>
+            <a:lvl2pPr marL="457200" indent="0" algn="ctr" defTabSz="914400" rtl="0" eaLnBrk="1" latinLnBrk="1" hangingPunct="1">
+              <a:lnSpc>
+                <a:spcPct val="90000"/>
+              </a:lnSpc>
+              <a:spcBef>
+                <a:spcPts val="500"/>
+              </a:spcBef>
+              <a:buFont typeface="Arial" panose="020B0604020202020204" pitchFamily="34" charset="0"/>
+              <a:buNone/>
+              <a:defRPr sz="2000" kern="1200">
+                <a:solidFill>
+                  <a:schemeClr val="tx1"/>
+                </a:solidFill>
+                <a:latin typeface="+mn-lt"/>
+                <a:ea typeface="+mn-ea"/>
+                <a:cs typeface="+mn-cs"/>
+              </a:defRPr>
+            </a:lvl2pPr>
+            <a:lvl3pPr marL="914400" indent="0" algn="ctr" defTabSz="914400" rtl="0" eaLnBrk="1" latinLnBrk="1" hangingPunct="1">
+              <a:lnSpc>
+                <a:spcPct val="90000"/>
+              </a:lnSpc>
+              <a:spcBef>
+                <a:spcPts val="500"/>
+              </a:spcBef>
+              <a:buFont typeface="Arial" panose="020B0604020202020204" pitchFamily="34" charset="0"/>
+              <a:buNone/>
+              <a:defRPr sz="1800" kern="1200">
+                <a:solidFill>
+                  <a:schemeClr val="tx1"/>
+                </a:solidFill>
+                <a:latin typeface="+mn-lt"/>
+                <a:ea typeface="+mn-ea"/>
+                <a:cs typeface="+mn-cs"/>
+              </a:defRPr>
+            </a:lvl3pPr>
+            <a:lvl4pPr marL="1371600" indent="0" algn="ctr" defTabSz="914400" rtl="0" eaLnBrk="1" latinLnBrk="1" hangingPunct="1">
+              <a:lnSpc>
+                <a:spcPct val="90000"/>
+              </a:lnSpc>
+              <a:spcBef>
+                <a:spcPts val="500"/>
+              </a:spcBef>
+              <a:buFont typeface="Arial" panose="020B0604020202020204" pitchFamily="34" charset="0"/>
+              <a:buNone/>
+              <a:defRPr sz="1600" kern="1200">
+                <a:solidFill>
+                  <a:schemeClr val="tx1"/>
+                </a:solidFill>
+                <a:latin typeface="+mn-lt"/>
+                <a:ea typeface="+mn-ea"/>
+                <a:cs typeface="+mn-cs"/>
+              </a:defRPr>
+            </a:lvl4pPr>
+            <a:lvl5pPr marL="1828800" indent="0" algn="ctr" defTabSz="914400" rtl="0" eaLnBrk="1" latinLnBrk="1" hangingPunct="1">
+              <a:lnSpc>
+                <a:spcPct val="90000"/>
+              </a:lnSpc>
+              <a:spcBef>
+                <a:spcPts val="500"/>
+              </a:spcBef>
+              <a:buFont typeface="Arial" panose="020B0604020202020204" pitchFamily="34" charset="0"/>
+              <a:buNone/>
+              <a:defRPr sz="1600" kern="1200">
+                <a:solidFill>
+                  <a:schemeClr val="tx1"/>
+                </a:solidFill>
+                <a:latin typeface="+mn-lt"/>
+                <a:ea typeface="+mn-ea"/>
+                <a:cs typeface="+mn-cs"/>
+              </a:defRPr>
+            </a:lvl5pPr>
+            <a:lvl6pPr marL="2286000" indent="0" algn="ctr" defTabSz="914400" rtl="0" eaLnBrk="1" latinLnBrk="1" hangingPunct="1">
+              <a:lnSpc>
+                <a:spcPct val="90000"/>
+              </a:lnSpc>
+              <a:spcBef>
+                <a:spcPts val="500"/>
+              </a:spcBef>
+              <a:buFont typeface="Arial" panose="020B0604020202020204" pitchFamily="34" charset="0"/>
+              <a:buNone/>
+              <a:defRPr sz="1600" kern="1200">
+                <a:solidFill>
+                  <a:schemeClr val="tx1"/>
+                </a:solidFill>
+                <a:latin typeface="+mn-lt"/>
+                <a:ea typeface="+mn-ea"/>
+                <a:cs typeface="+mn-cs"/>
+              </a:defRPr>
+            </a:lvl6pPr>
+            <a:lvl7pPr marL="2743200" indent="0" algn="ctr" defTabSz="914400" rtl="0" eaLnBrk="1" latinLnBrk="1" hangingPunct="1">
+              <a:lnSpc>
+                <a:spcPct val="90000"/>
+              </a:lnSpc>
+              <a:spcBef>
+                <a:spcPts val="500"/>
+              </a:spcBef>
+              <a:buFont typeface="Arial" panose="020B0604020202020204" pitchFamily="34" charset="0"/>
+              <a:buNone/>
+              <a:defRPr sz="1600" kern="1200">
+                <a:solidFill>
+                  <a:schemeClr val="tx1"/>
+                </a:solidFill>
+                <a:latin typeface="+mn-lt"/>
+                <a:ea typeface="+mn-ea"/>
+                <a:cs typeface="+mn-cs"/>
+              </a:defRPr>
+            </a:lvl7pPr>
+            <a:lvl8pPr marL="3200400" indent="0" algn="ctr" defTabSz="914400" rtl="0" eaLnBrk="1" latinLnBrk="1" hangingPunct="1">
+              <a:lnSpc>
+                <a:spcPct val="90000"/>
+              </a:lnSpc>
+              <a:spcBef>
+                <a:spcPts val="500"/>
+              </a:spcBef>
+              <a:buFont typeface="Arial" panose="020B0604020202020204" pitchFamily="34" charset="0"/>
+              <a:buNone/>
+              <a:defRPr sz="1600" kern="1200">
+                <a:solidFill>
+                  <a:schemeClr val="tx1"/>
+                </a:solidFill>
+                <a:latin typeface="+mn-lt"/>
+                <a:ea typeface="+mn-ea"/>
+                <a:cs typeface="+mn-cs"/>
+              </a:defRPr>
+            </a:lvl8pPr>
+            <a:lvl9pPr marL="3657600" indent="0" algn="ctr" defTabSz="914400" rtl="0" eaLnBrk="1" latinLnBrk="1" hangingPunct="1">
+              <a:lnSpc>
+                <a:spcPct val="90000"/>
+              </a:lnSpc>
+              <a:spcBef>
+                <a:spcPts val="500"/>
+              </a:spcBef>
+              <a:buFont typeface="Arial" panose="020B0604020202020204" pitchFamily="34" charset="0"/>
+              <a:buNone/>
+              <a:defRPr sz="1600" kern="1200">
+                <a:solidFill>
+                  <a:schemeClr val="tx1"/>
+                </a:solidFill>
+                <a:latin typeface="+mn-lt"/>
+                <a:ea typeface="+mn-ea"/>
+                <a:cs typeface="+mn-cs"/>
+              </a:defRPr>
+            </a:lvl9pPr>
+          </a:lstStyle>
+          <a:p>
+            <a:pPr marL="342900" indent="-342900" algn="l">
+              <a:buFont typeface="Arial" panose="020B0604020202020204" pitchFamily="34" charset="0"/>
+              <a:buChar char="•"/>
+            </a:pPr>
+            <a:r>
+              <a:rPr lang="en-US" altLang="ko-KR" sz="2000" dirty="0" err="1" smtClean="0"/>
+              <a:t>HttpSession</a:t>
+            </a:r>
+            <a:r>
+              <a:rPr lang="ko-KR" altLang="en-US" sz="2000" dirty="0" smtClean="0"/>
+              <a:t>을 사용한 </a:t>
+            </a:r>
+            <a:r>
+              <a:rPr lang="en-US" altLang="ko-KR" sz="2000" dirty="0" smtClean="0"/>
+              <a:t>login POST method </a:t>
+            </a:r>
+            <a:r>
+              <a:rPr lang="ko-KR" altLang="en-US" sz="2000" dirty="0" smtClean="0"/>
+              <a:t>생성</a:t>
+            </a:r>
+            <a:endParaRPr lang="ko-KR" altLang="en-US" sz="2000" dirty="0"/>
+          </a:p>
+        </p:txBody>
+      </p:sp>
+      <p:sp>
+        <p:nvSpPr>
+          <p:cNvPr id="9" name="내용 개체 틀 3"/>
+          <p:cNvSpPr txBox="1">
+            <a:spLocks/>
+          </p:cNvSpPr>
+          <p:nvPr/>
+        </p:nvSpPr>
+        <p:spPr>
+          <a:xfrm>
+            <a:off x="5382265" y="4749809"/>
+            <a:ext cx="6482180" cy="432397"/>
+          </a:xfrm>
+          <a:prstGeom prst="rect">
+            <a:avLst/>
+          </a:prstGeom>
+        </p:spPr>
+        <p:txBody>
+          <a:bodyPr vert="horz" lIns="91440" tIns="45720" rIns="91440" bIns="45720" rtlCol="0">
+            <a:normAutofit/>
+          </a:bodyPr>
+          <a:lstStyle>
+            <a:lvl1pPr marL="0" indent="0" algn="ctr" defTabSz="914400" rtl="0" eaLnBrk="1" latinLnBrk="1" hangingPunct="1">
+              <a:lnSpc>
+                <a:spcPct val="90000"/>
+              </a:lnSpc>
+              <a:spcBef>
+                <a:spcPts val="1000"/>
+              </a:spcBef>
+              <a:buFont typeface="Arial" panose="020B0604020202020204" pitchFamily="34" charset="0"/>
+              <a:buNone/>
+              <a:defRPr sz="2400" kern="1200">
+                <a:solidFill>
+                  <a:schemeClr val="tx1"/>
+                </a:solidFill>
+                <a:latin typeface="+mn-lt"/>
+                <a:ea typeface="+mn-ea"/>
+                <a:cs typeface="+mn-cs"/>
+              </a:defRPr>
+            </a:lvl1pPr>
+            <a:lvl2pPr marL="457200" indent="0" algn="ctr" defTabSz="914400" rtl="0" eaLnBrk="1" latinLnBrk="1" hangingPunct="1">
+              <a:lnSpc>
+                <a:spcPct val="90000"/>
+              </a:lnSpc>
+              <a:spcBef>
+                <a:spcPts val="500"/>
+              </a:spcBef>
+              <a:buFont typeface="Arial" panose="020B0604020202020204" pitchFamily="34" charset="0"/>
+              <a:buNone/>
+              <a:defRPr sz="2000" kern="1200">
+                <a:solidFill>
+                  <a:schemeClr val="tx1"/>
+                </a:solidFill>
+                <a:latin typeface="+mn-lt"/>
+                <a:ea typeface="+mn-ea"/>
+                <a:cs typeface="+mn-cs"/>
+              </a:defRPr>
+            </a:lvl2pPr>
+            <a:lvl3pPr marL="914400" indent="0" algn="ctr" defTabSz="914400" rtl="0" eaLnBrk="1" latinLnBrk="1" hangingPunct="1">
+              <a:lnSpc>
+                <a:spcPct val="90000"/>
+              </a:lnSpc>
+              <a:spcBef>
+                <a:spcPts val="500"/>
+              </a:spcBef>
+              <a:buFont typeface="Arial" panose="020B0604020202020204" pitchFamily="34" charset="0"/>
+              <a:buNone/>
+              <a:defRPr sz="1800" kern="1200">
+                <a:solidFill>
+                  <a:schemeClr val="tx1"/>
+                </a:solidFill>
+                <a:latin typeface="+mn-lt"/>
+                <a:ea typeface="+mn-ea"/>
+                <a:cs typeface="+mn-cs"/>
+              </a:defRPr>
+            </a:lvl3pPr>
+            <a:lvl4pPr marL="1371600" indent="0" algn="ctr" defTabSz="914400" rtl="0" eaLnBrk="1" latinLnBrk="1" hangingPunct="1">
+              <a:lnSpc>
+                <a:spcPct val="90000"/>
+              </a:lnSpc>
+              <a:spcBef>
+                <a:spcPts val="500"/>
+              </a:spcBef>
+              <a:buFont typeface="Arial" panose="020B0604020202020204" pitchFamily="34" charset="0"/>
+              <a:buNone/>
+              <a:defRPr sz="1600" kern="1200">
+                <a:solidFill>
+                  <a:schemeClr val="tx1"/>
+                </a:solidFill>
+                <a:latin typeface="+mn-lt"/>
+                <a:ea typeface="+mn-ea"/>
+                <a:cs typeface="+mn-cs"/>
+              </a:defRPr>
+            </a:lvl4pPr>
+            <a:lvl5pPr marL="1828800" indent="0" algn="ctr" defTabSz="914400" rtl="0" eaLnBrk="1" latinLnBrk="1" hangingPunct="1">
+              <a:lnSpc>
+                <a:spcPct val="90000"/>
+              </a:lnSpc>
+              <a:spcBef>
+                <a:spcPts val="500"/>
+              </a:spcBef>
+              <a:buFont typeface="Arial" panose="020B0604020202020204" pitchFamily="34" charset="0"/>
+              <a:buNone/>
+              <a:defRPr sz="1600" kern="1200">
+                <a:solidFill>
+                  <a:schemeClr val="tx1"/>
+                </a:solidFill>
+                <a:latin typeface="+mn-lt"/>
+                <a:ea typeface="+mn-ea"/>
+                <a:cs typeface="+mn-cs"/>
+              </a:defRPr>
+            </a:lvl5pPr>
+            <a:lvl6pPr marL="2286000" indent="0" algn="ctr" defTabSz="914400" rtl="0" eaLnBrk="1" latinLnBrk="1" hangingPunct="1">
+              <a:lnSpc>
+                <a:spcPct val="90000"/>
+              </a:lnSpc>
+              <a:spcBef>
+                <a:spcPts val="500"/>
+              </a:spcBef>
+              <a:buFont typeface="Arial" panose="020B0604020202020204" pitchFamily="34" charset="0"/>
+              <a:buNone/>
+              <a:defRPr sz="1600" kern="1200">
+                <a:solidFill>
+                  <a:schemeClr val="tx1"/>
+                </a:solidFill>
+                <a:latin typeface="+mn-lt"/>
+                <a:ea typeface="+mn-ea"/>
+                <a:cs typeface="+mn-cs"/>
+              </a:defRPr>
+            </a:lvl6pPr>
+            <a:lvl7pPr marL="2743200" indent="0" algn="ctr" defTabSz="914400" rtl="0" eaLnBrk="1" latinLnBrk="1" hangingPunct="1">
+              <a:lnSpc>
+                <a:spcPct val="90000"/>
+              </a:lnSpc>
+              <a:spcBef>
+                <a:spcPts val="500"/>
+              </a:spcBef>
+              <a:buFont typeface="Arial" panose="020B0604020202020204" pitchFamily="34" charset="0"/>
+              <a:buNone/>
+              <a:defRPr sz="1600" kern="1200">
+                <a:solidFill>
+                  <a:schemeClr val="tx1"/>
+                </a:solidFill>
+                <a:latin typeface="+mn-lt"/>
+                <a:ea typeface="+mn-ea"/>
+                <a:cs typeface="+mn-cs"/>
+              </a:defRPr>
+            </a:lvl7pPr>
+            <a:lvl8pPr marL="3200400" indent="0" algn="ctr" defTabSz="914400" rtl="0" eaLnBrk="1" latinLnBrk="1" hangingPunct="1">
+              <a:lnSpc>
+                <a:spcPct val="90000"/>
+              </a:lnSpc>
+              <a:spcBef>
+                <a:spcPts val="500"/>
+              </a:spcBef>
+              <a:buFont typeface="Arial" panose="020B0604020202020204" pitchFamily="34" charset="0"/>
+              <a:buNone/>
+              <a:defRPr sz="1600" kern="1200">
+                <a:solidFill>
+                  <a:schemeClr val="tx1"/>
+                </a:solidFill>
+                <a:latin typeface="+mn-lt"/>
+                <a:ea typeface="+mn-ea"/>
+                <a:cs typeface="+mn-cs"/>
+              </a:defRPr>
+            </a:lvl8pPr>
+            <a:lvl9pPr marL="3657600" indent="0" algn="ctr" defTabSz="914400" rtl="0" eaLnBrk="1" latinLnBrk="1" hangingPunct="1">
+              <a:lnSpc>
+                <a:spcPct val="90000"/>
+              </a:lnSpc>
+              <a:spcBef>
+                <a:spcPts val="500"/>
+              </a:spcBef>
+              <a:buFont typeface="Arial" panose="020B0604020202020204" pitchFamily="34" charset="0"/>
+              <a:buNone/>
+              <a:defRPr sz="1600" kern="1200">
+                <a:solidFill>
+                  <a:schemeClr val="tx1"/>
+                </a:solidFill>
+                <a:latin typeface="+mn-lt"/>
+                <a:ea typeface="+mn-ea"/>
+                <a:cs typeface="+mn-cs"/>
+              </a:defRPr>
+            </a:lvl9pPr>
+          </a:lstStyle>
+          <a:p>
+            <a:pPr marL="342900" indent="-342900" algn="l">
+              <a:buFont typeface="Arial" panose="020B0604020202020204" pitchFamily="34" charset="0"/>
+              <a:buChar char="•"/>
+            </a:pPr>
+            <a:r>
+              <a:rPr lang="en-US" altLang="ko-KR" sz="2000" dirty="0" smtClean="0"/>
+              <a:t>POST method</a:t>
+            </a:r>
+            <a:r>
+              <a:rPr lang="ko-KR" altLang="en-US" sz="2000" dirty="0" smtClean="0"/>
+              <a:t>를 이용한 </a:t>
+            </a:r>
+            <a:r>
+              <a:rPr lang="en-US" altLang="ko-KR" sz="2000" dirty="0" err="1" smtClean="0"/>
+              <a:t>login.jsp</a:t>
+            </a:r>
+            <a:endParaRPr lang="ko-KR" altLang="en-US" sz="2000" dirty="0"/>
+          </a:p>
+        </p:txBody>
+      </p:sp>
     </p:spTree>
     <p:extLst>
       <p:ext uri="{BB962C8B-B14F-4D97-AF65-F5344CB8AC3E}">
@@ -3655,7 +4690,7 @@
       </p:grpSpPr>
       <p:pic>
         <p:nvPicPr>
-          <p:cNvPr id="2" name="그림 1"/>
+          <p:cNvPr id="8" name="그림 7"/>
           <p:cNvPicPr>
             <a:picLocks noChangeAspect="1"/>
           </p:cNvPicPr>
@@ -3669,8 +4704,8 @@
         </p:blipFill>
         <p:spPr>
           <a:xfrm>
-            <a:off x="5380679" y="550333"/>
-            <a:ext cx="6464187" cy="1286934"/>
+            <a:off x="0" y="0"/>
+            <a:ext cx="4397375" cy="6858000"/>
           </a:xfrm>
           <a:prstGeom prst="rect">
             <a:avLst/>
@@ -3679,7 +4714,7 @@
       </p:pic>
       <p:pic>
         <p:nvPicPr>
-          <p:cNvPr id="5" name="그림 4"/>
+          <p:cNvPr id="4" name="그림 3"/>
           <p:cNvPicPr>
             <a:picLocks noChangeAspect="1"/>
           </p:cNvPicPr>
@@ -3693,8 +4728,8 @@
         </p:blipFill>
         <p:spPr>
           <a:xfrm>
-            <a:off x="5380679" y="2125134"/>
-            <a:ext cx="6464187" cy="719666"/>
+            <a:off x="4859865" y="512839"/>
+            <a:ext cx="7003007" cy="1190791"/>
           </a:xfrm>
           <a:prstGeom prst="rect">
             <a:avLst/>
@@ -3703,7 +4738,7 @@
       </p:pic>
       <p:pic>
         <p:nvPicPr>
-          <p:cNvPr id="6" name="그림 5"/>
+          <p:cNvPr id="3" name="그림 2"/>
           <p:cNvPicPr>
             <a:picLocks noChangeAspect="1"/>
           </p:cNvPicPr>
@@ -3717,42 +4752,151 @@
         </p:blipFill>
         <p:spPr>
           <a:xfrm>
-            <a:off x="326895" y="550333"/>
-            <a:ext cx="4409276" cy="5757334"/>
+            <a:off x="4859865" y="2616007"/>
+            <a:ext cx="7003005" cy="4077269"/>
           </a:xfrm>
           <a:prstGeom prst="rect">
             <a:avLst/>
           </a:prstGeom>
         </p:spPr>
       </p:pic>
-      <p:pic>
-        <p:nvPicPr>
-          <p:cNvPr id="7" name="그림 6"/>
-          <p:cNvPicPr>
-            <a:picLocks noChangeAspect="1"/>
-          </p:cNvPicPr>
+      <p:sp>
+        <p:nvSpPr>
+          <p:cNvPr id="5" name="직사각형 4"/>
+          <p:cNvSpPr/>
           <p:nvPr/>
-        </p:nvPicPr>
-        <p:blipFill>
-          <a:blip r:embed="rId5"/>
-          <a:stretch>
-            <a:fillRect/>
-          </a:stretch>
-        </p:blipFill>
+        </p:nvSpPr>
         <p:spPr>
           <a:xfrm>
-            <a:off x="5331937" y="3132667"/>
-            <a:ext cx="6512929" cy="3175000"/>
+            <a:off x="4859866" y="179406"/>
+            <a:ext cx="7003007" cy="369332"/>
           </a:xfrm>
           <a:prstGeom prst="rect">
             <a:avLst/>
           </a:prstGeom>
         </p:spPr>
-      </p:pic>
+        <p:txBody>
+          <a:bodyPr wrap="none">
+            <a:spAutoFit/>
+          </a:bodyPr>
+          <a:lstStyle/>
+          <a:p>
+            <a:pPr marL="342900" indent="-342900">
+              <a:buFont typeface="Arial" panose="020B0604020202020204" pitchFamily="34" charset="0"/>
+              <a:buChar char="•"/>
+            </a:pPr>
+            <a:r>
+              <a:rPr lang="en-US" altLang="ko-KR" dirty="0" smtClean="0"/>
+              <a:t>Login method</a:t>
+            </a:r>
+            <a:r>
+              <a:rPr lang="ko-KR" altLang="en-US" dirty="0" smtClean="0"/>
+              <a:t>의 </a:t>
+            </a:r>
+            <a:r>
+              <a:rPr lang="en-US" altLang="ko-KR" dirty="0" err="1" smtClean="0"/>
+              <a:t>userVO</a:t>
+            </a:r>
+            <a:r>
+              <a:rPr lang="en-US" altLang="ko-KR" dirty="0" smtClean="0"/>
+              <a:t> </a:t>
+            </a:r>
+            <a:r>
+              <a:rPr lang="ko-KR" altLang="en-US" dirty="0" smtClean="0"/>
+              <a:t>값이 없으면 </a:t>
+            </a:r>
+            <a:r>
+              <a:rPr lang="en-US" altLang="ko-KR" dirty="0" smtClean="0"/>
+              <a:t>FAIL</a:t>
+            </a:r>
+            <a:r>
+              <a:rPr lang="ko-KR" altLang="en-US" dirty="0" smtClean="0"/>
+              <a:t>을 받아 </a:t>
+            </a:r>
+            <a:r>
+              <a:rPr lang="en-US" altLang="ko-KR" dirty="0" smtClean="0"/>
+              <a:t>alert</a:t>
+            </a:r>
+            <a:r>
+              <a:rPr lang="ko-KR" altLang="en-US" dirty="0" smtClean="0"/>
+              <a:t>창 작동</a:t>
+            </a:r>
+            <a:endParaRPr lang="ko-KR" altLang="en-US" dirty="0"/>
+          </a:p>
+        </p:txBody>
+      </p:sp>
+      <p:sp>
+        <p:nvSpPr>
+          <p:cNvPr id="10" name="직사각형 9"/>
+          <p:cNvSpPr/>
+          <p:nvPr/>
+        </p:nvSpPr>
+        <p:spPr>
+          <a:xfrm>
+            <a:off x="4815200" y="1984199"/>
+            <a:ext cx="7047671" cy="646331"/>
+          </a:xfrm>
+          <a:prstGeom prst="rect">
+            <a:avLst/>
+          </a:prstGeom>
+        </p:spPr>
+        <p:txBody>
+          <a:bodyPr wrap="square">
+            <a:spAutoFit/>
+          </a:bodyPr>
+          <a:lstStyle/>
+          <a:p>
+            <a:pPr marL="342900" indent="-342900">
+              <a:buFont typeface="Arial" panose="020B0604020202020204" pitchFamily="34" charset="0"/>
+              <a:buChar char="•"/>
+            </a:pPr>
+            <a:r>
+              <a:rPr lang="ko-KR" altLang="en-US" dirty="0" smtClean="0"/>
+              <a:t>상수 </a:t>
+            </a:r>
+            <a:r>
+              <a:rPr lang="en-US" altLang="ko-KR" dirty="0" err="1" smtClean="0"/>
+              <a:t>login_submit</a:t>
+            </a:r>
+            <a:r>
+              <a:rPr lang="en-US" altLang="ko-KR" dirty="0" smtClean="0"/>
+              <a:t> </a:t>
+            </a:r>
+            <a:r>
+              <a:rPr lang="ko-KR" altLang="en-US" dirty="0" smtClean="0"/>
+              <a:t>스크립트 작성</a:t>
+            </a:r>
+            <a:endParaRPr lang="en-US" altLang="ko-KR" dirty="0" smtClean="0"/>
+          </a:p>
+          <a:p>
+            <a:pPr marL="342900" indent="-342900">
+              <a:buFont typeface="Arial" panose="020B0604020202020204" pitchFamily="34" charset="0"/>
+              <a:buChar char="•"/>
+            </a:pPr>
+            <a:r>
+              <a:rPr lang="ko-KR" altLang="en-US" dirty="0" smtClean="0"/>
+              <a:t>입력된 값이 없다면 </a:t>
+            </a:r>
+            <a:r>
+              <a:rPr lang="en-US" altLang="ko-KR" dirty="0" smtClean="0"/>
+              <a:t>alert </a:t>
+            </a:r>
+            <a:r>
+              <a:rPr lang="ko-KR" altLang="en-US" dirty="0" smtClean="0"/>
+              <a:t>창 띄우고 해당 자리에 </a:t>
+            </a:r>
+            <a:r>
+              <a:rPr lang="en-US" altLang="ko-KR" dirty="0" smtClean="0"/>
+              <a:t>focus</a:t>
+            </a:r>
+            <a:endParaRPr lang="ko-KR" altLang="en-US" dirty="0"/>
+          </a:p>
+        </p:txBody>
+      </p:sp>
     </p:spTree>
     <p:extLst>
       <p:ext uri="{BB962C8B-B14F-4D97-AF65-F5344CB8AC3E}">
-        <p14:creationId xmlns:p14="http://schemas.microsoft.com/office/powerpoint/2010/main" val="3136940319"/>
+        <p14:creationId xmlns:p14="http://schemas.microsoft.com/office/powerpoint/2010/main" val="924431084"/>
       </p:ext>
     </p:extLst>
   </p:cSld>
@@ -3788,6 +4932,773 @@
       </p:grpSpPr>
       <p:pic>
         <p:nvPicPr>
+          <p:cNvPr id="2" name="그림 1"/>
+          <p:cNvPicPr>
+            <a:picLocks noChangeAspect="1"/>
+          </p:cNvPicPr>
+          <p:nvPr/>
+        </p:nvPicPr>
+        <p:blipFill>
+          <a:blip r:embed="rId2"/>
+          <a:stretch>
+            <a:fillRect/>
+          </a:stretch>
+        </p:blipFill>
+        <p:spPr>
+          <a:xfrm>
+            <a:off x="4953001" y="406400"/>
+            <a:ext cx="6891866" cy="1286934"/>
+          </a:xfrm>
+          <a:prstGeom prst="rect">
+            <a:avLst/>
+          </a:prstGeom>
+        </p:spPr>
+      </p:pic>
+      <p:pic>
+        <p:nvPicPr>
+          <p:cNvPr id="5" name="그림 4"/>
+          <p:cNvPicPr>
+            <a:picLocks noChangeAspect="1"/>
+          </p:cNvPicPr>
+          <p:nvPr/>
+        </p:nvPicPr>
+        <p:blipFill>
+          <a:blip r:embed="rId3"/>
+          <a:stretch>
+            <a:fillRect/>
+          </a:stretch>
+        </p:blipFill>
+        <p:spPr>
+          <a:xfrm>
+            <a:off x="4953001" y="2226737"/>
+            <a:ext cx="6891866" cy="719666"/>
+          </a:xfrm>
+          <a:prstGeom prst="rect">
+            <a:avLst/>
+          </a:prstGeom>
+        </p:spPr>
+      </p:pic>
+      <p:pic>
+        <p:nvPicPr>
+          <p:cNvPr id="6" name="그림 5"/>
+          <p:cNvPicPr>
+            <a:picLocks noChangeAspect="1"/>
+          </p:cNvPicPr>
+          <p:nvPr/>
+        </p:nvPicPr>
+        <p:blipFill>
+          <a:blip r:embed="rId4"/>
+          <a:stretch>
+            <a:fillRect/>
+          </a:stretch>
+        </p:blipFill>
+        <p:spPr>
+          <a:xfrm>
+            <a:off x="0" y="0"/>
+            <a:ext cx="4409276" cy="6858000"/>
+          </a:xfrm>
+          <a:prstGeom prst="rect">
+            <a:avLst/>
+          </a:prstGeom>
+        </p:spPr>
+      </p:pic>
+      <p:pic>
+        <p:nvPicPr>
+          <p:cNvPr id="7" name="그림 6"/>
+          <p:cNvPicPr>
+            <a:picLocks noChangeAspect="1"/>
+          </p:cNvPicPr>
+          <p:nvPr/>
+        </p:nvPicPr>
+        <p:blipFill>
+          <a:blip r:embed="rId5"/>
+          <a:stretch>
+            <a:fillRect/>
+          </a:stretch>
+        </p:blipFill>
+        <p:spPr>
+          <a:xfrm>
+            <a:off x="4953001" y="3683002"/>
+            <a:ext cx="6891866" cy="3175000"/>
+          </a:xfrm>
+          <a:prstGeom prst="rect">
+            <a:avLst/>
+          </a:prstGeom>
+        </p:spPr>
+      </p:pic>
+      <p:sp>
+        <p:nvSpPr>
+          <p:cNvPr id="9" name="내용 개체 틀 3"/>
+          <p:cNvSpPr txBox="1">
+            <a:spLocks/>
+          </p:cNvSpPr>
+          <p:nvPr/>
+        </p:nvSpPr>
+        <p:spPr>
+          <a:xfrm>
+            <a:off x="4936463" y="59386"/>
+            <a:ext cx="6911049" cy="381485"/>
+          </a:xfrm>
+          <a:prstGeom prst="rect">
+            <a:avLst/>
+          </a:prstGeom>
+        </p:spPr>
+        <p:txBody>
+          <a:bodyPr vert="horz" lIns="91440" tIns="45720" rIns="91440" bIns="45720" rtlCol="0">
+            <a:normAutofit/>
+          </a:bodyPr>
+          <a:lstStyle>
+            <a:lvl1pPr marL="0" indent="0" algn="ctr" defTabSz="914400" rtl="0" eaLnBrk="1" latinLnBrk="1" hangingPunct="1">
+              <a:lnSpc>
+                <a:spcPct val="90000"/>
+              </a:lnSpc>
+              <a:spcBef>
+                <a:spcPts val="1000"/>
+              </a:spcBef>
+              <a:buFont typeface="Arial" panose="020B0604020202020204" pitchFamily="34" charset="0"/>
+              <a:buNone/>
+              <a:defRPr sz="2400" kern="1200">
+                <a:solidFill>
+                  <a:schemeClr val="tx1"/>
+                </a:solidFill>
+                <a:latin typeface="+mn-lt"/>
+                <a:ea typeface="+mn-ea"/>
+                <a:cs typeface="+mn-cs"/>
+              </a:defRPr>
+            </a:lvl1pPr>
+            <a:lvl2pPr marL="457200" indent="0" algn="ctr" defTabSz="914400" rtl="0" eaLnBrk="1" latinLnBrk="1" hangingPunct="1">
+              <a:lnSpc>
+                <a:spcPct val="90000"/>
+              </a:lnSpc>
+              <a:spcBef>
+                <a:spcPts val="500"/>
+              </a:spcBef>
+              <a:buFont typeface="Arial" panose="020B0604020202020204" pitchFamily="34" charset="0"/>
+              <a:buNone/>
+              <a:defRPr sz="2000" kern="1200">
+                <a:solidFill>
+                  <a:schemeClr val="tx1"/>
+                </a:solidFill>
+                <a:latin typeface="+mn-lt"/>
+                <a:ea typeface="+mn-ea"/>
+                <a:cs typeface="+mn-cs"/>
+              </a:defRPr>
+            </a:lvl2pPr>
+            <a:lvl3pPr marL="914400" indent="0" algn="ctr" defTabSz="914400" rtl="0" eaLnBrk="1" latinLnBrk="1" hangingPunct="1">
+              <a:lnSpc>
+                <a:spcPct val="90000"/>
+              </a:lnSpc>
+              <a:spcBef>
+                <a:spcPts val="500"/>
+              </a:spcBef>
+              <a:buFont typeface="Arial" panose="020B0604020202020204" pitchFamily="34" charset="0"/>
+              <a:buNone/>
+              <a:defRPr sz="1800" kern="1200">
+                <a:solidFill>
+                  <a:schemeClr val="tx1"/>
+                </a:solidFill>
+                <a:latin typeface="+mn-lt"/>
+                <a:ea typeface="+mn-ea"/>
+                <a:cs typeface="+mn-cs"/>
+              </a:defRPr>
+            </a:lvl3pPr>
+            <a:lvl4pPr marL="1371600" indent="0" algn="ctr" defTabSz="914400" rtl="0" eaLnBrk="1" latinLnBrk="1" hangingPunct="1">
+              <a:lnSpc>
+                <a:spcPct val="90000"/>
+              </a:lnSpc>
+              <a:spcBef>
+                <a:spcPts val="500"/>
+              </a:spcBef>
+              <a:buFont typeface="Arial" panose="020B0604020202020204" pitchFamily="34" charset="0"/>
+              <a:buNone/>
+              <a:defRPr sz="1600" kern="1200">
+                <a:solidFill>
+                  <a:schemeClr val="tx1"/>
+                </a:solidFill>
+                <a:latin typeface="+mn-lt"/>
+                <a:ea typeface="+mn-ea"/>
+                <a:cs typeface="+mn-cs"/>
+              </a:defRPr>
+            </a:lvl4pPr>
+            <a:lvl5pPr marL="1828800" indent="0" algn="ctr" defTabSz="914400" rtl="0" eaLnBrk="1" latinLnBrk="1" hangingPunct="1">
+              <a:lnSpc>
+                <a:spcPct val="90000"/>
+              </a:lnSpc>
+              <a:spcBef>
+                <a:spcPts val="500"/>
+              </a:spcBef>
+              <a:buFont typeface="Arial" panose="020B0604020202020204" pitchFamily="34" charset="0"/>
+              <a:buNone/>
+              <a:defRPr sz="1600" kern="1200">
+                <a:solidFill>
+                  <a:schemeClr val="tx1"/>
+                </a:solidFill>
+                <a:latin typeface="+mn-lt"/>
+                <a:ea typeface="+mn-ea"/>
+                <a:cs typeface="+mn-cs"/>
+              </a:defRPr>
+            </a:lvl5pPr>
+            <a:lvl6pPr marL="2286000" indent="0" algn="ctr" defTabSz="914400" rtl="0" eaLnBrk="1" latinLnBrk="1" hangingPunct="1">
+              <a:lnSpc>
+                <a:spcPct val="90000"/>
+              </a:lnSpc>
+              <a:spcBef>
+                <a:spcPts val="500"/>
+              </a:spcBef>
+              <a:buFont typeface="Arial" panose="020B0604020202020204" pitchFamily="34" charset="0"/>
+              <a:buNone/>
+              <a:defRPr sz="1600" kern="1200">
+                <a:solidFill>
+                  <a:schemeClr val="tx1"/>
+                </a:solidFill>
+                <a:latin typeface="+mn-lt"/>
+                <a:ea typeface="+mn-ea"/>
+                <a:cs typeface="+mn-cs"/>
+              </a:defRPr>
+            </a:lvl6pPr>
+            <a:lvl7pPr marL="2743200" indent="0" algn="ctr" defTabSz="914400" rtl="0" eaLnBrk="1" latinLnBrk="1" hangingPunct="1">
+              <a:lnSpc>
+                <a:spcPct val="90000"/>
+              </a:lnSpc>
+              <a:spcBef>
+                <a:spcPts val="500"/>
+              </a:spcBef>
+              <a:buFont typeface="Arial" panose="020B0604020202020204" pitchFamily="34" charset="0"/>
+              <a:buNone/>
+              <a:defRPr sz="1600" kern="1200">
+                <a:solidFill>
+                  <a:schemeClr val="tx1"/>
+                </a:solidFill>
+                <a:latin typeface="+mn-lt"/>
+                <a:ea typeface="+mn-ea"/>
+                <a:cs typeface="+mn-cs"/>
+              </a:defRPr>
+            </a:lvl7pPr>
+            <a:lvl8pPr marL="3200400" indent="0" algn="ctr" defTabSz="914400" rtl="0" eaLnBrk="1" latinLnBrk="1" hangingPunct="1">
+              <a:lnSpc>
+                <a:spcPct val="90000"/>
+              </a:lnSpc>
+              <a:spcBef>
+                <a:spcPts val="500"/>
+              </a:spcBef>
+              <a:buFont typeface="Arial" panose="020B0604020202020204" pitchFamily="34" charset="0"/>
+              <a:buNone/>
+              <a:defRPr sz="1600" kern="1200">
+                <a:solidFill>
+                  <a:schemeClr val="tx1"/>
+                </a:solidFill>
+                <a:latin typeface="+mn-lt"/>
+                <a:ea typeface="+mn-ea"/>
+                <a:cs typeface="+mn-cs"/>
+              </a:defRPr>
+            </a:lvl8pPr>
+            <a:lvl9pPr marL="3657600" indent="0" algn="ctr" defTabSz="914400" rtl="0" eaLnBrk="1" latinLnBrk="1" hangingPunct="1">
+              <a:lnSpc>
+                <a:spcPct val="90000"/>
+              </a:lnSpc>
+              <a:spcBef>
+                <a:spcPts val="500"/>
+              </a:spcBef>
+              <a:buFont typeface="Arial" panose="020B0604020202020204" pitchFamily="34" charset="0"/>
+              <a:buNone/>
+              <a:defRPr sz="1600" kern="1200">
+                <a:solidFill>
+                  <a:schemeClr val="tx1"/>
+                </a:solidFill>
+                <a:latin typeface="+mn-lt"/>
+                <a:ea typeface="+mn-ea"/>
+                <a:cs typeface="+mn-cs"/>
+              </a:defRPr>
+            </a:lvl9pPr>
+          </a:lstStyle>
+          <a:p>
+            <a:pPr marL="342900" indent="-342900" algn="l">
+              <a:buFont typeface="Arial" panose="020B0604020202020204" pitchFamily="34" charset="0"/>
+              <a:buChar char="•"/>
+            </a:pPr>
+            <a:r>
+              <a:rPr lang="en-US" altLang="ko-KR" sz="2000" dirty="0" smtClean="0"/>
+              <a:t>GET method</a:t>
+            </a:r>
+            <a:r>
+              <a:rPr lang="ko-KR" altLang="en-US" sz="2000" dirty="0" smtClean="0"/>
+              <a:t>를 사용해서 </a:t>
+            </a:r>
+            <a:r>
+              <a:rPr lang="en-US" altLang="ko-KR" sz="2000" dirty="0" err="1" smtClean="0"/>
+              <a:t>join.jsp</a:t>
+            </a:r>
+            <a:r>
+              <a:rPr lang="en-US" altLang="ko-KR" sz="2000" dirty="0" smtClean="0"/>
+              <a:t> </a:t>
+            </a:r>
+            <a:r>
+              <a:rPr lang="ko-KR" altLang="en-US" sz="2000" dirty="0" smtClean="0"/>
+              <a:t>불러오기</a:t>
+            </a:r>
+            <a:endParaRPr lang="ko-KR" altLang="en-US" sz="2000" dirty="0"/>
+          </a:p>
+        </p:txBody>
+      </p:sp>
+      <p:sp>
+        <p:nvSpPr>
+          <p:cNvPr id="10" name="내용 개체 틀 3"/>
+          <p:cNvSpPr txBox="1">
+            <a:spLocks/>
+          </p:cNvSpPr>
+          <p:nvPr/>
+        </p:nvSpPr>
+        <p:spPr>
+          <a:xfrm>
+            <a:off x="4936463" y="1855640"/>
+            <a:ext cx="6911049" cy="373502"/>
+          </a:xfrm>
+          <a:prstGeom prst="rect">
+            <a:avLst/>
+          </a:prstGeom>
+        </p:spPr>
+        <p:txBody>
+          <a:bodyPr vert="horz" lIns="91440" tIns="45720" rIns="91440" bIns="45720" rtlCol="0">
+            <a:normAutofit/>
+          </a:bodyPr>
+          <a:lstStyle>
+            <a:lvl1pPr marL="0" indent="0" algn="ctr" defTabSz="914400" rtl="0" eaLnBrk="1" latinLnBrk="1" hangingPunct="1">
+              <a:lnSpc>
+                <a:spcPct val="90000"/>
+              </a:lnSpc>
+              <a:spcBef>
+                <a:spcPts val="1000"/>
+              </a:spcBef>
+              <a:buFont typeface="Arial" panose="020B0604020202020204" pitchFamily="34" charset="0"/>
+              <a:buNone/>
+              <a:defRPr sz="2400" kern="1200">
+                <a:solidFill>
+                  <a:schemeClr val="tx1"/>
+                </a:solidFill>
+                <a:latin typeface="+mn-lt"/>
+                <a:ea typeface="+mn-ea"/>
+                <a:cs typeface="+mn-cs"/>
+              </a:defRPr>
+            </a:lvl1pPr>
+            <a:lvl2pPr marL="457200" indent="0" algn="ctr" defTabSz="914400" rtl="0" eaLnBrk="1" latinLnBrk="1" hangingPunct="1">
+              <a:lnSpc>
+                <a:spcPct val="90000"/>
+              </a:lnSpc>
+              <a:spcBef>
+                <a:spcPts val="500"/>
+              </a:spcBef>
+              <a:buFont typeface="Arial" panose="020B0604020202020204" pitchFamily="34" charset="0"/>
+              <a:buNone/>
+              <a:defRPr sz="2000" kern="1200">
+                <a:solidFill>
+                  <a:schemeClr val="tx1"/>
+                </a:solidFill>
+                <a:latin typeface="+mn-lt"/>
+                <a:ea typeface="+mn-ea"/>
+                <a:cs typeface="+mn-cs"/>
+              </a:defRPr>
+            </a:lvl2pPr>
+            <a:lvl3pPr marL="914400" indent="0" algn="ctr" defTabSz="914400" rtl="0" eaLnBrk="1" latinLnBrk="1" hangingPunct="1">
+              <a:lnSpc>
+                <a:spcPct val="90000"/>
+              </a:lnSpc>
+              <a:spcBef>
+                <a:spcPts val="500"/>
+              </a:spcBef>
+              <a:buFont typeface="Arial" panose="020B0604020202020204" pitchFamily="34" charset="0"/>
+              <a:buNone/>
+              <a:defRPr sz="1800" kern="1200">
+                <a:solidFill>
+                  <a:schemeClr val="tx1"/>
+                </a:solidFill>
+                <a:latin typeface="+mn-lt"/>
+                <a:ea typeface="+mn-ea"/>
+                <a:cs typeface="+mn-cs"/>
+              </a:defRPr>
+            </a:lvl3pPr>
+            <a:lvl4pPr marL="1371600" indent="0" algn="ctr" defTabSz="914400" rtl="0" eaLnBrk="1" latinLnBrk="1" hangingPunct="1">
+              <a:lnSpc>
+                <a:spcPct val="90000"/>
+              </a:lnSpc>
+              <a:spcBef>
+                <a:spcPts val="500"/>
+              </a:spcBef>
+              <a:buFont typeface="Arial" panose="020B0604020202020204" pitchFamily="34" charset="0"/>
+              <a:buNone/>
+              <a:defRPr sz="1600" kern="1200">
+                <a:solidFill>
+                  <a:schemeClr val="tx1"/>
+                </a:solidFill>
+                <a:latin typeface="+mn-lt"/>
+                <a:ea typeface="+mn-ea"/>
+                <a:cs typeface="+mn-cs"/>
+              </a:defRPr>
+            </a:lvl4pPr>
+            <a:lvl5pPr marL="1828800" indent="0" algn="ctr" defTabSz="914400" rtl="0" eaLnBrk="1" latinLnBrk="1" hangingPunct="1">
+              <a:lnSpc>
+                <a:spcPct val="90000"/>
+              </a:lnSpc>
+              <a:spcBef>
+                <a:spcPts val="500"/>
+              </a:spcBef>
+              <a:buFont typeface="Arial" panose="020B0604020202020204" pitchFamily="34" charset="0"/>
+              <a:buNone/>
+              <a:defRPr sz="1600" kern="1200">
+                <a:solidFill>
+                  <a:schemeClr val="tx1"/>
+                </a:solidFill>
+                <a:latin typeface="+mn-lt"/>
+                <a:ea typeface="+mn-ea"/>
+                <a:cs typeface="+mn-cs"/>
+              </a:defRPr>
+            </a:lvl5pPr>
+            <a:lvl6pPr marL="2286000" indent="0" algn="ctr" defTabSz="914400" rtl="0" eaLnBrk="1" latinLnBrk="1" hangingPunct="1">
+              <a:lnSpc>
+                <a:spcPct val="90000"/>
+              </a:lnSpc>
+              <a:spcBef>
+                <a:spcPts val="500"/>
+              </a:spcBef>
+              <a:buFont typeface="Arial" panose="020B0604020202020204" pitchFamily="34" charset="0"/>
+              <a:buNone/>
+              <a:defRPr sz="1600" kern="1200">
+                <a:solidFill>
+                  <a:schemeClr val="tx1"/>
+                </a:solidFill>
+                <a:latin typeface="+mn-lt"/>
+                <a:ea typeface="+mn-ea"/>
+                <a:cs typeface="+mn-cs"/>
+              </a:defRPr>
+            </a:lvl6pPr>
+            <a:lvl7pPr marL="2743200" indent="0" algn="ctr" defTabSz="914400" rtl="0" eaLnBrk="1" latinLnBrk="1" hangingPunct="1">
+              <a:lnSpc>
+                <a:spcPct val="90000"/>
+              </a:lnSpc>
+              <a:spcBef>
+                <a:spcPts val="500"/>
+              </a:spcBef>
+              <a:buFont typeface="Arial" panose="020B0604020202020204" pitchFamily="34" charset="0"/>
+              <a:buNone/>
+              <a:defRPr sz="1600" kern="1200">
+                <a:solidFill>
+                  <a:schemeClr val="tx1"/>
+                </a:solidFill>
+                <a:latin typeface="+mn-lt"/>
+                <a:ea typeface="+mn-ea"/>
+                <a:cs typeface="+mn-cs"/>
+              </a:defRPr>
+            </a:lvl7pPr>
+            <a:lvl8pPr marL="3200400" indent="0" algn="ctr" defTabSz="914400" rtl="0" eaLnBrk="1" latinLnBrk="1" hangingPunct="1">
+              <a:lnSpc>
+                <a:spcPct val="90000"/>
+              </a:lnSpc>
+              <a:spcBef>
+                <a:spcPts val="500"/>
+              </a:spcBef>
+              <a:buFont typeface="Arial" panose="020B0604020202020204" pitchFamily="34" charset="0"/>
+              <a:buNone/>
+              <a:defRPr sz="1600" kern="1200">
+                <a:solidFill>
+                  <a:schemeClr val="tx1"/>
+                </a:solidFill>
+                <a:latin typeface="+mn-lt"/>
+                <a:ea typeface="+mn-ea"/>
+                <a:cs typeface="+mn-cs"/>
+              </a:defRPr>
+            </a:lvl8pPr>
+            <a:lvl9pPr marL="3657600" indent="0" algn="ctr" defTabSz="914400" rtl="0" eaLnBrk="1" latinLnBrk="1" hangingPunct="1">
+              <a:lnSpc>
+                <a:spcPct val="90000"/>
+              </a:lnSpc>
+              <a:spcBef>
+                <a:spcPts val="500"/>
+              </a:spcBef>
+              <a:buFont typeface="Arial" panose="020B0604020202020204" pitchFamily="34" charset="0"/>
+              <a:buNone/>
+              <a:defRPr sz="1600" kern="1200">
+                <a:solidFill>
+                  <a:schemeClr val="tx1"/>
+                </a:solidFill>
+                <a:latin typeface="+mn-lt"/>
+                <a:ea typeface="+mn-ea"/>
+                <a:cs typeface="+mn-cs"/>
+              </a:defRPr>
+            </a:lvl9pPr>
+          </a:lstStyle>
+          <a:p>
+            <a:pPr marL="342900" indent="-342900" algn="l">
+              <a:buFont typeface="Arial" panose="020B0604020202020204" pitchFamily="34" charset="0"/>
+              <a:buChar char="•"/>
+            </a:pPr>
+            <a:r>
+              <a:rPr lang="en-US" altLang="ko-KR" sz="2000" dirty="0" err="1" smtClean="0"/>
+              <a:t>home.jsp</a:t>
+            </a:r>
+            <a:r>
+              <a:rPr lang="en-US" altLang="ko-KR" sz="2000" dirty="0"/>
+              <a:t> </a:t>
+            </a:r>
+            <a:r>
+              <a:rPr lang="ko-KR" altLang="en-US" sz="2000" dirty="0" smtClean="0"/>
+              <a:t>에서 </a:t>
+            </a:r>
+            <a:r>
+              <a:rPr lang="en-US" altLang="ko-KR" sz="2000" dirty="0" err="1" smtClean="0"/>
+              <a:t>login.jsp</a:t>
+            </a:r>
+            <a:r>
+              <a:rPr lang="en-US" altLang="ko-KR" sz="2000" dirty="0" smtClean="0"/>
+              <a:t> </a:t>
+            </a:r>
+            <a:r>
+              <a:rPr lang="ko-KR" altLang="en-US" sz="2000" dirty="0" smtClean="0"/>
+              <a:t>연결</a:t>
+            </a:r>
+            <a:endParaRPr lang="ko-KR" altLang="en-US" sz="2000" dirty="0"/>
+          </a:p>
+        </p:txBody>
+      </p:sp>
+      <p:sp>
+        <p:nvSpPr>
+          <p:cNvPr id="11" name="내용 개체 틀 3"/>
+          <p:cNvSpPr txBox="1">
+            <a:spLocks/>
+          </p:cNvSpPr>
+          <p:nvPr/>
+        </p:nvSpPr>
+        <p:spPr>
+          <a:xfrm>
+            <a:off x="4933818" y="3097832"/>
+            <a:ext cx="6911049" cy="585170"/>
+          </a:xfrm>
+          <a:prstGeom prst="rect">
+            <a:avLst/>
+          </a:prstGeom>
+        </p:spPr>
+        <p:txBody>
+          <a:bodyPr vert="horz" lIns="91440" tIns="45720" rIns="91440" bIns="45720" rtlCol="0">
+            <a:noAutofit/>
+          </a:bodyPr>
+          <a:lstStyle>
+            <a:lvl1pPr marL="0" indent="0" algn="ctr" defTabSz="914400" rtl="0" eaLnBrk="1" latinLnBrk="1" hangingPunct="1">
+              <a:lnSpc>
+                <a:spcPct val="90000"/>
+              </a:lnSpc>
+              <a:spcBef>
+                <a:spcPts val="1000"/>
+              </a:spcBef>
+              <a:buFont typeface="Arial" panose="020B0604020202020204" pitchFamily="34" charset="0"/>
+              <a:buNone/>
+              <a:defRPr sz="2400" kern="1200">
+                <a:solidFill>
+                  <a:schemeClr val="tx1"/>
+                </a:solidFill>
+                <a:latin typeface="+mn-lt"/>
+                <a:ea typeface="+mn-ea"/>
+                <a:cs typeface="+mn-cs"/>
+              </a:defRPr>
+            </a:lvl1pPr>
+            <a:lvl2pPr marL="457200" indent="0" algn="ctr" defTabSz="914400" rtl="0" eaLnBrk="1" latinLnBrk="1" hangingPunct="1">
+              <a:lnSpc>
+                <a:spcPct val="90000"/>
+              </a:lnSpc>
+              <a:spcBef>
+                <a:spcPts val="500"/>
+              </a:spcBef>
+              <a:buFont typeface="Arial" panose="020B0604020202020204" pitchFamily="34" charset="0"/>
+              <a:buNone/>
+              <a:defRPr sz="2000" kern="1200">
+                <a:solidFill>
+                  <a:schemeClr val="tx1"/>
+                </a:solidFill>
+                <a:latin typeface="+mn-lt"/>
+                <a:ea typeface="+mn-ea"/>
+                <a:cs typeface="+mn-cs"/>
+              </a:defRPr>
+            </a:lvl2pPr>
+            <a:lvl3pPr marL="914400" indent="0" algn="ctr" defTabSz="914400" rtl="0" eaLnBrk="1" latinLnBrk="1" hangingPunct="1">
+              <a:lnSpc>
+                <a:spcPct val="90000"/>
+              </a:lnSpc>
+              <a:spcBef>
+                <a:spcPts val="500"/>
+              </a:spcBef>
+              <a:buFont typeface="Arial" panose="020B0604020202020204" pitchFamily="34" charset="0"/>
+              <a:buNone/>
+              <a:defRPr sz="1800" kern="1200">
+                <a:solidFill>
+                  <a:schemeClr val="tx1"/>
+                </a:solidFill>
+                <a:latin typeface="+mn-lt"/>
+                <a:ea typeface="+mn-ea"/>
+                <a:cs typeface="+mn-cs"/>
+              </a:defRPr>
+            </a:lvl3pPr>
+            <a:lvl4pPr marL="1371600" indent="0" algn="ctr" defTabSz="914400" rtl="0" eaLnBrk="1" latinLnBrk="1" hangingPunct="1">
+              <a:lnSpc>
+                <a:spcPct val="90000"/>
+              </a:lnSpc>
+              <a:spcBef>
+                <a:spcPts val="500"/>
+              </a:spcBef>
+              <a:buFont typeface="Arial" panose="020B0604020202020204" pitchFamily="34" charset="0"/>
+              <a:buNone/>
+              <a:defRPr sz="1600" kern="1200">
+                <a:solidFill>
+                  <a:schemeClr val="tx1"/>
+                </a:solidFill>
+                <a:latin typeface="+mn-lt"/>
+                <a:ea typeface="+mn-ea"/>
+                <a:cs typeface="+mn-cs"/>
+              </a:defRPr>
+            </a:lvl4pPr>
+            <a:lvl5pPr marL="1828800" indent="0" algn="ctr" defTabSz="914400" rtl="0" eaLnBrk="1" latinLnBrk="1" hangingPunct="1">
+              <a:lnSpc>
+                <a:spcPct val="90000"/>
+              </a:lnSpc>
+              <a:spcBef>
+                <a:spcPts val="500"/>
+              </a:spcBef>
+              <a:buFont typeface="Arial" panose="020B0604020202020204" pitchFamily="34" charset="0"/>
+              <a:buNone/>
+              <a:defRPr sz="1600" kern="1200">
+                <a:solidFill>
+                  <a:schemeClr val="tx1"/>
+                </a:solidFill>
+                <a:latin typeface="+mn-lt"/>
+                <a:ea typeface="+mn-ea"/>
+                <a:cs typeface="+mn-cs"/>
+              </a:defRPr>
+            </a:lvl5pPr>
+            <a:lvl6pPr marL="2286000" indent="0" algn="ctr" defTabSz="914400" rtl="0" eaLnBrk="1" latinLnBrk="1" hangingPunct="1">
+              <a:lnSpc>
+                <a:spcPct val="90000"/>
+              </a:lnSpc>
+              <a:spcBef>
+                <a:spcPts val="500"/>
+              </a:spcBef>
+              <a:buFont typeface="Arial" panose="020B0604020202020204" pitchFamily="34" charset="0"/>
+              <a:buNone/>
+              <a:defRPr sz="1600" kern="1200">
+                <a:solidFill>
+                  <a:schemeClr val="tx1"/>
+                </a:solidFill>
+                <a:latin typeface="+mn-lt"/>
+                <a:ea typeface="+mn-ea"/>
+                <a:cs typeface="+mn-cs"/>
+              </a:defRPr>
+            </a:lvl6pPr>
+            <a:lvl7pPr marL="2743200" indent="0" algn="ctr" defTabSz="914400" rtl="0" eaLnBrk="1" latinLnBrk="1" hangingPunct="1">
+              <a:lnSpc>
+                <a:spcPct val="90000"/>
+              </a:lnSpc>
+              <a:spcBef>
+                <a:spcPts val="500"/>
+              </a:spcBef>
+              <a:buFont typeface="Arial" panose="020B0604020202020204" pitchFamily="34" charset="0"/>
+              <a:buNone/>
+              <a:defRPr sz="1600" kern="1200">
+                <a:solidFill>
+                  <a:schemeClr val="tx1"/>
+                </a:solidFill>
+                <a:latin typeface="+mn-lt"/>
+                <a:ea typeface="+mn-ea"/>
+                <a:cs typeface="+mn-cs"/>
+              </a:defRPr>
+            </a:lvl7pPr>
+            <a:lvl8pPr marL="3200400" indent="0" algn="ctr" defTabSz="914400" rtl="0" eaLnBrk="1" latinLnBrk="1" hangingPunct="1">
+              <a:lnSpc>
+                <a:spcPct val="90000"/>
+              </a:lnSpc>
+              <a:spcBef>
+                <a:spcPts val="500"/>
+              </a:spcBef>
+              <a:buFont typeface="Arial" panose="020B0604020202020204" pitchFamily="34" charset="0"/>
+              <a:buNone/>
+              <a:defRPr sz="1600" kern="1200">
+                <a:solidFill>
+                  <a:schemeClr val="tx1"/>
+                </a:solidFill>
+                <a:latin typeface="+mn-lt"/>
+                <a:ea typeface="+mn-ea"/>
+                <a:cs typeface="+mn-cs"/>
+              </a:defRPr>
+            </a:lvl8pPr>
+            <a:lvl9pPr marL="3657600" indent="0" algn="ctr" defTabSz="914400" rtl="0" eaLnBrk="1" latinLnBrk="1" hangingPunct="1">
+              <a:lnSpc>
+                <a:spcPct val="90000"/>
+              </a:lnSpc>
+              <a:spcBef>
+                <a:spcPts val="500"/>
+              </a:spcBef>
+              <a:buFont typeface="Arial" panose="020B0604020202020204" pitchFamily="34" charset="0"/>
+              <a:buNone/>
+              <a:defRPr sz="1600" kern="1200">
+                <a:solidFill>
+                  <a:schemeClr val="tx1"/>
+                </a:solidFill>
+                <a:latin typeface="+mn-lt"/>
+                <a:ea typeface="+mn-ea"/>
+                <a:cs typeface="+mn-cs"/>
+              </a:defRPr>
+            </a:lvl9pPr>
+          </a:lstStyle>
+          <a:p>
+            <a:pPr marL="342900" indent="-342900" algn="l">
+              <a:buFont typeface="Arial" panose="020B0604020202020204" pitchFamily="34" charset="0"/>
+              <a:buChar char="•"/>
+            </a:pPr>
+            <a:r>
+              <a:rPr lang="en-US" altLang="ko-KR" sz="2000" dirty="0" smtClean="0"/>
+              <a:t>Blur</a:t>
+            </a:r>
+            <a:r>
+              <a:rPr lang="ko-KR" altLang="en-US" sz="2000" dirty="0" smtClean="0"/>
+              <a:t>를 사용해서 마우스포인터가 해당 태그요소를 벗어나면 이벤트가 발생</a:t>
+            </a:r>
+            <a:endParaRPr lang="ko-KR" altLang="en-US" sz="2000" dirty="0"/>
+          </a:p>
+        </p:txBody>
+      </p:sp>
+    </p:spTree>
+    <p:extLst>
+      <p:ext uri="{BB962C8B-B14F-4D97-AF65-F5344CB8AC3E}">
+        <p14:creationId xmlns:p14="http://schemas.microsoft.com/office/powerpoint/2010/main" val="3136940319"/>
+      </p:ext>
+    </p:extLst>
+  </p:cSld>
+  <p:clrMapOvr>
+    <a:masterClrMapping/>
+  </p:clrMapOvr>
+  <p:timing>
+    <p:tnLst>
+      <p:par>
+        <p:cTn id="1" dur="indefinite" restart="never" nodeType="tmRoot"/>
+      </p:par>
+    </p:tnLst>
+  </p:timing>
+</p:sld>
+</file>
+
+<file path=ppt/slides/slide5.xml><?xml version="1.0" encoding="utf-8"?>
+<p:sld xmlns:a="http://schemas.openxmlformats.org/drawingml/2006/main" xmlns:r="http://schemas.openxmlformats.org/officeDocument/2006/relationships" xmlns:p="http://schemas.openxmlformats.org/presentationml/2006/main">
+  <p:cSld>
+    <p:spTree>
+      <p:nvGrpSpPr>
+        <p:cNvPr id="1" name=""/>
+        <p:cNvGrpSpPr/>
+        <p:nvPr/>
+      </p:nvGrpSpPr>
+      <p:grpSpPr>
+        <a:xfrm>
+          <a:off x="0" y="0"/>
+          <a:ext cx="0" cy="0"/>
+          <a:chOff x="0" y="0"/>
+          <a:chExt cx="0" cy="0"/>
+        </a:xfrm>
+      </p:grpSpPr>
+      <p:pic>
+        <p:nvPicPr>
           <p:cNvPr id="4" name="그림 3"/>
           <p:cNvPicPr>
             <a:picLocks noChangeAspect="1"/>
@@ -3802,8 +5713,8 @@
         </p:blipFill>
         <p:spPr>
           <a:xfrm>
-            <a:off x="351992" y="558799"/>
-            <a:ext cx="4426815" cy="5740401"/>
+            <a:off x="0" y="0"/>
+            <a:ext cx="4426815" cy="6858000"/>
           </a:xfrm>
           <a:prstGeom prst="rect">
             <a:avLst/>
@@ -3826,8 +5737,8 @@
         </p:blipFill>
         <p:spPr>
           <a:xfrm>
-            <a:off x="5372211" y="558798"/>
-            <a:ext cx="6464187" cy="2870201"/>
+            <a:off x="4947577" y="541869"/>
+            <a:ext cx="6899935" cy="2870201"/>
           </a:xfrm>
           <a:prstGeom prst="rect">
             <a:avLst/>
@@ -3850,14 +5761,433 @@
         </p:blipFill>
         <p:spPr>
           <a:xfrm>
-            <a:off x="5372211" y="3708400"/>
-            <a:ext cx="6464187" cy="2590800"/>
+            <a:off x="4936464" y="3987802"/>
+            <a:ext cx="6899934" cy="2590800"/>
           </a:xfrm>
           <a:prstGeom prst="rect">
             <a:avLst/>
           </a:prstGeom>
         </p:spPr>
       </p:pic>
+      <p:sp>
+        <p:nvSpPr>
+          <p:cNvPr id="5" name="내용 개체 틀 3"/>
+          <p:cNvSpPr txBox="1">
+            <a:spLocks/>
+          </p:cNvSpPr>
+          <p:nvPr/>
+        </p:nvSpPr>
+        <p:spPr>
+          <a:xfrm>
+            <a:off x="4936463" y="169455"/>
+            <a:ext cx="6911049" cy="372414"/>
+          </a:xfrm>
+          <a:prstGeom prst="rect">
+            <a:avLst/>
+          </a:prstGeom>
+        </p:spPr>
+        <p:txBody>
+          <a:bodyPr vert="horz" lIns="91440" tIns="45720" rIns="91440" bIns="45720" rtlCol="0">
+            <a:normAutofit/>
+          </a:bodyPr>
+          <a:lstStyle>
+            <a:lvl1pPr marL="0" indent="0" algn="ctr" defTabSz="914400" rtl="0" eaLnBrk="1" latinLnBrk="1" hangingPunct="1">
+              <a:lnSpc>
+                <a:spcPct val="90000"/>
+              </a:lnSpc>
+              <a:spcBef>
+                <a:spcPts val="1000"/>
+              </a:spcBef>
+              <a:buFont typeface="Arial" panose="020B0604020202020204" pitchFamily="34" charset="0"/>
+              <a:buNone/>
+              <a:defRPr sz="2400" kern="1200">
+                <a:solidFill>
+                  <a:schemeClr val="tx1"/>
+                </a:solidFill>
+                <a:latin typeface="+mn-lt"/>
+                <a:ea typeface="+mn-ea"/>
+                <a:cs typeface="+mn-cs"/>
+              </a:defRPr>
+            </a:lvl1pPr>
+            <a:lvl2pPr marL="457200" indent="0" algn="ctr" defTabSz="914400" rtl="0" eaLnBrk="1" latinLnBrk="1" hangingPunct="1">
+              <a:lnSpc>
+                <a:spcPct val="90000"/>
+              </a:lnSpc>
+              <a:spcBef>
+                <a:spcPts val="500"/>
+              </a:spcBef>
+              <a:buFont typeface="Arial" panose="020B0604020202020204" pitchFamily="34" charset="0"/>
+              <a:buNone/>
+              <a:defRPr sz="2000" kern="1200">
+                <a:solidFill>
+                  <a:schemeClr val="tx1"/>
+                </a:solidFill>
+                <a:latin typeface="+mn-lt"/>
+                <a:ea typeface="+mn-ea"/>
+                <a:cs typeface="+mn-cs"/>
+              </a:defRPr>
+            </a:lvl2pPr>
+            <a:lvl3pPr marL="914400" indent="0" algn="ctr" defTabSz="914400" rtl="0" eaLnBrk="1" latinLnBrk="1" hangingPunct="1">
+              <a:lnSpc>
+                <a:spcPct val="90000"/>
+              </a:lnSpc>
+              <a:spcBef>
+                <a:spcPts val="500"/>
+              </a:spcBef>
+              <a:buFont typeface="Arial" panose="020B0604020202020204" pitchFamily="34" charset="0"/>
+              <a:buNone/>
+              <a:defRPr sz="1800" kern="1200">
+                <a:solidFill>
+                  <a:schemeClr val="tx1"/>
+                </a:solidFill>
+                <a:latin typeface="+mn-lt"/>
+                <a:ea typeface="+mn-ea"/>
+                <a:cs typeface="+mn-cs"/>
+              </a:defRPr>
+            </a:lvl3pPr>
+            <a:lvl4pPr marL="1371600" indent="0" algn="ctr" defTabSz="914400" rtl="0" eaLnBrk="1" latinLnBrk="1" hangingPunct="1">
+              <a:lnSpc>
+                <a:spcPct val="90000"/>
+              </a:lnSpc>
+              <a:spcBef>
+                <a:spcPts val="500"/>
+              </a:spcBef>
+              <a:buFont typeface="Arial" panose="020B0604020202020204" pitchFamily="34" charset="0"/>
+              <a:buNone/>
+              <a:defRPr sz="1600" kern="1200">
+                <a:solidFill>
+                  <a:schemeClr val="tx1"/>
+                </a:solidFill>
+                <a:latin typeface="+mn-lt"/>
+                <a:ea typeface="+mn-ea"/>
+                <a:cs typeface="+mn-cs"/>
+              </a:defRPr>
+            </a:lvl4pPr>
+            <a:lvl5pPr marL="1828800" indent="0" algn="ctr" defTabSz="914400" rtl="0" eaLnBrk="1" latinLnBrk="1" hangingPunct="1">
+              <a:lnSpc>
+                <a:spcPct val="90000"/>
+              </a:lnSpc>
+              <a:spcBef>
+                <a:spcPts val="500"/>
+              </a:spcBef>
+              <a:buFont typeface="Arial" panose="020B0604020202020204" pitchFamily="34" charset="0"/>
+              <a:buNone/>
+              <a:defRPr sz="1600" kern="1200">
+                <a:solidFill>
+                  <a:schemeClr val="tx1"/>
+                </a:solidFill>
+                <a:latin typeface="+mn-lt"/>
+                <a:ea typeface="+mn-ea"/>
+                <a:cs typeface="+mn-cs"/>
+              </a:defRPr>
+            </a:lvl5pPr>
+            <a:lvl6pPr marL="2286000" indent="0" algn="ctr" defTabSz="914400" rtl="0" eaLnBrk="1" latinLnBrk="1" hangingPunct="1">
+              <a:lnSpc>
+                <a:spcPct val="90000"/>
+              </a:lnSpc>
+              <a:spcBef>
+                <a:spcPts val="500"/>
+              </a:spcBef>
+              <a:buFont typeface="Arial" panose="020B0604020202020204" pitchFamily="34" charset="0"/>
+              <a:buNone/>
+              <a:defRPr sz="1600" kern="1200">
+                <a:solidFill>
+                  <a:schemeClr val="tx1"/>
+                </a:solidFill>
+                <a:latin typeface="+mn-lt"/>
+                <a:ea typeface="+mn-ea"/>
+                <a:cs typeface="+mn-cs"/>
+              </a:defRPr>
+            </a:lvl6pPr>
+            <a:lvl7pPr marL="2743200" indent="0" algn="ctr" defTabSz="914400" rtl="0" eaLnBrk="1" latinLnBrk="1" hangingPunct="1">
+              <a:lnSpc>
+                <a:spcPct val="90000"/>
+              </a:lnSpc>
+              <a:spcBef>
+                <a:spcPts val="500"/>
+              </a:spcBef>
+              <a:buFont typeface="Arial" panose="020B0604020202020204" pitchFamily="34" charset="0"/>
+              <a:buNone/>
+              <a:defRPr sz="1600" kern="1200">
+                <a:solidFill>
+                  <a:schemeClr val="tx1"/>
+                </a:solidFill>
+                <a:latin typeface="+mn-lt"/>
+                <a:ea typeface="+mn-ea"/>
+                <a:cs typeface="+mn-cs"/>
+              </a:defRPr>
+            </a:lvl7pPr>
+            <a:lvl8pPr marL="3200400" indent="0" algn="ctr" defTabSz="914400" rtl="0" eaLnBrk="1" latinLnBrk="1" hangingPunct="1">
+              <a:lnSpc>
+                <a:spcPct val="90000"/>
+              </a:lnSpc>
+              <a:spcBef>
+                <a:spcPts val="500"/>
+              </a:spcBef>
+              <a:buFont typeface="Arial" panose="020B0604020202020204" pitchFamily="34" charset="0"/>
+              <a:buNone/>
+              <a:defRPr sz="1600" kern="1200">
+                <a:solidFill>
+                  <a:schemeClr val="tx1"/>
+                </a:solidFill>
+                <a:latin typeface="+mn-lt"/>
+                <a:ea typeface="+mn-ea"/>
+                <a:cs typeface="+mn-cs"/>
+              </a:defRPr>
+            </a:lvl8pPr>
+            <a:lvl9pPr marL="3657600" indent="0" algn="ctr" defTabSz="914400" rtl="0" eaLnBrk="1" latinLnBrk="1" hangingPunct="1">
+              <a:lnSpc>
+                <a:spcPct val="90000"/>
+              </a:lnSpc>
+              <a:spcBef>
+                <a:spcPts val="500"/>
+              </a:spcBef>
+              <a:buFont typeface="Arial" panose="020B0604020202020204" pitchFamily="34" charset="0"/>
+              <a:buNone/>
+              <a:defRPr sz="1600" kern="1200">
+                <a:solidFill>
+                  <a:schemeClr val="tx1"/>
+                </a:solidFill>
+                <a:latin typeface="+mn-lt"/>
+                <a:ea typeface="+mn-ea"/>
+                <a:cs typeface="+mn-cs"/>
+              </a:defRPr>
+            </a:lvl9pPr>
+          </a:lstStyle>
+          <a:p>
+            <a:pPr marL="342900" indent="-342900" algn="l">
+              <a:buFont typeface="Arial" panose="020B0604020202020204" pitchFamily="34" charset="0"/>
+              <a:buChar char="•"/>
+            </a:pPr>
+            <a:r>
+              <a:rPr lang="ko-KR" altLang="en-US" sz="2000" dirty="0" smtClean="0"/>
+              <a:t>서버로 </a:t>
+            </a:r>
+            <a:r>
+              <a:rPr lang="en-US" altLang="ko-KR" sz="2000" dirty="0" smtClean="0"/>
+              <a:t>fetch(ajax) </a:t>
+            </a:r>
+            <a:r>
+              <a:rPr lang="ko-KR" altLang="en-US" sz="2000" dirty="0" smtClean="0"/>
+              <a:t>전송하기</a:t>
+            </a:r>
+          </a:p>
+        </p:txBody>
+      </p:sp>
+      <p:sp>
+        <p:nvSpPr>
+          <p:cNvPr id="8" name="내용 개체 틀 3"/>
+          <p:cNvSpPr txBox="1">
+            <a:spLocks/>
+          </p:cNvSpPr>
+          <p:nvPr/>
+        </p:nvSpPr>
+        <p:spPr>
+          <a:xfrm>
+            <a:off x="4925349" y="3598277"/>
+            <a:ext cx="6911049" cy="372414"/>
+          </a:xfrm>
+          <a:prstGeom prst="rect">
+            <a:avLst/>
+          </a:prstGeom>
+        </p:spPr>
+        <p:txBody>
+          <a:bodyPr vert="horz" lIns="91440" tIns="45720" rIns="91440" bIns="45720" rtlCol="0">
+            <a:normAutofit/>
+          </a:bodyPr>
+          <a:lstStyle>
+            <a:lvl1pPr marL="0" indent="0" algn="ctr" defTabSz="914400" rtl="0" eaLnBrk="1" latinLnBrk="1" hangingPunct="1">
+              <a:lnSpc>
+                <a:spcPct val="90000"/>
+              </a:lnSpc>
+              <a:spcBef>
+                <a:spcPts val="1000"/>
+              </a:spcBef>
+              <a:buFont typeface="Arial" panose="020B0604020202020204" pitchFamily="34" charset="0"/>
+              <a:buNone/>
+              <a:defRPr sz="2400" kern="1200">
+                <a:solidFill>
+                  <a:schemeClr val="tx1"/>
+                </a:solidFill>
+                <a:latin typeface="+mn-lt"/>
+                <a:ea typeface="+mn-ea"/>
+                <a:cs typeface="+mn-cs"/>
+              </a:defRPr>
+            </a:lvl1pPr>
+            <a:lvl2pPr marL="457200" indent="0" algn="ctr" defTabSz="914400" rtl="0" eaLnBrk="1" latinLnBrk="1" hangingPunct="1">
+              <a:lnSpc>
+                <a:spcPct val="90000"/>
+              </a:lnSpc>
+              <a:spcBef>
+                <a:spcPts val="500"/>
+              </a:spcBef>
+              <a:buFont typeface="Arial" panose="020B0604020202020204" pitchFamily="34" charset="0"/>
+              <a:buNone/>
+              <a:defRPr sz="2000" kern="1200">
+                <a:solidFill>
+                  <a:schemeClr val="tx1"/>
+                </a:solidFill>
+                <a:latin typeface="+mn-lt"/>
+                <a:ea typeface="+mn-ea"/>
+                <a:cs typeface="+mn-cs"/>
+              </a:defRPr>
+            </a:lvl2pPr>
+            <a:lvl3pPr marL="914400" indent="0" algn="ctr" defTabSz="914400" rtl="0" eaLnBrk="1" latinLnBrk="1" hangingPunct="1">
+              <a:lnSpc>
+                <a:spcPct val="90000"/>
+              </a:lnSpc>
+              <a:spcBef>
+                <a:spcPts val="500"/>
+              </a:spcBef>
+              <a:buFont typeface="Arial" panose="020B0604020202020204" pitchFamily="34" charset="0"/>
+              <a:buNone/>
+              <a:defRPr sz="1800" kern="1200">
+                <a:solidFill>
+                  <a:schemeClr val="tx1"/>
+                </a:solidFill>
+                <a:latin typeface="+mn-lt"/>
+                <a:ea typeface="+mn-ea"/>
+                <a:cs typeface="+mn-cs"/>
+              </a:defRPr>
+            </a:lvl3pPr>
+            <a:lvl4pPr marL="1371600" indent="0" algn="ctr" defTabSz="914400" rtl="0" eaLnBrk="1" latinLnBrk="1" hangingPunct="1">
+              <a:lnSpc>
+                <a:spcPct val="90000"/>
+              </a:lnSpc>
+              <a:spcBef>
+                <a:spcPts val="500"/>
+              </a:spcBef>
+              <a:buFont typeface="Arial" panose="020B0604020202020204" pitchFamily="34" charset="0"/>
+              <a:buNone/>
+              <a:defRPr sz="1600" kern="1200">
+                <a:solidFill>
+                  <a:schemeClr val="tx1"/>
+                </a:solidFill>
+                <a:latin typeface="+mn-lt"/>
+                <a:ea typeface="+mn-ea"/>
+                <a:cs typeface="+mn-cs"/>
+              </a:defRPr>
+            </a:lvl4pPr>
+            <a:lvl5pPr marL="1828800" indent="0" algn="ctr" defTabSz="914400" rtl="0" eaLnBrk="1" latinLnBrk="1" hangingPunct="1">
+              <a:lnSpc>
+                <a:spcPct val="90000"/>
+              </a:lnSpc>
+              <a:spcBef>
+                <a:spcPts val="500"/>
+              </a:spcBef>
+              <a:buFont typeface="Arial" panose="020B0604020202020204" pitchFamily="34" charset="0"/>
+              <a:buNone/>
+              <a:defRPr sz="1600" kern="1200">
+                <a:solidFill>
+                  <a:schemeClr val="tx1"/>
+                </a:solidFill>
+                <a:latin typeface="+mn-lt"/>
+                <a:ea typeface="+mn-ea"/>
+                <a:cs typeface="+mn-cs"/>
+              </a:defRPr>
+            </a:lvl5pPr>
+            <a:lvl6pPr marL="2286000" indent="0" algn="ctr" defTabSz="914400" rtl="0" eaLnBrk="1" latinLnBrk="1" hangingPunct="1">
+              <a:lnSpc>
+                <a:spcPct val="90000"/>
+              </a:lnSpc>
+              <a:spcBef>
+                <a:spcPts val="500"/>
+              </a:spcBef>
+              <a:buFont typeface="Arial" panose="020B0604020202020204" pitchFamily="34" charset="0"/>
+              <a:buNone/>
+              <a:defRPr sz="1600" kern="1200">
+                <a:solidFill>
+                  <a:schemeClr val="tx1"/>
+                </a:solidFill>
+                <a:latin typeface="+mn-lt"/>
+                <a:ea typeface="+mn-ea"/>
+                <a:cs typeface="+mn-cs"/>
+              </a:defRPr>
+            </a:lvl6pPr>
+            <a:lvl7pPr marL="2743200" indent="0" algn="ctr" defTabSz="914400" rtl="0" eaLnBrk="1" latinLnBrk="1" hangingPunct="1">
+              <a:lnSpc>
+                <a:spcPct val="90000"/>
+              </a:lnSpc>
+              <a:spcBef>
+                <a:spcPts val="500"/>
+              </a:spcBef>
+              <a:buFont typeface="Arial" panose="020B0604020202020204" pitchFamily="34" charset="0"/>
+              <a:buNone/>
+              <a:defRPr sz="1600" kern="1200">
+                <a:solidFill>
+                  <a:schemeClr val="tx1"/>
+                </a:solidFill>
+                <a:latin typeface="+mn-lt"/>
+                <a:ea typeface="+mn-ea"/>
+                <a:cs typeface="+mn-cs"/>
+              </a:defRPr>
+            </a:lvl7pPr>
+            <a:lvl8pPr marL="3200400" indent="0" algn="ctr" defTabSz="914400" rtl="0" eaLnBrk="1" latinLnBrk="1" hangingPunct="1">
+              <a:lnSpc>
+                <a:spcPct val="90000"/>
+              </a:lnSpc>
+              <a:spcBef>
+                <a:spcPts val="500"/>
+              </a:spcBef>
+              <a:buFont typeface="Arial" panose="020B0604020202020204" pitchFamily="34" charset="0"/>
+              <a:buNone/>
+              <a:defRPr sz="1600" kern="1200">
+                <a:solidFill>
+                  <a:schemeClr val="tx1"/>
+                </a:solidFill>
+                <a:latin typeface="+mn-lt"/>
+                <a:ea typeface="+mn-ea"/>
+                <a:cs typeface="+mn-cs"/>
+              </a:defRPr>
+            </a:lvl8pPr>
+            <a:lvl9pPr marL="3657600" indent="0" algn="ctr" defTabSz="914400" rtl="0" eaLnBrk="1" latinLnBrk="1" hangingPunct="1">
+              <a:lnSpc>
+                <a:spcPct val="90000"/>
+              </a:lnSpc>
+              <a:spcBef>
+                <a:spcPts val="500"/>
+              </a:spcBef>
+              <a:buFont typeface="Arial" panose="020B0604020202020204" pitchFamily="34" charset="0"/>
+              <a:buNone/>
+              <a:defRPr sz="1600" kern="1200">
+                <a:solidFill>
+                  <a:schemeClr val="tx1"/>
+                </a:solidFill>
+                <a:latin typeface="+mn-lt"/>
+                <a:ea typeface="+mn-ea"/>
+                <a:cs typeface="+mn-cs"/>
+              </a:defRPr>
+            </a:lvl9pPr>
+          </a:lstStyle>
+          <a:p>
+            <a:pPr marL="342900" indent="-342900" algn="l">
+              <a:buFont typeface="Arial" panose="020B0604020202020204" pitchFamily="34" charset="0"/>
+              <a:buChar char="•"/>
+            </a:pPr>
+            <a:r>
+              <a:rPr lang="en-US" altLang="ko-KR" sz="2000" dirty="0" err="1" smtClean="0"/>
+              <a:t>id_check</a:t>
+            </a:r>
+            <a:r>
+              <a:rPr lang="en-US" altLang="ko-KR" sz="2000" dirty="0" smtClean="0"/>
+              <a:t> method</a:t>
+            </a:r>
+            <a:r>
+              <a:rPr lang="ko-KR" altLang="en-US" sz="2000" dirty="0" smtClean="0"/>
+              <a:t>에서 </a:t>
+            </a:r>
+            <a:r>
+              <a:rPr lang="en-US" altLang="ko-KR" sz="2000" dirty="0" smtClean="0"/>
+              <a:t>ID</a:t>
+            </a:r>
+            <a:r>
+              <a:rPr lang="ko-KR" altLang="en-US" sz="2000" smtClean="0"/>
+              <a:t>를 조회하여 유효성검사</a:t>
+            </a:r>
+            <a:endParaRPr lang="ko-KR" altLang="en-US" sz="2000" dirty="0" smtClean="0"/>
+          </a:p>
+        </p:txBody>
+      </p:sp>
     </p:spTree>
     <p:extLst>
       <p:ext uri="{BB962C8B-B14F-4D97-AF65-F5344CB8AC3E}">
@@ -3878,7 +6208,7 @@
 </p:sld>
 </file>
 
-<file path=ppt/slides/slide5.xml><?xml version="1.0" encoding="utf-8"?>
+<file path=ppt/slides/slide6.xml><?xml version="1.0" encoding="utf-8"?>
 <p:sld xmlns:a="http://schemas.openxmlformats.org/drawingml/2006/main" xmlns:r="http://schemas.openxmlformats.org/officeDocument/2006/relationships" xmlns:p="http://schemas.openxmlformats.org/presentationml/2006/main">
   <p:cSld>
     <p:spTree>
@@ -3987,7 +6317,7 @@
 </p:sld>
 </file>
 
-<file path=ppt/slides/slide6.xml><?xml version="1.0" encoding="utf-8"?>
+<file path=ppt/slides/slide7.xml><?xml version="1.0" encoding="utf-8"?>
 <p:sld xmlns:a="http://schemas.openxmlformats.org/drawingml/2006/main" xmlns:r="http://schemas.openxmlformats.org/officeDocument/2006/relationships" xmlns:p="http://schemas.openxmlformats.org/presentationml/2006/main">
   <p:cSld>
     <p:spTree>
@@ -4096,7 +6426,7 @@
 </p:sld>
 </file>
 
-<file path=ppt/slides/slide7.xml><?xml version="1.0" encoding="utf-8"?>
+<file path=ppt/slides/slide8.xml><?xml version="1.0" encoding="utf-8"?>
 <p:sld xmlns:a="http://schemas.openxmlformats.org/drawingml/2006/main" xmlns:r="http://schemas.openxmlformats.org/officeDocument/2006/relationships" xmlns:p="http://schemas.openxmlformats.org/presentationml/2006/main">
   <p:cSld>
     <p:spTree>

--- a/spMVC_200_Team/프레젠테이션1(김성훈).pptx
+++ b/spMVC_200_Team/프레젠테이션1(김성훈).pptx
@@ -8,14 +8,14 @@
     <p:notesMasterId r:id="rId10"/>
   </p:notesMasterIdLst>
   <p:sldIdLst>
-    <p:sldId id="256" r:id="rId2"/>
-    <p:sldId id="260" r:id="rId3"/>
-    <p:sldId id="264" r:id="rId4"/>
-    <p:sldId id="261" r:id="rId5"/>
-    <p:sldId id="257" r:id="rId6"/>
-    <p:sldId id="262" r:id="rId7"/>
-    <p:sldId id="258" r:id="rId8"/>
-    <p:sldId id="263" r:id="rId9"/>
+    <p:sldId id="263" r:id="rId2"/>
+    <p:sldId id="256" r:id="rId3"/>
+    <p:sldId id="260" r:id="rId4"/>
+    <p:sldId id="264" r:id="rId5"/>
+    <p:sldId id="261" r:id="rId6"/>
+    <p:sldId id="257" r:id="rId7"/>
+    <p:sldId id="262" r:id="rId8"/>
+    <p:sldId id="258" r:id="rId9"/>
   </p:sldIdLst>
   <p:sldSz cx="12192000" cy="6858000"/>
   <p:notesSz cx="6858000" cy="9144000"/>
@@ -282,38 +282,37 @@
           <a:p>
             <a:pPr lvl="0"/>
             <a:r>
-              <a:rPr lang="ko-KR" altLang="en-US" smtClean="0"/>
+              <a:rPr lang="ko-KR" altLang="en-US"/>
               <a:t>마스터 텍스트 스타일을 편집합니다</a:t>
             </a:r>
           </a:p>
           <a:p>
             <a:pPr lvl="1"/>
             <a:r>
-              <a:rPr lang="ko-KR" altLang="en-US" smtClean="0"/>
+              <a:rPr lang="ko-KR" altLang="en-US"/>
               <a:t>둘째 수준</a:t>
             </a:r>
           </a:p>
           <a:p>
             <a:pPr lvl="2"/>
             <a:r>
-              <a:rPr lang="ko-KR" altLang="en-US" smtClean="0"/>
+              <a:rPr lang="ko-KR" altLang="en-US"/>
               <a:t>셋째 수준</a:t>
             </a:r>
           </a:p>
           <a:p>
             <a:pPr lvl="3"/>
             <a:r>
-              <a:rPr lang="ko-KR" altLang="en-US" smtClean="0"/>
+              <a:rPr lang="ko-KR" altLang="en-US"/>
               <a:t>넷째 수준</a:t>
             </a:r>
           </a:p>
           <a:p>
             <a:pPr lvl="4"/>
             <a:r>
-              <a:rPr lang="ko-KR" altLang="en-US" smtClean="0"/>
+              <a:rPr lang="ko-KR" altLang="en-US"/>
               <a:t>다섯째 수준</a:t>
             </a:r>
-            <a:endParaRPr lang="ko-KR" altLang="en-US"/>
           </a:p>
         </p:txBody>
       </p:sp>
@@ -528,10 +527,9 @@
           </a:lstStyle>
           <a:p>
             <a:r>
-              <a:rPr lang="ko-KR" altLang="en-US" smtClean="0"/>
+              <a:rPr lang="ko-KR" altLang="en-US"/>
               <a:t>마스터 제목 스타일 편집</a:t>
             </a:r>
-            <a:endParaRPr lang="ko-KR" altLang="en-US"/>
           </a:p>
         </p:txBody>
       </p:sp>
@@ -593,10 +591,9 @@
           </a:lstStyle>
           <a:p>
             <a:r>
-              <a:rPr lang="ko-KR" altLang="en-US" smtClean="0"/>
+              <a:rPr lang="ko-KR" altLang="en-US"/>
               <a:t>마스터 부제목 스타일 편집</a:t>
             </a:r>
-            <a:endParaRPr lang="ko-KR" altLang="en-US"/>
           </a:p>
         </p:txBody>
       </p:sp>
@@ -675,13 +672,6 @@
   <p:clrMapOvr>
     <a:masterClrMapping/>
   </p:clrMapOvr>
-  <p:timing>
-    <p:tnLst>
-      <p:par>
-        <p:cTn id="1" dur="indefinite" restart="never" nodeType="tmRoot"/>
-      </p:par>
-    </p:tnLst>
-  </p:timing>
 </p:sldLayout>
 </file>
 
@@ -718,10 +708,9 @@
           <a:lstStyle/>
           <a:p>
             <a:r>
-              <a:rPr lang="ko-KR" altLang="en-US" smtClean="0"/>
+              <a:rPr lang="ko-KR" altLang="en-US"/>
               <a:t>마스터 제목 스타일 편집</a:t>
             </a:r>
-            <a:endParaRPr lang="ko-KR" altLang="en-US"/>
           </a:p>
         </p:txBody>
       </p:sp>
@@ -742,38 +731,37 @@
           <a:p>
             <a:pPr lvl="0"/>
             <a:r>
-              <a:rPr lang="ko-KR" altLang="en-US" smtClean="0"/>
+              <a:rPr lang="ko-KR" altLang="en-US"/>
               <a:t>마스터 텍스트 스타일을 편집합니다</a:t>
             </a:r>
           </a:p>
           <a:p>
             <a:pPr lvl="1"/>
             <a:r>
-              <a:rPr lang="ko-KR" altLang="en-US" smtClean="0"/>
+              <a:rPr lang="ko-KR" altLang="en-US"/>
               <a:t>둘째 수준</a:t>
             </a:r>
           </a:p>
           <a:p>
             <a:pPr lvl="2"/>
             <a:r>
-              <a:rPr lang="ko-KR" altLang="en-US" smtClean="0"/>
+              <a:rPr lang="ko-KR" altLang="en-US"/>
               <a:t>셋째 수준</a:t>
             </a:r>
           </a:p>
           <a:p>
             <a:pPr lvl="3"/>
             <a:r>
-              <a:rPr lang="ko-KR" altLang="en-US" smtClean="0"/>
+              <a:rPr lang="ko-KR" altLang="en-US"/>
               <a:t>넷째 수준</a:t>
             </a:r>
           </a:p>
           <a:p>
             <a:pPr lvl="4"/>
             <a:r>
-              <a:rPr lang="ko-KR" altLang="en-US" smtClean="0"/>
+              <a:rPr lang="ko-KR" altLang="en-US"/>
               <a:t>다섯째 수준</a:t>
             </a:r>
-            <a:endParaRPr lang="ko-KR" altLang="en-US"/>
           </a:p>
         </p:txBody>
       </p:sp>
@@ -893,10 +881,9 @@
           <a:lstStyle/>
           <a:p>
             <a:r>
-              <a:rPr lang="ko-KR" altLang="en-US" smtClean="0"/>
+              <a:rPr lang="ko-KR" altLang="en-US"/>
               <a:t>마스터 제목 스타일 편집</a:t>
             </a:r>
-            <a:endParaRPr lang="ko-KR" altLang="en-US"/>
           </a:p>
         </p:txBody>
       </p:sp>
@@ -922,38 +909,37 @@
           <a:p>
             <a:pPr lvl="0"/>
             <a:r>
-              <a:rPr lang="ko-KR" altLang="en-US" smtClean="0"/>
+              <a:rPr lang="ko-KR" altLang="en-US"/>
               <a:t>마스터 텍스트 스타일을 편집합니다</a:t>
             </a:r>
           </a:p>
           <a:p>
             <a:pPr lvl="1"/>
             <a:r>
-              <a:rPr lang="ko-KR" altLang="en-US" smtClean="0"/>
+              <a:rPr lang="ko-KR" altLang="en-US"/>
               <a:t>둘째 수준</a:t>
             </a:r>
           </a:p>
           <a:p>
             <a:pPr lvl="2"/>
             <a:r>
-              <a:rPr lang="ko-KR" altLang="en-US" smtClean="0"/>
+              <a:rPr lang="ko-KR" altLang="en-US"/>
               <a:t>셋째 수준</a:t>
             </a:r>
           </a:p>
           <a:p>
             <a:pPr lvl="3"/>
             <a:r>
-              <a:rPr lang="ko-KR" altLang="en-US" smtClean="0"/>
+              <a:rPr lang="ko-KR" altLang="en-US"/>
               <a:t>넷째 수준</a:t>
             </a:r>
           </a:p>
           <a:p>
             <a:pPr lvl="4"/>
             <a:r>
-              <a:rPr lang="ko-KR" altLang="en-US" smtClean="0"/>
+              <a:rPr lang="ko-KR" altLang="en-US"/>
               <a:t>다섯째 수준</a:t>
             </a:r>
-            <a:endParaRPr lang="ko-KR" altLang="en-US"/>
           </a:p>
         </p:txBody>
       </p:sp>
@@ -1068,10 +1054,9 @@
           <a:lstStyle/>
           <a:p>
             <a:r>
-              <a:rPr lang="ko-KR" altLang="en-US" smtClean="0"/>
+              <a:rPr lang="ko-KR" altLang="en-US"/>
               <a:t>마스터 제목 스타일 편집</a:t>
             </a:r>
-            <a:endParaRPr lang="ko-KR" altLang="en-US"/>
           </a:p>
         </p:txBody>
       </p:sp>
@@ -1092,38 +1077,37 @@
           <a:p>
             <a:pPr lvl="0"/>
             <a:r>
-              <a:rPr lang="ko-KR" altLang="en-US" smtClean="0"/>
+              <a:rPr lang="ko-KR" altLang="en-US"/>
               <a:t>마스터 텍스트 스타일을 편집합니다</a:t>
             </a:r>
           </a:p>
           <a:p>
             <a:pPr lvl="1"/>
             <a:r>
-              <a:rPr lang="ko-KR" altLang="en-US" smtClean="0"/>
+              <a:rPr lang="ko-KR" altLang="en-US"/>
               <a:t>둘째 수준</a:t>
             </a:r>
           </a:p>
           <a:p>
             <a:pPr lvl="2"/>
             <a:r>
-              <a:rPr lang="ko-KR" altLang="en-US" smtClean="0"/>
+              <a:rPr lang="ko-KR" altLang="en-US"/>
               <a:t>셋째 수준</a:t>
             </a:r>
           </a:p>
           <a:p>
             <a:pPr lvl="3"/>
             <a:r>
-              <a:rPr lang="ko-KR" altLang="en-US" smtClean="0"/>
+              <a:rPr lang="ko-KR" altLang="en-US"/>
               <a:t>넷째 수준</a:t>
             </a:r>
           </a:p>
           <a:p>
             <a:pPr lvl="4"/>
             <a:r>
-              <a:rPr lang="ko-KR" altLang="en-US" smtClean="0"/>
+              <a:rPr lang="ko-KR" altLang="en-US"/>
               <a:t>다섯째 수준</a:t>
             </a:r>
-            <a:endParaRPr lang="ko-KR" altLang="en-US"/>
           </a:p>
         </p:txBody>
       </p:sp>
@@ -1202,13 +1186,6 @@
   <p:clrMapOvr>
     <a:masterClrMapping/>
   </p:clrMapOvr>
-  <p:timing>
-    <p:tnLst>
-      <p:par>
-        <p:cTn id="1" dur="indefinite" restart="never" nodeType="tmRoot"/>
-      </p:par>
-    </p:tnLst>
-  </p:timing>
 </p:sldLayout>
 </file>
 
@@ -1254,10 +1231,9 @@
           </a:lstStyle>
           <a:p>
             <a:r>
-              <a:rPr lang="ko-KR" altLang="en-US" smtClean="0"/>
+              <a:rPr lang="ko-KR" altLang="en-US"/>
               <a:t>마스터 제목 스타일 편집</a:t>
             </a:r>
-            <a:endParaRPr lang="ko-KR" altLang="en-US"/>
           </a:p>
         </p:txBody>
       </p:sp>
@@ -1374,7 +1350,7 @@
           <a:p>
             <a:pPr lvl="0"/>
             <a:r>
-              <a:rPr lang="ko-KR" altLang="en-US" smtClean="0"/>
+              <a:rPr lang="ko-KR" altLang="en-US"/>
               <a:t>마스터 텍스트 스타일을 편집합니다</a:t>
             </a:r>
           </a:p>
@@ -1455,13 +1431,6 @@
   <p:clrMapOvr>
     <a:masterClrMapping/>
   </p:clrMapOvr>
-  <p:timing>
-    <p:tnLst>
-      <p:par>
-        <p:cTn id="1" dur="indefinite" restart="never" nodeType="tmRoot"/>
-      </p:par>
-    </p:tnLst>
-  </p:timing>
 </p:sldLayout>
 </file>
 
@@ -1498,10 +1467,9 @@
           <a:lstStyle/>
           <a:p>
             <a:r>
-              <a:rPr lang="ko-KR" altLang="en-US" smtClean="0"/>
+              <a:rPr lang="ko-KR" altLang="en-US"/>
               <a:t>마스터 제목 스타일 편집</a:t>
             </a:r>
-            <a:endParaRPr lang="ko-KR" altLang="en-US"/>
           </a:p>
         </p:txBody>
       </p:sp>
@@ -1527,38 +1495,37 @@
           <a:p>
             <a:pPr lvl="0"/>
             <a:r>
-              <a:rPr lang="ko-KR" altLang="en-US" smtClean="0"/>
+              <a:rPr lang="ko-KR" altLang="en-US"/>
               <a:t>마스터 텍스트 스타일을 편집합니다</a:t>
             </a:r>
           </a:p>
           <a:p>
             <a:pPr lvl="1"/>
             <a:r>
-              <a:rPr lang="ko-KR" altLang="en-US" smtClean="0"/>
+              <a:rPr lang="ko-KR" altLang="en-US"/>
               <a:t>둘째 수준</a:t>
             </a:r>
           </a:p>
           <a:p>
             <a:pPr lvl="2"/>
             <a:r>
-              <a:rPr lang="ko-KR" altLang="en-US" smtClean="0"/>
+              <a:rPr lang="ko-KR" altLang="en-US"/>
               <a:t>셋째 수준</a:t>
             </a:r>
           </a:p>
           <a:p>
             <a:pPr lvl="3"/>
             <a:r>
-              <a:rPr lang="ko-KR" altLang="en-US" smtClean="0"/>
+              <a:rPr lang="ko-KR" altLang="en-US"/>
               <a:t>넷째 수준</a:t>
             </a:r>
           </a:p>
           <a:p>
             <a:pPr lvl="4"/>
             <a:r>
-              <a:rPr lang="ko-KR" altLang="en-US" smtClean="0"/>
+              <a:rPr lang="ko-KR" altLang="en-US"/>
               <a:t>다섯째 수준</a:t>
             </a:r>
-            <a:endParaRPr lang="ko-KR" altLang="en-US"/>
           </a:p>
         </p:txBody>
       </p:sp>
@@ -1584,38 +1551,37 @@
           <a:p>
             <a:pPr lvl="0"/>
             <a:r>
-              <a:rPr lang="ko-KR" altLang="en-US" smtClean="0"/>
+              <a:rPr lang="ko-KR" altLang="en-US"/>
               <a:t>마스터 텍스트 스타일을 편집합니다</a:t>
             </a:r>
           </a:p>
           <a:p>
             <a:pPr lvl="1"/>
             <a:r>
-              <a:rPr lang="ko-KR" altLang="en-US" smtClean="0"/>
+              <a:rPr lang="ko-KR" altLang="en-US"/>
               <a:t>둘째 수준</a:t>
             </a:r>
           </a:p>
           <a:p>
             <a:pPr lvl="2"/>
             <a:r>
-              <a:rPr lang="ko-KR" altLang="en-US" smtClean="0"/>
+              <a:rPr lang="ko-KR" altLang="en-US"/>
               <a:t>셋째 수준</a:t>
             </a:r>
           </a:p>
           <a:p>
             <a:pPr lvl="3"/>
             <a:r>
-              <a:rPr lang="ko-KR" altLang="en-US" smtClean="0"/>
+              <a:rPr lang="ko-KR" altLang="en-US"/>
               <a:t>넷째 수준</a:t>
             </a:r>
           </a:p>
           <a:p>
             <a:pPr lvl="4"/>
             <a:r>
-              <a:rPr lang="ko-KR" altLang="en-US" smtClean="0"/>
+              <a:rPr lang="ko-KR" altLang="en-US"/>
               <a:t>다섯째 수준</a:t>
             </a:r>
-            <a:endParaRPr lang="ko-KR" altLang="en-US"/>
           </a:p>
         </p:txBody>
       </p:sp>
@@ -1735,10 +1701,9 @@
           <a:lstStyle/>
           <a:p>
             <a:r>
-              <a:rPr lang="ko-KR" altLang="en-US" smtClean="0"/>
+              <a:rPr lang="ko-KR" altLang="en-US"/>
               <a:t>마스터 제목 스타일 편집</a:t>
             </a:r>
-            <a:endParaRPr lang="ko-KR" altLang="en-US"/>
           </a:p>
         </p:txBody>
       </p:sp>
@@ -1801,7 +1766,7 @@
           <a:p>
             <a:pPr lvl="0"/>
             <a:r>
-              <a:rPr lang="ko-KR" altLang="en-US" smtClean="0"/>
+              <a:rPr lang="ko-KR" altLang="en-US"/>
               <a:t>마스터 텍스트 스타일을 편집합니다</a:t>
             </a:r>
           </a:p>
@@ -1829,38 +1794,37 @@
           <a:p>
             <a:pPr lvl="0"/>
             <a:r>
-              <a:rPr lang="ko-KR" altLang="en-US" smtClean="0"/>
+              <a:rPr lang="ko-KR" altLang="en-US"/>
               <a:t>마스터 텍스트 스타일을 편집합니다</a:t>
             </a:r>
           </a:p>
           <a:p>
             <a:pPr lvl="1"/>
             <a:r>
-              <a:rPr lang="ko-KR" altLang="en-US" smtClean="0"/>
+              <a:rPr lang="ko-KR" altLang="en-US"/>
               <a:t>둘째 수준</a:t>
             </a:r>
           </a:p>
           <a:p>
             <a:pPr lvl="2"/>
             <a:r>
-              <a:rPr lang="ko-KR" altLang="en-US" smtClean="0"/>
+              <a:rPr lang="ko-KR" altLang="en-US"/>
               <a:t>셋째 수준</a:t>
             </a:r>
           </a:p>
           <a:p>
             <a:pPr lvl="3"/>
             <a:r>
-              <a:rPr lang="ko-KR" altLang="en-US" smtClean="0"/>
+              <a:rPr lang="ko-KR" altLang="en-US"/>
               <a:t>넷째 수준</a:t>
             </a:r>
           </a:p>
           <a:p>
             <a:pPr lvl="4"/>
             <a:r>
-              <a:rPr lang="ko-KR" altLang="en-US" smtClean="0"/>
+              <a:rPr lang="ko-KR" altLang="en-US"/>
               <a:t>다섯째 수준</a:t>
             </a:r>
-            <a:endParaRPr lang="ko-KR" altLang="en-US"/>
           </a:p>
         </p:txBody>
       </p:sp>
@@ -1923,7 +1887,7 @@
           <a:p>
             <a:pPr lvl="0"/>
             <a:r>
-              <a:rPr lang="ko-KR" altLang="en-US" smtClean="0"/>
+              <a:rPr lang="ko-KR" altLang="en-US"/>
               <a:t>마스터 텍스트 스타일을 편집합니다</a:t>
             </a:r>
           </a:p>
@@ -1951,38 +1915,37 @@
           <a:p>
             <a:pPr lvl="0"/>
             <a:r>
-              <a:rPr lang="ko-KR" altLang="en-US" smtClean="0"/>
+              <a:rPr lang="ko-KR" altLang="en-US"/>
               <a:t>마스터 텍스트 스타일을 편집합니다</a:t>
             </a:r>
           </a:p>
           <a:p>
             <a:pPr lvl="1"/>
             <a:r>
-              <a:rPr lang="ko-KR" altLang="en-US" smtClean="0"/>
+              <a:rPr lang="ko-KR" altLang="en-US"/>
               <a:t>둘째 수준</a:t>
             </a:r>
           </a:p>
           <a:p>
             <a:pPr lvl="2"/>
             <a:r>
-              <a:rPr lang="ko-KR" altLang="en-US" smtClean="0"/>
+              <a:rPr lang="ko-KR" altLang="en-US"/>
               <a:t>셋째 수준</a:t>
             </a:r>
           </a:p>
           <a:p>
             <a:pPr lvl="3"/>
             <a:r>
-              <a:rPr lang="ko-KR" altLang="en-US" smtClean="0"/>
+              <a:rPr lang="ko-KR" altLang="en-US"/>
               <a:t>넷째 수준</a:t>
             </a:r>
           </a:p>
           <a:p>
             <a:pPr lvl="4"/>
             <a:r>
-              <a:rPr lang="ko-KR" altLang="en-US" smtClean="0"/>
+              <a:rPr lang="ko-KR" altLang="en-US"/>
               <a:t>다섯째 수준</a:t>
             </a:r>
-            <a:endParaRPr lang="ko-KR" altLang="en-US"/>
           </a:p>
         </p:txBody>
       </p:sp>
@@ -2097,10 +2060,9 @@
           <a:lstStyle/>
           <a:p>
             <a:r>
-              <a:rPr lang="ko-KR" altLang="en-US" smtClean="0"/>
+              <a:rPr lang="ko-KR" altLang="en-US"/>
               <a:t>마스터 제목 스타일 편집</a:t>
             </a:r>
-            <a:endParaRPr lang="ko-KR" altLang="en-US"/>
           </a:p>
         </p:txBody>
       </p:sp>
@@ -2319,10 +2281,9 @@
           </a:lstStyle>
           <a:p>
             <a:r>
-              <a:rPr lang="ko-KR" altLang="en-US" smtClean="0"/>
+              <a:rPr lang="ko-KR" altLang="en-US"/>
               <a:t>마스터 제목 스타일 편집</a:t>
             </a:r>
-            <a:endParaRPr lang="ko-KR" altLang="en-US"/>
           </a:p>
         </p:txBody>
       </p:sp>
@@ -2376,38 +2337,37 @@
           <a:p>
             <a:pPr lvl="0"/>
             <a:r>
-              <a:rPr lang="ko-KR" altLang="en-US" smtClean="0"/>
+              <a:rPr lang="ko-KR" altLang="en-US"/>
               <a:t>마스터 텍스트 스타일을 편집합니다</a:t>
             </a:r>
           </a:p>
           <a:p>
             <a:pPr lvl="1"/>
             <a:r>
-              <a:rPr lang="ko-KR" altLang="en-US" smtClean="0"/>
+              <a:rPr lang="ko-KR" altLang="en-US"/>
               <a:t>둘째 수준</a:t>
             </a:r>
           </a:p>
           <a:p>
             <a:pPr lvl="2"/>
             <a:r>
-              <a:rPr lang="ko-KR" altLang="en-US" smtClean="0"/>
+              <a:rPr lang="ko-KR" altLang="en-US"/>
               <a:t>셋째 수준</a:t>
             </a:r>
           </a:p>
           <a:p>
             <a:pPr lvl="3"/>
             <a:r>
-              <a:rPr lang="ko-KR" altLang="en-US" smtClean="0"/>
+              <a:rPr lang="ko-KR" altLang="en-US"/>
               <a:t>넷째 수준</a:t>
             </a:r>
           </a:p>
           <a:p>
             <a:pPr lvl="4"/>
             <a:r>
-              <a:rPr lang="ko-KR" altLang="en-US" smtClean="0"/>
+              <a:rPr lang="ko-KR" altLang="en-US"/>
               <a:t>다섯째 수준</a:t>
             </a:r>
-            <a:endParaRPr lang="ko-KR" altLang="en-US"/>
           </a:p>
         </p:txBody>
       </p:sp>
@@ -2470,7 +2430,7 @@
           <a:p>
             <a:pPr lvl="0"/>
             <a:r>
-              <a:rPr lang="ko-KR" altLang="en-US" smtClean="0"/>
+              <a:rPr lang="ko-KR" altLang="en-US"/>
               <a:t>마스터 텍스트 스타일을 편집합니다</a:t>
             </a:r>
           </a:p>
@@ -2596,10 +2556,9 @@
           </a:lstStyle>
           <a:p>
             <a:r>
-              <a:rPr lang="ko-KR" altLang="en-US" smtClean="0"/>
+              <a:rPr lang="ko-KR" altLang="en-US"/>
               <a:t>마스터 제목 스타일 편집</a:t>
             </a:r>
-            <a:endParaRPr lang="ko-KR" altLang="en-US"/>
           </a:p>
         </p:txBody>
       </p:sp>
@@ -2723,7 +2682,7 @@
           <a:p>
             <a:pPr lvl="0"/>
             <a:r>
-              <a:rPr lang="ko-KR" altLang="en-US" smtClean="0"/>
+              <a:rPr lang="ko-KR" altLang="en-US"/>
               <a:t>마스터 텍스트 스타일을 편집합니다</a:t>
             </a:r>
           </a:p>
@@ -2855,10 +2814,9 @@
           <a:lstStyle/>
           <a:p>
             <a:r>
-              <a:rPr lang="ko-KR" altLang="en-US" smtClean="0"/>
+              <a:rPr lang="ko-KR" altLang="en-US"/>
               <a:t>마스터 제목 스타일 편집</a:t>
             </a:r>
-            <a:endParaRPr lang="ko-KR" altLang="en-US"/>
           </a:p>
         </p:txBody>
       </p:sp>
@@ -2889,38 +2847,37 @@
           <a:p>
             <a:pPr lvl="0"/>
             <a:r>
-              <a:rPr lang="ko-KR" altLang="en-US" smtClean="0"/>
+              <a:rPr lang="ko-KR" altLang="en-US"/>
               <a:t>마스터 텍스트 스타일을 편집합니다</a:t>
             </a:r>
           </a:p>
           <a:p>
             <a:pPr lvl="1"/>
             <a:r>
-              <a:rPr lang="ko-KR" altLang="en-US" smtClean="0"/>
+              <a:rPr lang="ko-KR" altLang="en-US"/>
               <a:t>둘째 수준</a:t>
             </a:r>
           </a:p>
           <a:p>
             <a:pPr lvl="2"/>
             <a:r>
-              <a:rPr lang="ko-KR" altLang="en-US" smtClean="0"/>
+              <a:rPr lang="ko-KR" altLang="en-US"/>
               <a:t>셋째 수준</a:t>
             </a:r>
           </a:p>
           <a:p>
             <a:pPr lvl="3"/>
             <a:r>
-              <a:rPr lang="ko-KR" altLang="en-US" smtClean="0"/>
+              <a:rPr lang="ko-KR" altLang="en-US"/>
               <a:t>넷째 수준</a:t>
             </a:r>
           </a:p>
           <a:p>
             <a:pPr lvl="4"/>
             <a:r>
-              <a:rPr lang="ko-KR" altLang="en-US" smtClean="0"/>
+              <a:rPr lang="ko-KR" altLang="en-US"/>
               <a:t>다섯째 수준</a:t>
             </a:r>
-            <a:endParaRPr lang="ko-KR" altLang="en-US"/>
           </a:p>
         </p:txBody>
       </p:sp>
@@ -3366,6 +3323,364 @@
       </p:grpSpPr>
       <p:pic>
         <p:nvPicPr>
+          <p:cNvPr id="2" name="그림 1"/>
+          <p:cNvPicPr>
+            <a:picLocks noChangeAspect="1"/>
+          </p:cNvPicPr>
+          <p:nvPr/>
+        </p:nvPicPr>
+        <p:blipFill>
+          <a:blip r:embed="rId2"/>
+          <a:stretch>
+            <a:fillRect/>
+          </a:stretch>
+        </p:blipFill>
+        <p:spPr>
+          <a:xfrm>
+            <a:off x="5383325" y="1658102"/>
+            <a:ext cx="6485466" cy="2314898"/>
+          </a:xfrm>
+          <a:prstGeom prst="rect">
+            <a:avLst/>
+          </a:prstGeom>
+        </p:spPr>
+      </p:pic>
+      <p:pic>
+        <p:nvPicPr>
+          <p:cNvPr id="3" name="그림 2"/>
+          <p:cNvPicPr>
+            <a:picLocks noChangeAspect="1"/>
+          </p:cNvPicPr>
+          <p:nvPr/>
+        </p:nvPicPr>
+        <p:blipFill>
+          <a:blip r:embed="rId3"/>
+          <a:stretch>
+            <a:fillRect/>
+          </a:stretch>
+        </p:blipFill>
+        <p:spPr>
+          <a:xfrm>
+            <a:off x="5383325" y="4231340"/>
+            <a:ext cx="6485466" cy="2191056"/>
+          </a:xfrm>
+          <a:prstGeom prst="rect">
+            <a:avLst/>
+          </a:prstGeom>
+        </p:spPr>
+      </p:pic>
+      <p:sp>
+        <p:nvSpPr>
+          <p:cNvPr id="5" name="내용 개체 틀 3">
+            <a:extLst>
+              <a:ext uri="{FF2B5EF4-FFF2-40B4-BE49-F238E27FC236}">
+                <a16:creationId xmlns:a16="http://schemas.microsoft.com/office/drawing/2014/main" id="{EAFB82A8-1A25-4816-BCD5-21D69C265F6F}"/>
+              </a:ext>
+            </a:extLst>
+          </p:cNvPr>
+          <p:cNvSpPr txBox="1">
+            <a:spLocks/>
+          </p:cNvSpPr>
+          <p:nvPr/>
+        </p:nvSpPr>
+        <p:spPr>
+          <a:xfrm>
+            <a:off x="5383325" y="578217"/>
+            <a:ext cx="6464187" cy="821545"/>
+          </a:xfrm>
+          <a:prstGeom prst="rect">
+            <a:avLst/>
+          </a:prstGeom>
+        </p:spPr>
+        <p:txBody>
+          <a:bodyPr vert="horz" lIns="91440" tIns="45720" rIns="91440" bIns="45720" rtlCol="0">
+            <a:normAutofit fontScale="92500"/>
+          </a:bodyPr>
+          <a:lstStyle>
+            <a:lvl1pPr marL="0" indent="0" algn="ctr" defTabSz="914400" rtl="0" eaLnBrk="1" latinLnBrk="1" hangingPunct="1">
+              <a:lnSpc>
+                <a:spcPct val="90000"/>
+              </a:lnSpc>
+              <a:spcBef>
+                <a:spcPts val="1000"/>
+              </a:spcBef>
+              <a:buFont typeface="Arial" panose="020B0604020202020204" pitchFamily="34" charset="0"/>
+              <a:buNone/>
+              <a:defRPr sz="2400" kern="1200">
+                <a:solidFill>
+                  <a:schemeClr val="tx1"/>
+                </a:solidFill>
+                <a:latin typeface="+mn-lt"/>
+                <a:ea typeface="+mn-ea"/>
+                <a:cs typeface="+mn-cs"/>
+              </a:defRPr>
+            </a:lvl1pPr>
+            <a:lvl2pPr marL="457200" indent="0" algn="ctr" defTabSz="914400" rtl="0" eaLnBrk="1" latinLnBrk="1" hangingPunct="1">
+              <a:lnSpc>
+                <a:spcPct val="90000"/>
+              </a:lnSpc>
+              <a:spcBef>
+                <a:spcPts val="500"/>
+              </a:spcBef>
+              <a:buFont typeface="Arial" panose="020B0604020202020204" pitchFamily="34" charset="0"/>
+              <a:buNone/>
+              <a:defRPr sz="2000" kern="1200">
+                <a:solidFill>
+                  <a:schemeClr val="tx1"/>
+                </a:solidFill>
+                <a:latin typeface="+mn-lt"/>
+                <a:ea typeface="+mn-ea"/>
+                <a:cs typeface="+mn-cs"/>
+              </a:defRPr>
+            </a:lvl2pPr>
+            <a:lvl3pPr marL="914400" indent="0" algn="ctr" defTabSz="914400" rtl="0" eaLnBrk="1" latinLnBrk="1" hangingPunct="1">
+              <a:lnSpc>
+                <a:spcPct val="90000"/>
+              </a:lnSpc>
+              <a:spcBef>
+                <a:spcPts val="500"/>
+              </a:spcBef>
+              <a:buFont typeface="Arial" panose="020B0604020202020204" pitchFamily="34" charset="0"/>
+              <a:buNone/>
+              <a:defRPr sz="1800" kern="1200">
+                <a:solidFill>
+                  <a:schemeClr val="tx1"/>
+                </a:solidFill>
+                <a:latin typeface="+mn-lt"/>
+                <a:ea typeface="+mn-ea"/>
+                <a:cs typeface="+mn-cs"/>
+              </a:defRPr>
+            </a:lvl3pPr>
+            <a:lvl4pPr marL="1371600" indent="0" algn="ctr" defTabSz="914400" rtl="0" eaLnBrk="1" latinLnBrk="1" hangingPunct="1">
+              <a:lnSpc>
+                <a:spcPct val="90000"/>
+              </a:lnSpc>
+              <a:spcBef>
+                <a:spcPts val="500"/>
+              </a:spcBef>
+              <a:buFont typeface="Arial" panose="020B0604020202020204" pitchFamily="34" charset="0"/>
+              <a:buNone/>
+              <a:defRPr sz="1600" kern="1200">
+                <a:solidFill>
+                  <a:schemeClr val="tx1"/>
+                </a:solidFill>
+                <a:latin typeface="+mn-lt"/>
+                <a:ea typeface="+mn-ea"/>
+                <a:cs typeface="+mn-cs"/>
+              </a:defRPr>
+            </a:lvl4pPr>
+            <a:lvl5pPr marL="1828800" indent="0" algn="ctr" defTabSz="914400" rtl="0" eaLnBrk="1" latinLnBrk="1" hangingPunct="1">
+              <a:lnSpc>
+                <a:spcPct val="90000"/>
+              </a:lnSpc>
+              <a:spcBef>
+                <a:spcPts val="500"/>
+              </a:spcBef>
+              <a:buFont typeface="Arial" panose="020B0604020202020204" pitchFamily="34" charset="0"/>
+              <a:buNone/>
+              <a:defRPr sz="1600" kern="1200">
+                <a:solidFill>
+                  <a:schemeClr val="tx1"/>
+                </a:solidFill>
+                <a:latin typeface="+mn-lt"/>
+                <a:ea typeface="+mn-ea"/>
+                <a:cs typeface="+mn-cs"/>
+              </a:defRPr>
+            </a:lvl5pPr>
+            <a:lvl6pPr marL="2286000" indent="0" algn="ctr" defTabSz="914400" rtl="0" eaLnBrk="1" latinLnBrk="1" hangingPunct="1">
+              <a:lnSpc>
+                <a:spcPct val="90000"/>
+              </a:lnSpc>
+              <a:spcBef>
+                <a:spcPts val="500"/>
+              </a:spcBef>
+              <a:buFont typeface="Arial" panose="020B0604020202020204" pitchFamily="34" charset="0"/>
+              <a:buNone/>
+              <a:defRPr sz="1600" kern="1200">
+                <a:solidFill>
+                  <a:schemeClr val="tx1"/>
+                </a:solidFill>
+                <a:latin typeface="+mn-lt"/>
+                <a:ea typeface="+mn-ea"/>
+                <a:cs typeface="+mn-cs"/>
+              </a:defRPr>
+            </a:lvl6pPr>
+            <a:lvl7pPr marL="2743200" indent="0" algn="ctr" defTabSz="914400" rtl="0" eaLnBrk="1" latinLnBrk="1" hangingPunct="1">
+              <a:lnSpc>
+                <a:spcPct val="90000"/>
+              </a:lnSpc>
+              <a:spcBef>
+                <a:spcPts val="500"/>
+              </a:spcBef>
+              <a:buFont typeface="Arial" panose="020B0604020202020204" pitchFamily="34" charset="0"/>
+              <a:buNone/>
+              <a:defRPr sz="1600" kern="1200">
+                <a:solidFill>
+                  <a:schemeClr val="tx1"/>
+                </a:solidFill>
+                <a:latin typeface="+mn-lt"/>
+                <a:ea typeface="+mn-ea"/>
+                <a:cs typeface="+mn-cs"/>
+              </a:defRPr>
+            </a:lvl7pPr>
+            <a:lvl8pPr marL="3200400" indent="0" algn="ctr" defTabSz="914400" rtl="0" eaLnBrk="1" latinLnBrk="1" hangingPunct="1">
+              <a:lnSpc>
+                <a:spcPct val="90000"/>
+              </a:lnSpc>
+              <a:spcBef>
+                <a:spcPts val="500"/>
+              </a:spcBef>
+              <a:buFont typeface="Arial" panose="020B0604020202020204" pitchFamily="34" charset="0"/>
+              <a:buNone/>
+              <a:defRPr sz="1600" kern="1200">
+                <a:solidFill>
+                  <a:schemeClr val="tx1"/>
+                </a:solidFill>
+                <a:latin typeface="+mn-lt"/>
+                <a:ea typeface="+mn-ea"/>
+                <a:cs typeface="+mn-cs"/>
+              </a:defRPr>
+            </a:lvl8pPr>
+            <a:lvl9pPr marL="3657600" indent="0" algn="ctr" defTabSz="914400" rtl="0" eaLnBrk="1" latinLnBrk="1" hangingPunct="1">
+              <a:lnSpc>
+                <a:spcPct val="90000"/>
+              </a:lnSpc>
+              <a:spcBef>
+                <a:spcPts val="500"/>
+              </a:spcBef>
+              <a:buFont typeface="Arial" panose="020B0604020202020204" pitchFamily="34" charset="0"/>
+              <a:buNone/>
+              <a:defRPr sz="1600" kern="1200">
+                <a:solidFill>
+                  <a:schemeClr val="tx1"/>
+                </a:solidFill>
+                <a:latin typeface="+mn-lt"/>
+                <a:ea typeface="+mn-ea"/>
+                <a:cs typeface="+mn-cs"/>
+              </a:defRPr>
+            </a:lvl9pPr>
+          </a:lstStyle>
+          <a:p>
+            <a:pPr marL="342900" indent="-342900" algn="l">
+              <a:buFont typeface="Arial" panose="020B0604020202020204" pitchFamily="34" charset="0"/>
+              <a:buChar char="•"/>
+            </a:pPr>
+            <a:r>
+              <a:rPr lang="ko-KR" altLang="en-US" sz="2000" dirty="0"/>
+              <a:t>처음 프로젝트가 </a:t>
+            </a:r>
+            <a:r>
+              <a:rPr lang="ko-KR" altLang="en-US" sz="2000" dirty="0" err="1"/>
+              <a:t>실행되었을때</a:t>
+            </a:r>
+            <a:r>
+              <a:rPr lang="ko-KR" altLang="en-US" sz="2000" dirty="0"/>
+              <a:t> 자동으로 테이블 생성</a:t>
+            </a:r>
+            <a:endParaRPr lang="en-US" altLang="ko-KR" sz="2000" dirty="0"/>
+          </a:p>
+          <a:p>
+            <a:pPr marL="342900" indent="-342900" algn="l">
+              <a:buFont typeface="Arial" panose="020B0604020202020204" pitchFamily="34" charset="0"/>
+              <a:buChar char="•"/>
+            </a:pPr>
+            <a:r>
+              <a:rPr lang="en-US" altLang="ko-KR" sz="2000" dirty="0"/>
+              <a:t>Key</a:t>
+            </a:r>
+            <a:r>
+              <a:rPr lang="ko-KR" altLang="en-US" sz="2000" dirty="0"/>
+              <a:t>와 </a:t>
+            </a:r>
+            <a:r>
+              <a:rPr lang="en-US" altLang="ko-KR" sz="2000" dirty="0"/>
+              <a:t>value</a:t>
+            </a:r>
+            <a:r>
+              <a:rPr lang="ko-KR" altLang="en-US" sz="2000" dirty="0"/>
+              <a:t>가 </a:t>
+            </a:r>
+            <a:r>
+              <a:rPr lang="en-US" altLang="ko-KR" sz="2000" dirty="0"/>
+              <a:t>String </a:t>
+            </a:r>
+            <a:r>
+              <a:rPr lang="ko-KR" altLang="en-US" sz="2000"/>
+              <a:t>형태로 값을 저장하는 </a:t>
+            </a:r>
+            <a:r>
+              <a:rPr lang="en-US" altLang="ko-KR" sz="2000" dirty="0"/>
+              <a:t>Map </a:t>
+            </a:r>
+            <a:r>
+              <a:rPr lang="ko-KR" altLang="en-US" sz="2000" dirty="0"/>
+              <a:t>생성</a:t>
+            </a:r>
+          </a:p>
+        </p:txBody>
+      </p:sp>
+      <p:pic>
+        <p:nvPicPr>
+          <p:cNvPr id="8" name="그림 7">
+            <a:extLst>
+              <a:ext uri="{FF2B5EF4-FFF2-40B4-BE49-F238E27FC236}">
+                <a16:creationId xmlns:a16="http://schemas.microsoft.com/office/drawing/2014/main" id="{A855CD5F-4D6D-4883-8AE9-4D0D34B36426}"/>
+              </a:ext>
+            </a:extLst>
+          </p:cNvPr>
+          <p:cNvPicPr>
+            <a:picLocks noChangeAspect="1"/>
+          </p:cNvPicPr>
+          <p:nvPr/>
+        </p:nvPicPr>
+        <p:blipFill>
+          <a:blip r:embed="rId4"/>
+          <a:stretch>
+            <a:fillRect/>
+          </a:stretch>
+        </p:blipFill>
+        <p:spPr>
+          <a:xfrm>
+            <a:off x="0" y="0"/>
+            <a:ext cx="4379053" cy="6858000"/>
+          </a:xfrm>
+          <a:prstGeom prst="rect">
+            <a:avLst/>
+          </a:prstGeom>
+        </p:spPr>
+      </p:pic>
+    </p:spTree>
+    <p:extLst>
+      <p:ext uri="{BB962C8B-B14F-4D97-AF65-F5344CB8AC3E}">
+        <p14:creationId xmlns:p14="http://schemas.microsoft.com/office/powerpoint/2010/main" val="2937425257"/>
+      </p:ext>
+    </p:extLst>
+  </p:cSld>
+  <p:clrMapOvr>
+    <a:masterClrMapping/>
+  </p:clrMapOvr>
+</p:sld>
+</file>
+
+<file path=ppt/slides/slide2.xml><?xml version="1.0" encoding="utf-8"?>
+<p:sld xmlns:a="http://schemas.openxmlformats.org/drawingml/2006/main" xmlns:r="http://schemas.openxmlformats.org/officeDocument/2006/relationships" xmlns:p="http://schemas.openxmlformats.org/presentationml/2006/main">
+  <p:cSld>
+    <p:spTree>
+      <p:nvGrpSpPr>
+        <p:cNvPr id="1" name=""/>
+        <p:cNvGrpSpPr/>
+        <p:nvPr/>
+      </p:nvGrpSpPr>
+      <p:grpSpPr>
+        <a:xfrm>
+          <a:off x="0" y="0"/>
+          <a:ext cx="0" cy="0"/>
+          <a:chOff x="0" y="0"/>
+          <a:chExt cx="0" cy="0"/>
+        </a:xfrm>
+      </p:grpSpPr>
+      <p:pic>
+        <p:nvPicPr>
           <p:cNvPr id="8" name="그림 7"/>
           <p:cNvPicPr>
             <a:picLocks noChangeAspect="1"/>
@@ -3651,26 +3966,25 @@
               <a:buChar char="•"/>
             </a:pPr>
             <a:r>
-              <a:rPr lang="en-US" altLang="ko-KR" sz="2000" dirty="0" smtClean="0"/>
+              <a:rPr lang="en-US" altLang="ko-KR" sz="2000" dirty="0"/>
               <a:t>GET method</a:t>
             </a:r>
             <a:r>
-              <a:rPr lang="ko-KR" altLang="en-US" sz="2000" dirty="0" smtClean="0"/>
+              <a:rPr lang="ko-KR" altLang="en-US" sz="2000" dirty="0"/>
               <a:t>를 사용해서 </a:t>
             </a:r>
             <a:r>
-              <a:rPr lang="en-US" altLang="ko-KR" sz="2000" dirty="0" err="1" smtClean="0"/>
+              <a:rPr lang="en-US" altLang="ko-KR" sz="2000" dirty="0" err="1"/>
               <a:t>login.jsp</a:t>
             </a:r>
             <a:r>
-              <a:rPr lang="en-US" altLang="ko-KR" sz="2000" dirty="0" smtClean="0"/>
+              <a:rPr lang="en-US" altLang="ko-KR" sz="2000" dirty="0"/>
               <a:t> </a:t>
             </a:r>
             <a:r>
-              <a:rPr lang="ko-KR" altLang="en-US" sz="2000" dirty="0" smtClean="0"/>
+              <a:rPr lang="ko-KR" altLang="en-US" sz="2000" dirty="0"/>
               <a:t>불러오기</a:t>
             </a:r>
-            <a:endParaRPr lang="ko-KR" altLang="en-US" sz="2000" dirty="0"/>
           </a:p>
         </p:txBody>
       </p:sp>
@@ -3865,7 +4179,7 @@
               <a:buChar char="•"/>
             </a:pPr>
             <a:r>
-              <a:rPr lang="en-US" altLang="ko-KR" sz="2000" dirty="0" err="1" smtClean="0"/>
+              <a:rPr lang="en-US" altLang="ko-KR" sz="2000" dirty="0" err="1"/>
               <a:t>home.jsp</a:t>
             </a:r>
             <a:r>
@@ -3873,22 +4187,21 @@
               <a:t> </a:t>
             </a:r>
             <a:r>
-              <a:rPr lang="ko-KR" altLang="en-US" sz="2000" dirty="0" smtClean="0"/>
+              <a:rPr lang="ko-KR" altLang="en-US" sz="2000" dirty="0"/>
               <a:t>에서 </a:t>
             </a:r>
             <a:r>
-              <a:rPr lang="en-US" altLang="ko-KR" sz="2000" dirty="0" err="1" smtClean="0"/>
+              <a:rPr lang="en-US" altLang="ko-KR" sz="2000" dirty="0" err="1"/>
               <a:t>login.jsp</a:t>
             </a:r>
             <a:r>
-              <a:rPr lang="en-US" altLang="ko-KR" sz="2000" dirty="0" smtClean="0"/>
+              <a:rPr lang="en-US" altLang="ko-KR" sz="2000" dirty="0"/>
               <a:t> </a:t>
             </a:r>
             <a:r>
-              <a:rPr lang="ko-KR" altLang="en-US" sz="2000" dirty="0" smtClean="0"/>
+              <a:rPr lang="ko-KR" altLang="en-US" sz="2000" dirty="0"/>
               <a:t>연결</a:t>
             </a:r>
-            <a:endParaRPr lang="ko-KR" altLang="en-US" sz="2000" dirty="0"/>
           </a:p>
         </p:txBody>
       </p:sp>
@@ -4083,22 +4396,21 @@
               <a:buChar char="•"/>
             </a:pPr>
             <a:r>
-              <a:rPr lang="en-US" altLang="ko-KR" sz="2000" dirty="0" smtClean="0"/>
+              <a:rPr lang="en-US" altLang="ko-KR" sz="2000" dirty="0"/>
               <a:t>Script</a:t>
             </a:r>
             <a:r>
-              <a:rPr lang="ko-KR" altLang="en-US" sz="2000" dirty="0" smtClean="0"/>
+              <a:rPr lang="ko-KR" altLang="en-US" sz="2000" dirty="0"/>
               <a:t>에서 </a:t>
             </a:r>
             <a:r>
-              <a:rPr lang="ko-KR" altLang="en-US" sz="2000" dirty="0" err="1" smtClean="0"/>
+              <a:rPr lang="ko-KR" altLang="en-US" sz="2000" dirty="0" err="1"/>
               <a:t>버튼별로</a:t>
             </a:r>
             <a:r>
-              <a:rPr lang="ko-KR" altLang="en-US" sz="2000" dirty="0" smtClean="0"/>
+              <a:rPr lang="ko-KR" altLang="en-US" sz="2000" dirty="0"/>
               <a:t> 클릭이벤트 설정</a:t>
             </a:r>
-            <a:endParaRPr lang="ko-KR" altLang="en-US" sz="2000" dirty="0"/>
           </a:p>
         </p:txBody>
       </p:sp>
@@ -4112,17 +4424,10 @@
   <p:clrMapOvr>
     <a:masterClrMapping/>
   </p:clrMapOvr>
-  <p:timing>
-    <p:tnLst>
-      <p:par>
-        <p:cTn id="1" dur="indefinite" restart="never" nodeType="tmRoot"/>
-      </p:par>
-    </p:tnLst>
-  </p:timing>
 </p:sld>
 </file>
 
-<file path=ppt/slides/slide2.xml><?xml version="1.0" encoding="utf-8"?>
+<file path=ppt/slides/slide3.xml><?xml version="1.0" encoding="utf-8"?>
 <p:sld xmlns:a="http://schemas.openxmlformats.org/drawingml/2006/main" xmlns:r="http://schemas.openxmlformats.org/officeDocument/2006/relationships" xmlns:p="http://schemas.openxmlformats.org/presentationml/2006/main">
   <p:cSld>
     <p:spTree>
@@ -4426,22 +4731,21 @@
               <a:buChar char="•"/>
             </a:pPr>
             <a:r>
-              <a:rPr lang="en-US" altLang="ko-KR" sz="2000" dirty="0" err="1" smtClean="0"/>
+              <a:rPr lang="en-US" altLang="ko-KR" sz="2000" dirty="0" err="1"/>
               <a:t>HttpSession</a:t>
             </a:r>
             <a:r>
-              <a:rPr lang="ko-KR" altLang="en-US" sz="2000" dirty="0" smtClean="0"/>
+              <a:rPr lang="ko-KR" altLang="en-US" sz="2000" dirty="0"/>
               <a:t>을 사용한 </a:t>
             </a:r>
             <a:r>
-              <a:rPr lang="en-US" altLang="ko-KR" sz="2000" dirty="0" smtClean="0"/>
+              <a:rPr lang="en-US" altLang="ko-KR" sz="2000" dirty="0"/>
               <a:t>login POST method </a:t>
             </a:r>
             <a:r>
-              <a:rPr lang="ko-KR" altLang="en-US" sz="2000" dirty="0" smtClean="0"/>
+              <a:rPr lang="ko-KR" altLang="en-US" sz="2000" dirty="0"/>
               <a:t>생성</a:t>
             </a:r>
-            <a:endParaRPr lang="ko-KR" altLang="en-US" sz="2000" dirty="0"/>
           </a:p>
         </p:txBody>
       </p:sp>
@@ -4636,15 +4940,15 @@
               <a:buChar char="•"/>
             </a:pPr>
             <a:r>
-              <a:rPr lang="en-US" altLang="ko-KR" sz="2000" dirty="0" smtClean="0"/>
+              <a:rPr lang="en-US" altLang="ko-KR" sz="2000" dirty="0"/>
               <a:t>POST method</a:t>
             </a:r>
             <a:r>
-              <a:rPr lang="ko-KR" altLang="en-US" sz="2000" dirty="0" smtClean="0"/>
+              <a:rPr lang="ko-KR" altLang="en-US" sz="2000" dirty="0"/>
               <a:t>를 이용한 </a:t>
             </a:r>
             <a:r>
-              <a:rPr lang="en-US" altLang="ko-KR" sz="2000" dirty="0" err="1" smtClean="0"/>
+              <a:rPr lang="en-US" altLang="ko-KR" sz="2000" dirty="0" err="1"/>
               <a:t>login.jsp</a:t>
             </a:r>
             <a:endParaRPr lang="ko-KR" altLang="en-US" sz="2000" dirty="0"/>
@@ -4661,17 +4965,10 @@
   <p:clrMapOvr>
     <a:masterClrMapping/>
   </p:clrMapOvr>
-  <p:timing>
-    <p:tnLst>
-      <p:par>
-        <p:cTn id="1" dur="indefinite" restart="never" nodeType="tmRoot"/>
-      </p:par>
-    </p:tnLst>
-  </p:timing>
 </p:sld>
 </file>
 
-<file path=ppt/slides/slide3.xml><?xml version="1.0" encoding="utf-8"?>
+<file path=ppt/slides/slide4.xml><?xml version="1.0" encoding="utf-8"?>
 <p:sld xmlns:a="http://schemas.openxmlformats.org/drawingml/2006/main" xmlns:r="http://schemas.openxmlformats.org/officeDocument/2006/relationships" xmlns:p="http://schemas.openxmlformats.org/presentationml/2006/main">
   <p:cSld>
     <p:spTree>
@@ -4786,42 +5083,41 @@
               <a:buChar char="•"/>
             </a:pPr>
             <a:r>
-              <a:rPr lang="en-US" altLang="ko-KR" dirty="0" smtClean="0"/>
+              <a:rPr lang="en-US" altLang="ko-KR" dirty="0"/>
               <a:t>Login method</a:t>
             </a:r>
             <a:r>
-              <a:rPr lang="ko-KR" altLang="en-US" dirty="0" smtClean="0"/>
+              <a:rPr lang="ko-KR" altLang="en-US" dirty="0"/>
               <a:t>의 </a:t>
             </a:r>
             <a:r>
-              <a:rPr lang="en-US" altLang="ko-KR" dirty="0" err="1" smtClean="0"/>
+              <a:rPr lang="en-US" altLang="ko-KR" dirty="0" err="1"/>
               <a:t>userVO</a:t>
             </a:r>
             <a:r>
-              <a:rPr lang="en-US" altLang="ko-KR" dirty="0" smtClean="0"/>
+              <a:rPr lang="en-US" altLang="ko-KR" dirty="0"/>
               <a:t> </a:t>
             </a:r>
             <a:r>
-              <a:rPr lang="ko-KR" altLang="en-US" dirty="0" smtClean="0"/>
+              <a:rPr lang="ko-KR" altLang="en-US" dirty="0"/>
               <a:t>값이 없으면 </a:t>
             </a:r>
             <a:r>
-              <a:rPr lang="en-US" altLang="ko-KR" dirty="0" smtClean="0"/>
+              <a:rPr lang="en-US" altLang="ko-KR" dirty="0"/>
               <a:t>FAIL</a:t>
             </a:r>
             <a:r>
-              <a:rPr lang="ko-KR" altLang="en-US" dirty="0" smtClean="0"/>
+              <a:rPr lang="ko-KR" altLang="en-US" dirty="0"/>
               <a:t>을 받아 </a:t>
             </a:r>
             <a:r>
-              <a:rPr lang="en-US" altLang="ko-KR" dirty="0" smtClean="0"/>
+              <a:rPr lang="en-US" altLang="ko-KR" dirty="0"/>
               <a:t>alert</a:t>
             </a:r>
             <a:r>
-              <a:rPr lang="ko-KR" altLang="en-US" dirty="0" smtClean="0"/>
+              <a:rPr lang="ko-KR" altLang="en-US" dirty="0"/>
               <a:t>창 작동</a:t>
             </a:r>
-            <a:endParaRPr lang="ko-KR" altLang="en-US" dirty="0"/>
           </a:p>
         </p:txBody>
       </p:sp>
@@ -4851,22 +5147,22 @@
               <a:buChar char="•"/>
             </a:pPr>
             <a:r>
-              <a:rPr lang="ko-KR" altLang="en-US" dirty="0" smtClean="0"/>
+              <a:rPr lang="ko-KR" altLang="en-US" dirty="0"/>
               <a:t>상수 </a:t>
             </a:r>
             <a:r>
-              <a:rPr lang="en-US" altLang="ko-KR" dirty="0" err="1" smtClean="0"/>
+              <a:rPr lang="en-US" altLang="ko-KR" dirty="0" err="1"/>
               <a:t>login_submit</a:t>
             </a:r>
             <a:r>
-              <a:rPr lang="en-US" altLang="ko-KR" dirty="0" smtClean="0"/>
+              <a:rPr lang="en-US" altLang="ko-KR" dirty="0"/>
               <a:t> </a:t>
             </a:r>
             <a:r>
-              <a:rPr lang="ko-KR" altLang="en-US" dirty="0" smtClean="0"/>
+              <a:rPr lang="ko-KR" altLang="en-US" dirty="0"/>
               <a:t>스크립트 작성</a:t>
             </a:r>
-            <a:endParaRPr lang="en-US" altLang="ko-KR" dirty="0" smtClean="0"/>
+            <a:endParaRPr lang="en-US" altLang="ko-KR" dirty="0"/>
           </a:p>
           <a:p>
             <a:pPr marL="342900" indent="-342900">
@@ -4874,19 +5170,19 @@
               <a:buChar char="•"/>
             </a:pPr>
             <a:r>
-              <a:rPr lang="ko-KR" altLang="en-US" dirty="0" smtClean="0"/>
+              <a:rPr lang="ko-KR" altLang="en-US" dirty="0"/>
               <a:t>입력된 값이 없다면 </a:t>
             </a:r>
             <a:r>
-              <a:rPr lang="en-US" altLang="ko-KR" dirty="0" smtClean="0"/>
+              <a:rPr lang="en-US" altLang="ko-KR" dirty="0"/>
               <a:t>alert </a:t>
             </a:r>
             <a:r>
-              <a:rPr lang="ko-KR" altLang="en-US" dirty="0" smtClean="0"/>
+              <a:rPr lang="ko-KR" altLang="en-US" dirty="0"/>
               <a:t>창 띄우고 해당 자리에 </a:t>
             </a:r>
             <a:r>
-              <a:rPr lang="en-US" altLang="ko-KR" dirty="0" smtClean="0"/>
+              <a:rPr lang="en-US" altLang="ko-KR" dirty="0"/>
               <a:t>focus</a:t>
             </a:r>
             <a:endParaRPr lang="ko-KR" altLang="en-US" dirty="0"/>
@@ -4903,17 +5199,10 @@
   <p:clrMapOvr>
     <a:masterClrMapping/>
   </p:clrMapOvr>
-  <p:timing>
-    <p:tnLst>
-      <p:par>
-        <p:cTn id="1" dur="indefinite" restart="never" nodeType="tmRoot"/>
-      </p:par>
-    </p:tnLst>
-  </p:timing>
 </p:sld>
 </file>
 
-<file path=ppt/slides/slide4.xml><?xml version="1.0" encoding="utf-8"?>
+<file path=ppt/slides/slide5.xml><?xml version="1.0" encoding="utf-8"?>
 <p:sld xmlns:a="http://schemas.openxmlformats.org/drawingml/2006/main" xmlns:r="http://schemas.openxmlformats.org/officeDocument/2006/relationships" xmlns:p="http://schemas.openxmlformats.org/presentationml/2006/main">
   <p:cSld>
     <p:spTree>
@@ -5217,26 +5506,25 @@
               <a:buChar char="•"/>
             </a:pPr>
             <a:r>
-              <a:rPr lang="en-US" altLang="ko-KR" sz="2000" dirty="0" smtClean="0"/>
+              <a:rPr lang="en-US" altLang="ko-KR" sz="2000" dirty="0"/>
               <a:t>GET method</a:t>
             </a:r>
             <a:r>
-              <a:rPr lang="ko-KR" altLang="en-US" sz="2000" dirty="0" smtClean="0"/>
+              <a:rPr lang="ko-KR" altLang="en-US" sz="2000" dirty="0"/>
               <a:t>를 사용해서 </a:t>
             </a:r>
             <a:r>
-              <a:rPr lang="en-US" altLang="ko-KR" sz="2000" dirty="0" err="1" smtClean="0"/>
+              <a:rPr lang="en-US" altLang="ko-KR" sz="2000" dirty="0" err="1"/>
               <a:t>join.jsp</a:t>
             </a:r>
             <a:r>
-              <a:rPr lang="en-US" altLang="ko-KR" sz="2000" dirty="0" smtClean="0"/>
+              <a:rPr lang="en-US" altLang="ko-KR" sz="2000" dirty="0"/>
               <a:t> </a:t>
             </a:r>
             <a:r>
-              <a:rPr lang="ko-KR" altLang="en-US" sz="2000" dirty="0" smtClean="0"/>
+              <a:rPr lang="ko-KR" altLang="en-US" sz="2000" dirty="0"/>
               <a:t>불러오기</a:t>
             </a:r>
-            <a:endParaRPr lang="ko-KR" altLang="en-US" sz="2000" dirty="0"/>
           </a:p>
         </p:txBody>
       </p:sp>
@@ -5431,7 +5719,7 @@
               <a:buChar char="•"/>
             </a:pPr>
             <a:r>
-              <a:rPr lang="en-US" altLang="ko-KR" sz="2000" dirty="0" err="1" smtClean="0"/>
+              <a:rPr lang="en-US" altLang="ko-KR" sz="2000" dirty="0" err="1"/>
               <a:t>home.jsp</a:t>
             </a:r>
             <a:r>
@@ -5439,22 +5727,21 @@
               <a:t> </a:t>
             </a:r>
             <a:r>
-              <a:rPr lang="ko-KR" altLang="en-US" sz="2000" dirty="0" smtClean="0"/>
+              <a:rPr lang="ko-KR" altLang="en-US" sz="2000" dirty="0"/>
               <a:t>에서 </a:t>
             </a:r>
             <a:r>
-              <a:rPr lang="en-US" altLang="ko-KR" sz="2000" dirty="0" err="1" smtClean="0"/>
+              <a:rPr lang="en-US" altLang="ko-KR" sz="2000" dirty="0" err="1"/>
               <a:t>login.jsp</a:t>
             </a:r>
             <a:r>
-              <a:rPr lang="en-US" altLang="ko-KR" sz="2000" dirty="0" smtClean="0"/>
+              <a:rPr lang="en-US" altLang="ko-KR" sz="2000" dirty="0"/>
               <a:t> </a:t>
             </a:r>
             <a:r>
-              <a:rPr lang="ko-KR" altLang="en-US" sz="2000" dirty="0" smtClean="0"/>
+              <a:rPr lang="ko-KR" altLang="en-US" sz="2000" dirty="0"/>
               <a:t>연결</a:t>
             </a:r>
-            <a:endParaRPr lang="ko-KR" altLang="en-US" sz="2000" dirty="0"/>
           </a:p>
         </p:txBody>
       </p:sp>
@@ -5649,14 +5936,13 @@
               <a:buChar char="•"/>
             </a:pPr>
             <a:r>
-              <a:rPr lang="en-US" altLang="ko-KR" sz="2000" dirty="0" smtClean="0"/>
+              <a:rPr lang="en-US" altLang="ko-KR" sz="2000" dirty="0"/>
               <a:t>Blur</a:t>
             </a:r>
             <a:r>
-              <a:rPr lang="ko-KR" altLang="en-US" sz="2000" dirty="0" smtClean="0"/>
+              <a:rPr lang="ko-KR" altLang="en-US" sz="2000" dirty="0"/>
               <a:t>를 사용해서 마우스포인터가 해당 태그요소를 벗어나면 이벤트가 발생</a:t>
             </a:r>
-            <a:endParaRPr lang="ko-KR" altLang="en-US" sz="2000" dirty="0"/>
           </a:p>
         </p:txBody>
       </p:sp>
@@ -5670,17 +5956,10 @@
   <p:clrMapOvr>
     <a:masterClrMapping/>
   </p:clrMapOvr>
-  <p:timing>
-    <p:tnLst>
-      <p:par>
-        <p:cTn id="1" dur="indefinite" restart="never" nodeType="tmRoot"/>
-      </p:par>
-    </p:tnLst>
-  </p:timing>
 </p:sld>
 </file>
 
-<file path=ppt/slides/slide5.xml><?xml version="1.0" encoding="utf-8"?>
+<file path=ppt/slides/slide6.xml><?xml version="1.0" encoding="utf-8"?>
 <p:sld xmlns:a="http://schemas.openxmlformats.org/drawingml/2006/main" xmlns:r="http://schemas.openxmlformats.org/officeDocument/2006/relationships" xmlns:p="http://schemas.openxmlformats.org/presentationml/2006/main">
   <p:cSld>
     <p:spTree>
@@ -5960,15 +6239,15 @@
               <a:buChar char="•"/>
             </a:pPr>
             <a:r>
-              <a:rPr lang="ko-KR" altLang="en-US" sz="2000" dirty="0" smtClean="0"/>
+              <a:rPr lang="ko-KR" altLang="en-US" sz="2000" dirty="0"/>
               <a:t>서버로 </a:t>
             </a:r>
             <a:r>
-              <a:rPr lang="en-US" altLang="ko-KR" sz="2000" dirty="0" smtClean="0"/>
+              <a:rPr lang="en-US" altLang="ko-KR" sz="2000" dirty="0"/>
               <a:t>fetch(ajax) </a:t>
             </a:r>
             <a:r>
-              <a:rPr lang="ko-KR" altLang="en-US" sz="2000" dirty="0" smtClean="0"/>
+              <a:rPr lang="ko-KR" altLang="en-US" sz="2000" dirty="0"/>
               <a:t>전송하기</a:t>
             </a:r>
           </a:p>
@@ -6165,26 +6444,25 @@
               <a:buChar char="•"/>
             </a:pPr>
             <a:r>
-              <a:rPr lang="en-US" altLang="ko-KR" sz="2000" dirty="0" err="1" smtClean="0"/>
+              <a:rPr lang="en-US" altLang="ko-KR" sz="2000" dirty="0" err="1"/>
               <a:t>id_check</a:t>
             </a:r>
             <a:r>
-              <a:rPr lang="en-US" altLang="ko-KR" sz="2000" dirty="0" smtClean="0"/>
+              <a:rPr lang="en-US" altLang="ko-KR" sz="2000" dirty="0"/>
               <a:t> method</a:t>
             </a:r>
             <a:r>
-              <a:rPr lang="ko-KR" altLang="en-US" sz="2000" dirty="0" smtClean="0"/>
+              <a:rPr lang="ko-KR" altLang="en-US" sz="2000" dirty="0"/>
               <a:t>에서 </a:t>
             </a:r>
             <a:r>
-              <a:rPr lang="en-US" altLang="ko-KR" sz="2000" dirty="0" smtClean="0"/>
+              <a:rPr lang="en-US" altLang="ko-KR" sz="2000" dirty="0"/>
               <a:t>ID</a:t>
             </a:r>
             <a:r>
-              <a:rPr lang="ko-KR" altLang="en-US" sz="2000" smtClean="0"/>
+              <a:rPr lang="ko-KR" altLang="en-US" sz="2000" dirty="0"/>
               <a:t>를 조회하여 유효성검사</a:t>
             </a:r>
-            <a:endParaRPr lang="ko-KR" altLang="en-US" sz="2000" dirty="0" smtClean="0"/>
           </a:p>
         </p:txBody>
       </p:sp>
@@ -6198,17 +6476,10 @@
   <p:clrMapOvr>
     <a:masterClrMapping/>
   </p:clrMapOvr>
-  <p:timing>
-    <p:tnLst>
-      <p:par>
-        <p:cTn id="1" dur="indefinite" restart="never" nodeType="tmRoot"/>
-      </p:par>
-    </p:tnLst>
-  </p:timing>
 </p:sld>
 </file>
 
-<file path=ppt/slides/slide6.xml><?xml version="1.0" encoding="utf-8"?>
+<file path=ppt/slides/slide7.xml><?xml version="1.0" encoding="utf-8"?>
 <p:sld xmlns:a="http://schemas.openxmlformats.org/drawingml/2006/main" xmlns:r="http://schemas.openxmlformats.org/officeDocument/2006/relationships" xmlns:p="http://schemas.openxmlformats.org/presentationml/2006/main">
   <p:cSld>
     <p:spTree>
@@ -6265,8 +6536,8 @@
         </p:blipFill>
         <p:spPr>
           <a:xfrm>
-            <a:off x="371210" y="550333"/>
-            <a:ext cx="4405312" cy="5765800"/>
+            <a:off x="0" y="0"/>
+            <a:ext cx="4405312" cy="6858000"/>
           </a:xfrm>
           <a:prstGeom prst="rect">
             <a:avLst/>
@@ -6289,7 +6560,7 @@
         </p:blipFill>
         <p:spPr>
           <a:xfrm>
-            <a:off x="5389146" y="3496733"/>
+            <a:off x="5383325" y="3810426"/>
             <a:ext cx="6464187" cy="2819400"/>
           </a:xfrm>
           <a:prstGeom prst="rect">
@@ -6297,6 +6568,437 @@
           </a:prstGeom>
         </p:spPr>
       </p:pic>
+      <p:sp>
+        <p:nvSpPr>
+          <p:cNvPr id="5" name="내용 개체 틀 3">
+            <a:extLst>
+              <a:ext uri="{FF2B5EF4-FFF2-40B4-BE49-F238E27FC236}">
+                <a16:creationId xmlns:a16="http://schemas.microsoft.com/office/drawing/2014/main" id="{CD0FA5CE-8A18-4C1F-8DEE-07F7C0ED1272}"/>
+              </a:ext>
+            </a:extLst>
+          </p:cNvPr>
+          <p:cNvSpPr txBox="1">
+            <a:spLocks/>
+          </p:cNvSpPr>
+          <p:nvPr/>
+        </p:nvSpPr>
+        <p:spPr>
+          <a:xfrm>
+            <a:off x="5383325" y="228174"/>
+            <a:ext cx="6464187" cy="322159"/>
+          </a:xfrm>
+          <a:prstGeom prst="rect">
+            <a:avLst/>
+          </a:prstGeom>
+        </p:spPr>
+        <p:txBody>
+          <a:bodyPr vert="horz" lIns="91440" tIns="45720" rIns="91440" bIns="45720" rtlCol="0">
+            <a:normAutofit fontScale="92500" lnSpcReduction="20000"/>
+          </a:bodyPr>
+          <a:lstStyle>
+            <a:lvl1pPr marL="0" indent="0" algn="ctr" defTabSz="914400" rtl="0" eaLnBrk="1" latinLnBrk="1" hangingPunct="1">
+              <a:lnSpc>
+                <a:spcPct val="90000"/>
+              </a:lnSpc>
+              <a:spcBef>
+                <a:spcPts val="1000"/>
+              </a:spcBef>
+              <a:buFont typeface="Arial" panose="020B0604020202020204" pitchFamily="34" charset="0"/>
+              <a:buNone/>
+              <a:defRPr sz="2400" kern="1200">
+                <a:solidFill>
+                  <a:schemeClr val="tx1"/>
+                </a:solidFill>
+                <a:latin typeface="+mn-lt"/>
+                <a:ea typeface="+mn-ea"/>
+                <a:cs typeface="+mn-cs"/>
+              </a:defRPr>
+            </a:lvl1pPr>
+            <a:lvl2pPr marL="457200" indent="0" algn="ctr" defTabSz="914400" rtl="0" eaLnBrk="1" latinLnBrk="1" hangingPunct="1">
+              <a:lnSpc>
+                <a:spcPct val="90000"/>
+              </a:lnSpc>
+              <a:spcBef>
+                <a:spcPts val="500"/>
+              </a:spcBef>
+              <a:buFont typeface="Arial" panose="020B0604020202020204" pitchFamily="34" charset="0"/>
+              <a:buNone/>
+              <a:defRPr sz="2000" kern="1200">
+                <a:solidFill>
+                  <a:schemeClr val="tx1"/>
+                </a:solidFill>
+                <a:latin typeface="+mn-lt"/>
+                <a:ea typeface="+mn-ea"/>
+                <a:cs typeface="+mn-cs"/>
+              </a:defRPr>
+            </a:lvl2pPr>
+            <a:lvl3pPr marL="914400" indent="0" algn="ctr" defTabSz="914400" rtl="0" eaLnBrk="1" latinLnBrk="1" hangingPunct="1">
+              <a:lnSpc>
+                <a:spcPct val="90000"/>
+              </a:lnSpc>
+              <a:spcBef>
+                <a:spcPts val="500"/>
+              </a:spcBef>
+              <a:buFont typeface="Arial" panose="020B0604020202020204" pitchFamily="34" charset="0"/>
+              <a:buNone/>
+              <a:defRPr sz="1800" kern="1200">
+                <a:solidFill>
+                  <a:schemeClr val="tx1"/>
+                </a:solidFill>
+                <a:latin typeface="+mn-lt"/>
+                <a:ea typeface="+mn-ea"/>
+                <a:cs typeface="+mn-cs"/>
+              </a:defRPr>
+            </a:lvl3pPr>
+            <a:lvl4pPr marL="1371600" indent="0" algn="ctr" defTabSz="914400" rtl="0" eaLnBrk="1" latinLnBrk="1" hangingPunct="1">
+              <a:lnSpc>
+                <a:spcPct val="90000"/>
+              </a:lnSpc>
+              <a:spcBef>
+                <a:spcPts val="500"/>
+              </a:spcBef>
+              <a:buFont typeface="Arial" panose="020B0604020202020204" pitchFamily="34" charset="0"/>
+              <a:buNone/>
+              <a:defRPr sz="1600" kern="1200">
+                <a:solidFill>
+                  <a:schemeClr val="tx1"/>
+                </a:solidFill>
+                <a:latin typeface="+mn-lt"/>
+                <a:ea typeface="+mn-ea"/>
+                <a:cs typeface="+mn-cs"/>
+              </a:defRPr>
+            </a:lvl4pPr>
+            <a:lvl5pPr marL="1828800" indent="0" algn="ctr" defTabSz="914400" rtl="0" eaLnBrk="1" latinLnBrk="1" hangingPunct="1">
+              <a:lnSpc>
+                <a:spcPct val="90000"/>
+              </a:lnSpc>
+              <a:spcBef>
+                <a:spcPts val="500"/>
+              </a:spcBef>
+              <a:buFont typeface="Arial" panose="020B0604020202020204" pitchFamily="34" charset="0"/>
+              <a:buNone/>
+              <a:defRPr sz="1600" kern="1200">
+                <a:solidFill>
+                  <a:schemeClr val="tx1"/>
+                </a:solidFill>
+                <a:latin typeface="+mn-lt"/>
+                <a:ea typeface="+mn-ea"/>
+                <a:cs typeface="+mn-cs"/>
+              </a:defRPr>
+            </a:lvl5pPr>
+            <a:lvl6pPr marL="2286000" indent="0" algn="ctr" defTabSz="914400" rtl="0" eaLnBrk="1" latinLnBrk="1" hangingPunct="1">
+              <a:lnSpc>
+                <a:spcPct val="90000"/>
+              </a:lnSpc>
+              <a:spcBef>
+                <a:spcPts val="500"/>
+              </a:spcBef>
+              <a:buFont typeface="Arial" panose="020B0604020202020204" pitchFamily="34" charset="0"/>
+              <a:buNone/>
+              <a:defRPr sz="1600" kern="1200">
+                <a:solidFill>
+                  <a:schemeClr val="tx1"/>
+                </a:solidFill>
+                <a:latin typeface="+mn-lt"/>
+                <a:ea typeface="+mn-ea"/>
+                <a:cs typeface="+mn-cs"/>
+              </a:defRPr>
+            </a:lvl6pPr>
+            <a:lvl7pPr marL="2743200" indent="0" algn="ctr" defTabSz="914400" rtl="0" eaLnBrk="1" latinLnBrk="1" hangingPunct="1">
+              <a:lnSpc>
+                <a:spcPct val="90000"/>
+              </a:lnSpc>
+              <a:spcBef>
+                <a:spcPts val="500"/>
+              </a:spcBef>
+              <a:buFont typeface="Arial" panose="020B0604020202020204" pitchFamily="34" charset="0"/>
+              <a:buNone/>
+              <a:defRPr sz="1600" kern="1200">
+                <a:solidFill>
+                  <a:schemeClr val="tx1"/>
+                </a:solidFill>
+                <a:latin typeface="+mn-lt"/>
+                <a:ea typeface="+mn-ea"/>
+                <a:cs typeface="+mn-cs"/>
+              </a:defRPr>
+            </a:lvl7pPr>
+            <a:lvl8pPr marL="3200400" indent="0" algn="ctr" defTabSz="914400" rtl="0" eaLnBrk="1" latinLnBrk="1" hangingPunct="1">
+              <a:lnSpc>
+                <a:spcPct val="90000"/>
+              </a:lnSpc>
+              <a:spcBef>
+                <a:spcPts val="500"/>
+              </a:spcBef>
+              <a:buFont typeface="Arial" panose="020B0604020202020204" pitchFamily="34" charset="0"/>
+              <a:buNone/>
+              <a:defRPr sz="1600" kern="1200">
+                <a:solidFill>
+                  <a:schemeClr val="tx1"/>
+                </a:solidFill>
+                <a:latin typeface="+mn-lt"/>
+                <a:ea typeface="+mn-ea"/>
+                <a:cs typeface="+mn-cs"/>
+              </a:defRPr>
+            </a:lvl8pPr>
+            <a:lvl9pPr marL="3657600" indent="0" algn="ctr" defTabSz="914400" rtl="0" eaLnBrk="1" latinLnBrk="1" hangingPunct="1">
+              <a:lnSpc>
+                <a:spcPct val="90000"/>
+              </a:lnSpc>
+              <a:spcBef>
+                <a:spcPts val="500"/>
+              </a:spcBef>
+              <a:buFont typeface="Arial" panose="020B0604020202020204" pitchFamily="34" charset="0"/>
+              <a:buNone/>
+              <a:defRPr sz="1600" kern="1200">
+                <a:solidFill>
+                  <a:schemeClr val="tx1"/>
+                </a:solidFill>
+                <a:latin typeface="+mn-lt"/>
+                <a:ea typeface="+mn-ea"/>
+                <a:cs typeface="+mn-cs"/>
+              </a:defRPr>
+            </a:lvl9pPr>
+          </a:lstStyle>
+          <a:p>
+            <a:pPr marL="342900" indent="-342900" algn="l">
+              <a:buFont typeface="Arial" panose="020B0604020202020204" pitchFamily="34" charset="0"/>
+              <a:buChar char="•"/>
+            </a:pPr>
+            <a:r>
+              <a:rPr lang="en-US" altLang="ko-KR" sz="2000" dirty="0"/>
+              <a:t>join Post method</a:t>
+            </a:r>
+            <a:endParaRPr lang="ko-KR" altLang="en-US" sz="2000" dirty="0"/>
+          </a:p>
+        </p:txBody>
+      </p:sp>
+      <p:sp>
+        <p:nvSpPr>
+          <p:cNvPr id="8" name="내용 개체 틀 3">
+            <a:extLst>
+              <a:ext uri="{FF2B5EF4-FFF2-40B4-BE49-F238E27FC236}">
+                <a16:creationId xmlns:a16="http://schemas.microsoft.com/office/drawing/2014/main" id="{6F60BA19-F49B-4EC0-86F8-330E5DCA496F}"/>
+              </a:ext>
+            </a:extLst>
+          </p:cNvPr>
+          <p:cNvSpPr txBox="1">
+            <a:spLocks/>
+          </p:cNvSpPr>
+          <p:nvPr/>
+        </p:nvSpPr>
+        <p:spPr>
+          <a:xfrm>
+            <a:off x="5383325" y="3488267"/>
+            <a:ext cx="6464187" cy="322159"/>
+          </a:xfrm>
+          <a:prstGeom prst="rect">
+            <a:avLst/>
+          </a:prstGeom>
+        </p:spPr>
+        <p:txBody>
+          <a:bodyPr vert="horz" lIns="91440" tIns="45720" rIns="91440" bIns="45720" rtlCol="0">
+            <a:normAutofit fontScale="85000" lnSpcReduction="10000"/>
+          </a:bodyPr>
+          <a:lstStyle>
+            <a:lvl1pPr marL="0" indent="0" algn="ctr" defTabSz="914400" rtl="0" eaLnBrk="1" latinLnBrk="1" hangingPunct="1">
+              <a:lnSpc>
+                <a:spcPct val="90000"/>
+              </a:lnSpc>
+              <a:spcBef>
+                <a:spcPts val="1000"/>
+              </a:spcBef>
+              <a:buFont typeface="Arial" panose="020B0604020202020204" pitchFamily="34" charset="0"/>
+              <a:buNone/>
+              <a:defRPr sz="2400" kern="1200">
+                <a:solidFill>
+                  <a:schemeClr val="tx1"/>
+                </a:solidFill>
+                <a:latin typeface="+mn-lt"/>
+                <a:ea typeface="+mn-ea"/>
+                <a:cs typeface="+mn-cs"/>
+              </a:defRPr>
+            </a:lvl1pPr>
+            <a:lvl2pPr marL="457200" indent="0" algn="ctr" defTabSz="914400" rtl="0" eaLnBrk="1" latinLnBrk="1" hangingPunct="1">
+              <a:lnSpc>
+                <a:spcPct val="90000"/>
+              </a:lnSpc>
+              <a:spcBef>
+                <a:spcPts val="500"/>
+              </a:spcBef>
+              <a:buFont typeface="Arial" panose="020B0604020202020204" pitchFamily="34" charset="0"/>
+              <a:buNone/>
+              <a:defRPr sz="2000" kern="1200">
+                <a:solidFill>
+                  <a:schemeClr val="tx1"/>
+                </a:solidFill>
+                <a:latin typeface="+mn-lt"/>
+                <a:ea typeface="+mn-ea"/>
+                <a:cs typeface="+mn-cs"/>
+              </a:defRPr>
+            </a:lvl2pPr>
+            <a:lvl3pPr marL="914400" indent="0" algn="ctr" defTabSz="914400" rtl="0" eaLnBrk="1" latinLnBrk="1" hangingPunct="1">
+              <a:lnSpc>
+                <a:spcPct val="90000"/>
+              </a:lnSpc>
+              <a:spcBef>
+                <a:spcPts val="500"/>
+              </a:spcBef>
+              <a:buFont typeface="Arial" panose="020B0604020202020204" pitchFamily="34" charset="0"/>
+              <a:buNone/>
+              <a:defRPr sz="1800" kern="1200">
+                <a:solidFill>
+                  <a:schemeClr val="tx1"/>
+                </a:solidFill>
+                <a:latin typeface="+mn-lt"/>
+                <a:ea typeface="+mn-ea"/>
+                <a:cs typeface="+mn-cs"/>
+              </a:defRPr>
+            </a:lvl3pPr>
+            <a:lvl4pPr marL="1371600" indent="0" algn="ctr" defTabSz="914400" rtl="0" eaLnBrk="1" latinLnBrk="1" hangingPunct="1">
+              <a:lnSpc>
+                <a:spcPct val="90000"/>
+              </a:lnSpc>
+              <a:spcBef>
+                <a:spcPts val="500"/>
+              </a:spcBef>
+              <a:buFont typeface="Arial" panose="020B0604020202020204" pitchFamily="34" charset="0"/>
+              <a:buNone/>
+              <a:defRPr sz="1600" kern="1200">
+                <a:solidFill>
+                  <a:schemeClr val="tx1"/>
+                </a:solidFill>
+                <a:latin typeface="+mn-lt"/>
+                <a:ea typeface="+mn-ea"/>
+                <a:cs typeface="+mn-cs"/>
+              </a:defRPr>
+            </a:lvl4pPr>
+            <a:lvl5pPr marL="1828800" indent="0" algn="ctr" defTabSz="914400" rtl="0" eaLnBrk="1" latinLnBrk="1" hangingPunct="1">
+              <a:lnSpc>
+                <a:spcPct val="90000"/>
+              </a:lnSpc>
+              <a:spcBef>
+                <a:spcPts val="500"/>
+              </a:spcBef>
+              <a:buFont typeface="Arial" panose="020B0604020202020204" pitchFamily="34" charset="0"/>
+              <a:buNone/>
+              <a:defRPr sz="1600" kern="1200">
+                <a:solidFill>
+                  <a:schemeClr val="tx1"/>
+                </a:solidFill>
+                <a:latin typeface="+mn-lt"/>
+                <a:ea typeface="+mn-ea"/>
+                <a:cs typeface="+mn-cs"/>
+              </a:defRPr>
+            </a:lvl5pPr>
+            <a:lvl6pPr marL="2286000" indent="0" algn="ctr" defTabSz="914400" rtl="0" eaLnBrk="1" latinLnBrk="1" hangingPunct="1">
+              <a:lnSpc>
+                <a:spcPct val="90000"/>
+              </a:lnSpc>
+              <a:spcBef>
+                <a:spcPts val="500"/>
+              </a:spcBef>
+              <a:buFont typeface="Arial" panose="020B0604020202020204" pitchFamily="34" charset="0"/>
+              <a:buNone/>
+              <a:defRPr sz="1600" kern="1200">
+                <a:solidFill>
+                  <a:schemeClr val="tx1"/>
+                </a:solidFill>
+                <a:latin typeface="+mn-lt"/>
+                <a:ea typeface="+mn-ea"/>
+                <a:cs typeface="+mn-cs"/>
+              </a:defRPr>
+            </a:lvl6pPr>
+            <a:lvl7pPr marL="2743200" indent="0" algn="ctr" defTabSz="914400" rtl="0" eaLnBrk="1" latinLnBrk="1" hangingPunct="1">
+              <a:lnSpc>
+                <a:spcPct val="90000"/>
+              </a:lnSpc>
+              <a:spcBef>
+                <a:spcPts val="500"/>
+              </a:spcBef>
+              <a:buFont typeface="Arial" panose="020B0604020202020204" pitchFamily="34" charset="0"/>
+              <a:buNone/>
+              <a:defRPr sz="1600" kern="1200">
+                <a:solidFill>
+                  <a:schemeClr val="tx1"/>
+                </a:solidFill>
+                <a:latin typeface="+mn-lt"/>
+                <a:ea typeface="+mn-ea"/>
+                <a:cs typeface="+mn-cs"/>
+              </a:defRPr>
+            </a:lvl7pPr>
+            <a:lvl8pPr marL="3200400" indent="0" algn="ctr" defTabSz="914400" rtl="0" eaLnBrk="1" latinLnBrk="1" hangingPunct="1">
+              <a:lnSpc>
+                <a:spcPct val="90000"/>
+              </a:lnSpc>
+              <a:spcBef>
+                <a:spcPts val="500"/>
+              </a:spcBef>
+              <a:buFont typeface="Arial" panose="020B0604020202020204" pitchFamily="34" charset="0"/>
+              <a:buNone/>
+              <a:defRPr sz="1600" kern="1200">
+                <a:solidFill>
+                  <a:schemeClr val="tx1"/>
+                </a:solidFill>
+                <a:latin typeface="+mn-lt"/>
+                <a:ea typeface="+mn-ea"/>
+                <a:cs typeface="+mn-cs"/>
+              </a:defRPr>
+            </a:lvl8pPr>
+            <a:lvl9pPr marL="3657600" indent="0" algn="ctr" defTabSz="914400" rtl="0" eaLnBrk="1" latinLnBrk="1" hangingPunct="1">
+              <a:lnSpc>
+                <a:spcPct val="90000"/>
+              </a:lnSpc>
+              <a:spcBef>
+                <a:spcPts val="500"/>
+              </a:spcBef>
+              <a:buFont typeface="Arial" panose="020B0604020202020204" pitchFamily="34" charset="0"/>
+              <a:buNone/>
+              <a:defRPr sz="1600" kern="1200">
+                <a:solidFill>
+                  <a:schemeClr val="tx1"/>
+                </a:solidFill>
+                <a:latin typeface="+mn-lt"/>
+                <a:ea typeface="+mn-ea"/>
+                <a:cs typeface="+mn-cs"/>
+              </a:defRPr>
+            </a:lvl9pPr>
+          </a:lstStyle>
+          <a:p>
+            <a:pPr marL="342900" indent="-342900" algn="l">
+              <a:buFont typeface="Arial" panose="020B0604020202020204" pitchFamily="34" charset="0"/>
+              <a:buChar char="•"/>
+            </a:pPr>
+            <a:r>
+              <a:rPr lang="en-US" altLang="ko-KR" sz="2000" dirty="0"/>
+              <a:t>Service</a:t>
+            </a:r>
+            <a:r>
+              <a:rPr lang="ko-KR" altLang="en-US" sz="2000" dirty="0"/>
+              <a:t>단에서 </a:t>
+            </a:r>
+            <a:r>
+              <a:rPr lang="en-US" altLang="ko-KR" sz="2000" dirty="0" err="1"/>
+              <a:t>UserDao</a:t>
+            </a:r>
+            <a:r>
+              <a:rPr lang="ko-KR" altLang="en-US" sz="2000" dirty="0"/>
+              <a:t>에서 생성한 </a:t>
+            </a:r>
+            <a:r>
+              <a:rPr lang="en-US" altLang="ko-KR" sz="2000" dirty="0" err="1"/>
+              <a:t>insertOrUpdate</a:t>
+            </a:r>
+            <a:r>
+              <a:rPr lang="en-US" altLang="ko-KR" sz="2000" dirty="0"/>
+              <a:t> </a:t>
+            </a:r>
+            <a:r>
+              <a:rPr lang="ko-KR" altLang="en-US" sz="2000" dirty="0"/>
+              <a:t>호출</a:t>
+            </a:r>
+          </a:p>
+        </p:txBody>
+      </p:sp>
     </p:spTree>
     <p:extLst>
       <p:ext uri="{BB962C8B-B14F-4D97-AF65-F5344CB8AC3E}">
@@ -6307,17 +7009,10 @@
   <p:clrMapOvr>
     <a:masterClrMapping/>
   </p:clrMapOvr>
-  <p:timing>
-    <p:tnLst>
-      <p:par>
-        <p:cTn id="1" dur="indefinite" restart="never" nodeType="tmRoot"/>
-      </p:par>
-    </p:tnLst>
-  </p:timing>
 </p:sld>
 </file>
 
-<file path=ppt/slides/slide7.xml><?xml version="1.0" encoding="utf-8"?>
+<file path=ppt/slides/slide8.xml><?xml version="1.0" encoding="utf-8"?>
 <p:sld xmlns:a="http://schemas.openxmlformats.org/drawingml/2006/main" xmlns:r="http://schemas.openxmlformats.org/officeDocument/2006/relationships" xmlns:p="http://schemas.openxmlformats.org/presentationml/2006/main">
   <p:cSld>
     <p:spTree>
@@ -6350,8 +7045,8 @@
         </p:blipFill>
         <p:spPr>
           <a:xfrm>
-            <a:off x="341841" y="550333"/>
-            <a:ext cx="4413250" cy="5757334"/>
+            <a:off x="0" y="0"/>
+            <a:ext cx="4413250" cy="6858000"/>
           </a:xfrm>
           <a:prstGeom prst="rect">
             <a:avLst/>
@@ -6374,7 +7069,7 @@
         </p:blipFill>
         <p:spPr>
           <a:xfrm>
-            <a:off x="5389145" y="1295399"/>
+            <a:off x="5383325" y="2083963"/>
             <a:ext cx="6464187" cy="3615267"/>
           </a:xfrm>
           <a:prstGeom prst="rect">
@@ -6382,30 +7077,272 @@
           </a:prstGeom>
         </p:spPr>
       </p:pic>
-      <p:pic>
-        <p:nvPicPr>
-          <p:cNvPr id="6" name="그림 5"/>
-          <p:cNvPicPr>
-            <a:picLocks noChangeAspect="1"/>
-          </p:cNvPicPr>
+      <p:sp>
+        <p:nvSpPr>
+          <p:cNvPr id="7" name="내용 개체 틀 3">
+            <a:extLst>
+              <a:ext uri="{FF2B5EF4-FFF2-40B4-BE49-F238E27FC236}">
+                <a16:creationId xmlns:a16="http://schemas.microsoft.com/office/drawing/2014/main" id="{746A9916-27DB-4FEE-A81D-CFE781893215}"/>
+              </a:ext>
+            </a:extLst>
+          </p:cNvPr>
+          <p:cNvSpPr txBox="1">
+            <a:spLocks/>
+          </p:cNvSpPr>
           <p:nvPr/>
-        </p:nvPicPr>
-        <p:blipFill>
-          <a:blip r:embed="rId4"/>
-          <a:stretch>
-            <a:fillRect/>
-          </a:stretch>
-        </p:blipFill>
+        </p:nvSpPr>
         <p:spPr>
           <a:xfrm>
-            <a:off x="5389146" y="550333"/>
-            <a:ext cx="6464187" cy="523948"/>
+            <a:off x="5383325" y="518561"/>
+            <a:ext cx="6464187" cy="1565402"/>
           </a:xfrm>
           <a:prstGeom prst="rect">
             <a:avLst/>
           </a:prstGeom>
         </p:spPr>
-      </p:pic>
+        <p:txBody>
+          <a:bodyPr vert="horz" lIns="91440" tIns="45720" rIns="91440" bIns="45720" rtlCol="0">
+            <a:normAutofit/>
+          </a:bodyPr>
+          <a:lstStyle>
+            <a:lvl1pPr marL="0" indent="0" algn="ctr" defTabSz="914400" rtl="0" eaLnBrk="1" latinLnBrk="1" hangingPunct="1">
+              <a:lnSpc>
+                <a:spcPct val="90000"/>
+              </a:lnSpc>
+              <a:spcBef>
+                <a:spcPts val="1000"/>
+              </a:spcBef>
+              <a:buFont typeface="Arial" panose="020B0604020202020204" pitchFamily="34" charset="0"/>
+              <a:buNone/>
+              <a:defRPr sz="2400" kern="1200">
+                <a:solidFill>
+                  <a:schemeClr val="tx1"/>
+                </a:solidFill>
+                <a:latin typeface="+mn-lt"/>
+                <a:ea typeface="+mn-ea"/>
+                <a:cs typeface="+mn-cs"/>
+              </a:defRPr>
+            </a:lvl1pPr>
+            <a:lvl2pPr marL="457200" indent="0" algn="ctr" defTabSz="914400" rtl="0" eaLnBrk="1" latinLnBrk="1" hangingPunct="1">
+              <a:lnSpc>
+                <a:spcPct val="90000"/>
+              </a:lnSpc>
+              <a:spcBef>
+                <a:spcPts val="500"/>
+              </a:spcBef>
+              <a:buFont typeface="Arial" panose="020B0604020202020204" pitchFamily="34" charset="0"/>
+              <a:buNone/>
+              <a:defRPr sz="2000" kern="1200">
+                <a:solidFill>
+                  <a:schemeClr val="tx1"/>
+                </a:solidFill>
+                <a:latin typeface="+mn-lt"/>
+                <a:ea typeface="+mn-ea"/>
+                <a:cs typeface="+mn-cs"/>
+              </a:defRPr>
+            </a:lvl2pPr>
+            <a:lvl3pPr marL="914400" indent="0" algn="ctr" defTabSz="914400" rtl="0" eaLnBrk="1" latinLnBrk="1" hangingPunct="1">
+              <a:lnSpc>
+                <a:spcPct val="90000"/>
+              </a:lnSpc>
+              <a:spcBef>
+                <a:spcPts val="500"/>
+              </a:spcBef>
+              <a:buFont typeface="Arial" panose="020B0604020202020204" pitchFamily="34" charset="0"/>
+              <a:buNone/>
+              <a:defRPr sz="1800" kern="1200">
+                <a:solidFill>
+                  <a:schemeClr val="tx1"/>
+                </a:solidFill>
+                <a:latin typeface="+mn-lt"/>
+                <a:ea typeface="+mn-ea"/>
+                <a:cs typeface="+mn-cs"/>
+              </a:defRPr>
+            </a:lvl3pPr>
+            <a:lvl4pPr marL="1371600" indent="0" algn="ctr" defTabSz="914400" rtl="0" eaLnBrk="1" latinLnBrk="1" hangingPunct="1">
+              <a:lnSpc>
+                <a:spcPct val="90000"/>
+              </a:lnSpc>
+              <a:spcBef>
+                <a:spcPts val="500"/>
+              </a:spcBef>
+              <a:buFont typeface="Arial" panose="020B0604020202020204" pitchFamily="34" charset="0"/>
+              <a:buNone/>
+              <a:defRPr sz="1600" kern="1200">
+                <a:solidFill>
+                  <a:schemeClr val="tx1"/>
+                </a:solidFill>
+                <a:latin typeface="+mn-lt"/>
+                <a:ea typeface="+mn-ea"/>
+                <a:cs typeface="+mn-cs"/>
+              </a:defRPr>
+            </a:lvl4pPr>
+            <a:lvl5pPr marL="1828800" indent="0" algn="ctr" defTabSz="914400" rtl="0" eaLnBrk="1" latinLnBrk="1" hangingPunct="1">
+              <a:lnSpc>
+                <a:spcPct val="90000"/>
+              </a:lnSpc>
+              <a:spcBef>
+                <a:spcPts val="500"/>
+              </a:spcBef>
+              <a:buFont typeface="Arial" panose="020B0604020202020204" pitchFamily="34" charset="0"/>
+              <a:buNone/>
+              <a:defRPr sz="1600" kern="1200">
+                <a:solidFill>
+                  <a:schemeClr val="tx1"/>
+                </a:solidFill>
+                <a:latin typeface="+mn-lt"/>
+                <a:ea typeface="+mn-ea"/>
+                <a:cs typeface="+mn-cs"/>
+              </a:defRPr>
+            </a:lvl5pPr>
+            <a:lvl6pPr marL="2286000" indent="0" algn="ctr" defTabSz="914400" rtl="0" eaLnBrk="1" latinLnBrk="1" hangingPunct="1">
+              <a:lnSpc>
+                <a:spcPct val="90000"/>
+              </a:lnSpc>
+              <a:spcBef>
+                <a:spcPts val="500"/>
+              </a:spcBef>
+              <a:buFont typeface="Arial" panose="020B0604020202020204" pitchFamily="34" charset="0"/>
+              <a:buNone/>
+              <a:defRPr sz="1600" kern="1200">
+                <a:solidFill>
+                  <a:schemeClr val="tx1"/>
+                </a:solidFill>
+                <a:latin typeface="+mn-lt"/>
+                <a:ea typeface="+mn-ea"/>
+                <a:cs typeface="+mn-cs"/>
+              </a:defRPr>
+            </a:lvl6pPr>
+            <a:lvl7pPr marL="2743200" indent="0" algn="ctr" defTabSz="914400" rtl="0" eaLnBrk="1" latinLnBrk="1" hangingPunct="1">
+              <a:lnSpc>
+                <a:spcPct val="90000"/>
+              </a:lnSpc>
+              <a:spcBef>
+                <a:spcPts val="500"/>
+              </a:spcBef>
+              <a:buFont typeface="Arial" panose="020B0604020202020204" pitchFamily="34" charset="0"/>
+              <a:buNone/>
+              <a:defRPr sz="1600" kern="1200">
+                <a:solidFill>
+                  <a:schemeClr val="tx1"/>
+                </a:solidFill>
+                <a:latin typeface="+mn-lt"/>
+                <a:ea typeface="+mn-ea"/>
+                <a:cs typeface="+mn-cs"/>
+              </a:defRPr>
+            </a:lvl7pPr>
+            <a:lvl8pPr marL="3200400" indent="0" algn="ctr" defTabSz="914400" rtl="0" eaLnBrk="1" latinLnBrk="1" hangingPunct="1">
+              <a:lnSpc>
+                <a:spcPct val="90000"/>
+              </a:lnSpc>
+              <a:spcBef>
+                <a:spcPts val="500"/>
+              </a:spcBef>
+              <a:buFont typeface="Arial" panose="020B0604020202020204" pitchFamily="34" charset="0"/>
+              <a:buNone/>
+              <a:defRPr sz="1600" kern="1200">
+                <a:solidFill>
+                  <a:schemeClr val="tx1"/>
+                </a:solidFill>
+                <a:latin typeface="+mn-lt"/>
+                <a:ea typeface="+mn-ea"/>
+                <a:cs typeface="+mn-cs"/>
+              </a:defRPr>
+            </a:lvl8pPr>
+            <a:lvl9pPr marL="3657600" indent="0" algn="ctr" defTabSz="914400" rtl="0" eaLnBrk="1" latinLnBrk="1" hangingPunct="1">
+              <a:lnSpc>
+                <a:spcPct val="90000"/>
+              </a:lnSpc>
+              <a:spcBef>
+                <a:spcPts val="500"/>
+              </a:spcBef>
+              <a:buFont typeface="Arial" panose="020B0604020202020204" pitchFamily="34" charset="0"/>
+              <a:buNone/>
+              <a:defRPr sz="1600" kern="1200">
+                <a:solidFill>
+                  <a:schemeClr val="tx1"/>
+                </a:solidFill>
+                <a:latin typeface="+mn-lt"/>
+                <a:ea typeface="+mn-ea"/>
+                <a:cs typeface="+mn-cs"/>
+              </a:defRPr>
+            </a:lvl9pPr>
+          </a:lstStyle>
+          <a:p>
+            <a:pPr marL="342900" indent="-342900" algn="l">
+              <a:buFont typeface="Arial" panose="020B0604020202020204" pitchFamily="34" charset="0"/>
+              <a:buChar char="•"/>
+            </a:pPr>
+            <a:r>
+              <a:rPr lang="en-US" altLang="ko-KR" sz="2000" dirty="0"/>
+              <a:t>Service</a:t>
+            </a:r>
+            <a:r>
+              <a:rPr lang="ko-KR" altLang="en-US" sz="2000" dirty="0"/>
+              <a:t>단에서 </a:t>
+            </a:r>
+            <a:r>
+              <a:rPr lang="en-US" altLang="ko-KR" sz="2000" dirty="0" err="1"/>
+              <a:t>UserDao</a:t>
+            </a:r>
+            <a:r>
+              <a:rPr lang="ko-KR" altLang="en-US" sz="2000" dirty="0"/>
+              <a:t>에서 생성한 </a:t>
+            </a:r>
+            <a:r>
+              <a:rPr lang="en-US" altLang="ko-KR" sz="2000" dirty="0" err="1"/>
+              <a:t>insertOrUpdate</a:t>
+            </a:r>
+            <a:r>
+              <a:rPr lang="en-US" altLang="ko-KR" sz="2000" dirty="0"/>
+              <a:t> </a:t>
+            </a:r>
+            <a:r>
+              <a:rPr lang="ko-KR" altLang="en-US" sz="2000" dirty="0"/>
+              <a:t>호출</a:t>
+            </a:r>
+            <a:endParaRPr lang="en-US" altLang="ko-KR" sz="2000" dirty="0"/>
+          </a:p>
+          <a:p>
+            <a:pPr marL="342900" indent="-342900" algn="l">
+              <a:buFont typeface="Arial" panose="020B0604020202020204" pitchFamily="34" charset="0"/>
+              <a:buChar char="•"/>
+            </a:pPr>
+            <a:r>
+              <a:rPr lang="en-US" altLang="ko-KR" sz="2000" dirty="0"/>
+              <a:t>mapper</a:t>
+            </a:r>
+            <a:r>
+              <a:rPr lang="ko-KR" altLang="en-US" sz="2000" dirty="0"/>
+              <a:t>에 값이 없으면 </a:t>
+            </a:r>
+            <a:r>
+              <a:rPr lang="en-US" altLang="ko-KR" sz="2000" dirty="0"/>
+              <a:t>insert, </a:t>
+            </a:r>
+            <a:r>
+              <a:rPr lang="ko-KR" altLang="en-US" sz="2000" dirty="0"/>
+              <a:t>값이 있으면 </a:t>
+            </a:r>
+            <a:r>
+              <a:rPr lang="en-US" altLang="ko-KR" sz="2000" dirty="0"/>
+              <a:t>update </a:t>
+            </a:r>
+            <a:r>
+              <a:rPr lang="ko-KR" altLang="en-US" sz="2000" dirty="0"/>
+              <a:t>하기 위해 </a:t>
+            </a:r>
+            <a:r>
+              <a:rPr lang="en-US" altLang="ko-KR" sz="2000" dirty="0"/>
+              <a:t>ON DUPLICATE KEY UPDATE </a:t>
+            </a:r>
+            <a:r>
+              <a:rPr lang="ko-KR" altLang="en-US" sz="2000" dirty="0"/>
+              <a:t>사용</a:t>
+            </a:r>
+          </a:p>
+        </p:txBody>
+      </p:sp>
     </p:spTree>
     <p:extLst>
       <p:ext uri="{BB962C8B-B14F-4D97-AF65-F5344CB8AC3E}">
@@ -6416,122 +7353,6 @@
   <p:clrMapOvr>
     <a:masterClrMapping/>
   </p:clrMapOvr>
-  <p:timing>
-    <p:tnLst>
-      <p:par>
-        <p:cTn id="1" dur="indefinite" restart="never" nodeType="tmRoot"/>
-      </p:par>
-    </p:tnLst>
-  </p:timing>
-</p:sld>
-</file>
-
-<file path=ppt/slides/slide8.xml><?xml version="1.0" encoding="utf-8"?>
-<p:sld xmlns:a="http://schemas.openxmlformats.org/drawingml/2006/main" xmlns:r="http://schemas.openxmlformats.org/officeDocument/2006/relationships" xmlns:p="http://schemas.openxmlformats.org/presentationml/2006/main">
-  <p:cSld>
-    <p:spTree>
-      <p:nvGrpSpPr>
-        <p:cNvPr id="1" name=""/>
-        <p:cNvGrpSpPr/>
-        <p:nvPr/>
-      </p:nvGrpSpPr>
-      <p:grpSpPr>
-        <a:xfrm>
-          <a:off x="0" y="0"/>
-          <a:ext cx="0" cy="0"/>
-          <a:chOff x="0" y="0"/>
-          <a:chExt cx="0" cy="0"/>
-        </a:xfrm>
-      </p:grpSpPr>
-      <p:pic>
-        <p:nvPicPr>
-          <p:cNvPr id="2" name="그림 1"/>
-          <p:cNvPicPr>
-            <a:picLocks noChangeAspect="1"/>
-          </p:cNvPicPr>
-          <p:nvPr/>
-        </p:nvPicPr>
-        <p:blipFill>
-          <a:blip r:embed="rId2"/>
-          <a:stretch>
-            <a:fillRect/>
-          </a:stretch>
-        </p:blipFill>
-        <p:spPr>
-          <a:xfrm>
-            <a:off x="5401734" y="578217"/>
-            <a:ext cx="6485466" cy="2314898"/>
-          </a:xfrm>
-          <a:prstGeom prst="rect">
-            <a:avLst/>
-          </a:prstGeom>
-        </p:spPr>
-      </p:pic>
-      <p:pic>
-        <p:nvPicPr>
-          <p:cNvPr id="3" name="그림 2"/>
-          <p:cNvPicPr>
-            <a:picLocks noChangeAspect="1"/>
-          </p:cNvPicPr>
-          <p:nvPr/>
-        </p:nvPicPr>
-        <p:blipFill>
-          <a:blip r:embed="rId3"/>
-          <a:stretch>
-            <a:fillRect/>
-          </a:stretch>
-        </p:blipFill>
-        <p:spPr>
-          <a:xfrm>
-            <a:off x="5401734" y="3429000"/>
-            <a:ext cx="6485466" cy="2191056"/>
-          </a:xfrm>
-          <a:prstGeom prst="rect">
-            <a:avLst/>
-          </a:prstGeom>
-        </p:spPr>
-      </p:pic>
-      <p:pic>
-        <p:nvPicPr>
-          <p:cNvPr id="4" name="그림 3"/>
-          <p:cNvPicPr>
-            <a:picLocks noChangeAspect="1"/>
-          </p:cNvPicPr>
-          <p:nvPr/>
-        </p:nvPicPr>
-        <p:blipFill>
-          <a:blip r:embed="rId4"/>
-          <a:stretch>
-            <a:fillRect/>
-          </a:stretch>
-        </p:blipFill>
-        <p:spPr>
-          <a:xfrm>
-            <a:off x="327806" y="578217"/>
-            <a:ext cx="4438927" cy="5788715"/>
-          </a:xfrm>
-          <a:prstGeom prst="rect">
-            <a:avLst/>
-          </a:prstGeom>
-        </p:spPr>
-      </p:pic>
-    </p:spTree>
-    <p:extLst>
-      <p:ext uri="{BB962C8B-B14F-4D97-AF65-F5344CB8AC3E}">
-        <p14:creationId xmlns:p14="http://schemas.microsoft.com/office/powerpoint/2010/main" val="2937425257"/>
-      </p:ext>
-    </p:extLst>
-  </p:cSld>
-  <p:clrMapOvr>
-    <a:masterClrMapping/>
-  </p:clrMapOvr>
-  <p:timing>
-    <p:tnLst>
-      <p:par>
-        <p:cTn id="1" dur="indefinite" restart="never" nodeType="tmRoot"/>
-      </p:par>
-    </p:tnLst>
-  </p:timing>
 </p:sld>
 </file>
 
